--- a/docs/calc.pptx
+++ b/docs/calc.pptx
@@ -3625,8 +3625,8 @@
           <a:chExt cx="0" cy="0"/>
         </a:xfrm>
       </p:grpSpPr>
-      <mc:AlternateContent xmlns:mc="http://schemas.openxmlformats.org/markup-compatibility/2006">
-        <mc:Choice xmlns:a14="http://schemas.microsoft.com/office/drawing/2010/main" Requires="a14">
+      <mc:AlternateContent xmlns:mc="http://schemas.openxmlformats.org/markup-compatibility/2006" xmlns:a14="http://schemas.microsoft.com/office/drawing/2010/main">
+        <mc:Choice Requires="a14">
           <p:sp>
             <p:nvSpPr>
               <p:cNvPr id="5" name="テキスト ボックス 4">
@@ -3741,7 +3741,7 @@
             </p:txBody>
           </p:sp>
         </mc:Choice>
-        <mc:Fallback>
+        <mc:Fallback xmlns="">
           <p:sp>
             <p:nvSpPr>
               <p:cNvPr id="5" name="テキスト ボックス 4">
@@ -3786,8 +3786,8 @@
           </p:sp>
         </mc:Fallback>
       </mc:AlternateContent>
-      <mc:AlternateContent xmlns:mc="http://schemas.openxmlformats.org/markup-compatibility/2006">
-        <mc:Choice xmlns:a14="http://schemas.microsoft.com/office/drawing/2010/main" Requires="a14">
+      <mc:AlternateContent xmlns:mc="http://schemas.openxmlformats.org/markup-compatibility/2006" xmlns:a14="http://schemas.microsoft.com/office/drawing/2010/main">
+        <mc:Choice Requires="a14">
           <p:sp>
             <p:nvSpPr>
               <p:cNvPr id="7" name="テキスト ボックス 6">
@@ -4005,7 +4005,7 @@
             </p:txBody>
           </p:sp>
         </mc:Choice>
-        <mc:Fallback>
+        <mc:Fallback xmlns="">
           <p:sp>
             <p:nvSpPr>
               <p:cNvPr id="7" name="テキスト ボックス 6">
@@ -4050,8 +4050,8 @@
           </p:sp>
         </mc:Fallback>
       </mc:AlternateContent>
-      <mc:AlternateContent xmlns:mc="http://schemas.openxmlformats.org/markup-compatibility/2006">
-        <mc:Choice xmlns:a14="http://schemas.microsoft.com/office/drawing/2010/main" Requires="a14">
+      <mc:AlternateContent xmlns:mc="http://schemas.openxmlformats.org/markup-compatibility/2006" xmlns:a14="http://schemas.microsoft.com/office/drawing/2010/main">
+        <mc:Choice Requires="a14">
           <p:sp>
             <p:nvSpPr>
               <p:cNvPr id="8" name="テキスト ボックス 7">
@@ -4080,6 +4080,7 @@
               </a:bodyPr>
               <a:lstStyle/>
               <a:p>
+                <a:pPr/>
                 <a14:m>
                   <m:oMathPara xmlns:m="http://schemas.openxmlformats.org/officeDocument/2006/math">
                     <m:oMathParaPr>
@@ -4242,7 +4243,7 @@
             </p:txBody>
           </p:sp>
         </mc:Choice>
-        <mc:Fallback>
+        <mc:Fallback xmlns="">
           <p:sp>
             <p:nvSpPr>
               <p:cNvPr id="8" name="テキスト ボックス 7">
@@ -4287,8 +4288,8 @@
           </p:sp>
         </mc:Fallback>
       </mc:AlternateContent>
-      <mc:AlternateContent xmlns:mc="http://schemas.openxmlformats.org/markup-compatibility/2006">
-        <mc:Choice xmlns:a14="http://schemas.microsoft.com/office/drawing/2010/main" Requires="a14">
+      <mc:AlternateContent xmlns:mc="http://schemas.openxmlformats.org/markup-compatibility/2006" xmlns:a14="http://schemas.microsoft.com/office/drawing/2010/main">
+        <mc:Choice Requires="a14">
           <p:sp>
             <p:nvSpPr>
               <p:cNvPr id="9" name="テキスト ボックス 8">
@@ -4317,6 +4318,7 @@
               </a:bodyPr>
               <a:lstStyle/>
               <a:p>
+                <a:pPr/>
                 <a14:m>
                   <m:oMathPara xmlns:m="http://schemas.openxmlformats.org/officeDocument/2006/math">
                     <m:oMathParaPr>
@@ -4449,7 +4451,7 @@
             </p:txBody>
           </p:sp>
         </mc:Choice>
-        <mc:Fallback>
+        <mc:Fallback xmlns="">
           <p:sp>
             <p:nvSpPr>
               <p:cNvPr id="9" name="テキスト ボックス 8">
@@ -4494,8 +4496,8 @@
           </p:sp>
         </mc:Fallback>
       </mc:AlternateContent>
-      <mc:AlternateContent xmlns:mc="http://schemas.openxmlformats.org/markup-compatibility/2006">
-        <mc:Choice xmlns:a14="http://schemas.microsoft.com/office/drawing/2010/main" Requires="a14">
+      <mc:AlternateContent xmlns:mc="http://schemas.openxmlformats.org/markup-compatibility/2006" xmlns:a14="http://schemas.microsoft.com/office/drawing/2010/main">
+        <mc:Choice Requires="a14">
           <p:sp>
             <p:nvSpPr>
               <p:cNvPr id="10" name="テキスト ボックス 9">
@@ -4524,6 +4526,7 @@
               </a:bodyPr>
               <a:lstStyle/>
               <a:p>
+                <a:pPr/>
                 <a14:m>
                   <m:oMathPara xmlns:m="http://schemas.openxmlformats.org/officeDocument/2006/math">
                     <m:oMathParaPr>
@@ -4639,7 +4642,7 @@
             </p:txBody>
           </p:sp>
         </mc:Choice>
-        <mc:Fallback>
+        <mc:Fallback xmlns="">
           <p:sp>
             <p:nvSpPr>
               <p:cNvPr id="10" name="テキスト ボックス 9">
@@ -4684,8 +4687,8 @@
           </p:sp>
         </mc:Fallback>
       </mc:AlternateContent>
-      <mc:AlternateContent xmlns:mc="http://schemas.openxmlformats.org/markup-compatibility/2006">
-        <mc:Choice xmlns:a14="http://schemas.microsoft.com/office/drawing/2010/main" Requires="a14">
+      <mc:AlternateContent xmlns:mc="http://schemas.openxmlformats.org/markup-compatibility/2006" xmlns:a14="http://schemas.microsoft.com/office/drawing/2010/main">
+        <mc:Choice Requires="a14">
           <p:sp>
             <p:nvSpPr>
               <p:cNvPr id="11" name="テキスト ボックス 10">
@@ -4757,7 +4760,7 @@
             </p:txBody>
           </p:sp>
         </mc:Choice>
-        <mc:Fallback>
+        <mc:Fallback xmlns="">
           <p:sp>
             <p:nvSpPr>
               <p:cNvPr id="11" name="テキスト ボックス 10">
@@ -4802,8 +4805,8 @@
           </p:sp>
         </mc:Fallback>
       </mc:AlternateContent>
-      <mc:AlternateContent xmlns:mc="http://schemas.openxmlformats.org/markup-compatibility/2006">
-        <mc:Choice xmlns:a14="http://schemas.microsoft.com/office/drawing/2010/main" Requires="a14">
+      <mc:AlternateContent xmlns:mc="http://schemas.openxmlformats.org/markup-compatibility/2006" xmlns:a14="http://schemas.microsoft.com/office/drawing/2010/main">
+        <mc:Choice Requires="a14">
           <p:sp>
             <p:nvSpPr>
               <p:cNvPr id="12" name="テキスト ボックス 11">
@@ -4832,6 +4835,7 @@
               </a:bodyPr>
               <a:lstStyle/>
               <a:p>
+                <a:pPr/>
                 <a14:m>
                   <m:oMathPara xmlns:m="http://schemas.openxmlformats.org/officeDocument/2006/math">
                     <m:oMathParaPr>
@@ -5003,7 +5007,7 @@
             </p:txBody>
           </p:sp>
         </mc:Choice>
-        <mc:Fallback>
+        <mc:Fallback xmlns="">
           <p:sp>
             <p:nvSpPr>
               <p:cNvPr id="12" name="テキスト ボックス 11">
@@ -5157,7 +5161,7 @@
             <p:spPr>
               <a:xfrm>
                 <a:off x="1349282" y="971596"/>
-                <a:ext cx="4284443" cy="276999"/>
+                <a:ext cx="4056880" cy="276999"/>
               </a:xfrm>
               <a:prstGeom prst="rect">
                 <a:avLst/>
@@ -5352,37 +5356,6 @@
                         </m:r>
                       </m:sub>
                     </m:sSub>
-                    <m:r>
-                      <a:rPr kumimoji="1" lang="en-US" altLang="ja-JP" b="0" i="1" smtClean="0">
-                        <a:latin typeface="Cambria Math" panose="02040503050406030204" pitchFamily="18" charset="0"/>
-                      </a:rPr>
-                      <m:t>, </m:t>
-                    </m:r>
-                    <m:sSub>
-                      <m:sSubPr>
-                        <m:ctrlPr>
-                          <a:rPr kumimoji="1" lang="en-US" altLang="ja-JP" b="0" i="1" smtClean="0">
-                            <a:latin typeface="Cambria Math" panose="02040503050406030204" pitchFamily="18" charset="0"/>
-                          </a:rPr>
-                        </m:ctrlPr>
-                      </m:sSubPr>
-                      <m:e>
-                        <m:r>
-                          <a:rPr kumimoji="1" lang="en-US" altLang="ja-JP" b="0" i="1" smtClean="0">
-                            <a:latin typeface="Cambria Math" panose="02040503050406030204" pitchFamily="18" charset="0"/>
-                          </a:rPr>
-                          <m:t>𝑑</m:t>
-                        </m:r>
-                      </m:e>
-                      <m:sub>
-                        <m:r>
-                          <a:rPr kumimoji="1" lang="en-US" altLang="ja-JP" b="0" i="1" smtClean="0">
-                            <a:latin typeface="Cambria Math" panose="02040503050406030204" pitchFamily="18" charset="0"/>
-                          </a:rPr>
-                          <m:t>2</m:t>
-                        </m:r>
-                      </m:sub>
-                    </m:sSub>
                   </m:oMath>
                 </a14:m>
                 <a:r>
@@ -5411,7 +5384,7 @@
             <p:spPr>
               <a:xfrm>
                 <a:off x="1349282" y="971596"/>
-                <a:ext cx="4284443" cy="276999"/>
+                <a:ext cx="4056880" cy="276999"/>
               </a:xfrm>
               <a:prstGeom prst="rect">
                 <a:avLst/>
@@ -5419,7 +5392,7 @@
               <a:blipFill>
                 <a:blip r:embed="rId9"/>
                 <a:stretch>
-                  <a:fillRect l="-1422" t="-26087" r="-2845" b="-52174"/>
+                  <a:fillRect l="-1502" t="-26087" r="-450" b="-52174"/>
                 </a:stretch>
               </a:blipFill>
             </p:spPr>
@@ -5438,8 +5411,8 @@
           </p:sp>
         </mc:Fallback>
       </mc:AlternateContent>
-      <mc:AlternateContent xmlns:mc="http://schemas.openxmlformats.org/markup-compatibility/2006">
-        <mc:Choice xmlns:a14="http://schemas.microsoft.com/office/drawing/2010/main" Requires="a14">
+      <mc:AlternateContent xmlns:mc="http://schemas.openxmlformats.org/markup-compatibility/2006" xmlns:a14="http://schemas.microsoft.com/office/drawing/2010/main">
+        <mc:Choice Requires="a14">
           <p:sp>
             <p:nvSpPr>
               <p:cNvPr id="16" name="テキスト ボックス 15">
@@ -5505,7 +5478,7 @@
             </p:txBody>
           </p:sp>
         </mc:Choice>
-        <mc:Fallback>
+        <mc:Fallback xmlns="">
           <p:sp>
             <p:nvSpPr>
               <p:cNvPr id="16" name="テキスト ボックス 15">
@@ -5550,8 +5523,8 @@
           </p:sp>
         </mc:Fallback>
       </mc:AlternateContent>
-      <mc:AlternateContent xmlns:mc="http://schemas.openxmlformats.org/markup-compatibility/2006">
-        <mc:Choice xmlns:a14="http://schemas.microsoft.com/office/drawing/2010/main" Requires="a14">
+      <mc:AlternateContent xmlns:mc="http://schemas.openxmlformats.org/markup-compatibility/2006" xmlns:a14="http://schemas.microsoft.com/office/drawing/2010/main">
+        <mc:Choice Requires="a14">
           <p:sp>
             <p:nvSpPr>
               <p:cNvPr id="17" name="テキスト ボックス 16">
@@ -5662,7 +5635,7 @@
             </p:txBody>
           </p:sp>
         </mc:Choice>
-        <mc:Fallback>
+        <mc:Fallback xmlns="">
           <p:sp>
             <p:nvSpPr>
               <p:cNvPr id="17" name="テキスト ボックス 16">
@@ -5707,8 +5680,8 @@
           </p:sp>
         </mc:Fallback>
       </mc:AlternateContent>
-      <mc:AlternateContent xmlns:mc="http://schemas.openxmlformats.org/markup-compatibility/2006">
-        <mc:Choice xmlns:a14="http://schemas.microsoft.com/office/drawing/2010/main" Requires="a14">
+      <mc:AlternateContent xmlns:mc="http://schemas.openxmlformats.org/markup-compatibility/2006" xmlns:a14="http://schemas.microsoft.com/office/drawing/2010/main">
+        <mc:Choice Requires="a14">
           <p:sp>
             <p:nvSpPr>
               <p:cNvPr id="18" name="テキスト ボックス 17">
@@ -5819,7 +5792,7 @@
             </p:txBody>
           </p:sp>
         </mc:Choice>
-        <mc:Fallback>
+        <mc:Fallback xmlns="">
           <p:sp>
             <p:nvSpPr>
               <p:cNvPr id="18" name="テキスト ボックス 17">

--- a/docs/calc.pptx
+++ b/docs/calc.pptx
@@ -6,6 +6,8 @@
   </p:sldMasterIdLst>
   <p:sldIdLst>
     <p:sldId id="256" r:id="rId2"/>
+    <p:sldId id="258" r:id="rId3"/>
+    <p:sldId id="259" r:id="rId4"/>
   </p:sldIdLst>
   <p:sldSz cx="12192000" cy="6858000"/>
   <p:notesSz cx="6858000" cy="9144000"/>
@@ -270,7 +272,7 @@
           <a:p>
             <a:fld id="{1C36889C-4343-40BE-A0D3-8CCCBB675766}" type="datetimeFigureOut">
               <a:rPr kumimoji="1" lang="ja-JP" altLang="en-US" smtClean="0"/>
-              <a:t>2020/2/10</a:t>
+              <a:t>2020/2/12</a:t>
             </a:fld>
             <a:endParaRPr kumimoji="1" lang="ja-JP" altLang="en-US"/>
           </a:p>
@@ -500,7 +502,7 @@
           <a:p>
             <a:fld id="{1C36889C-4343-40BE-A0D3-8CCCBB675766}" type="datetimeFigureOut">
               <a:rPr kumimoji="1" lang="ja-JP" altLang="en-US" smtClean="0"/>
-              <a:t>2020/2/10</a:t>
+              <a:t>2020/2/12</a:t>
             </a:fld>
             <a:endParaRPr kumimoji="1" lang="ja-JP" altLang="en-US"/>
           </a:p>
@@ -740,7 +742,7 @@
           <a:p>
             <a:fld id="{1C36889C-4343-40BE-A0D3-8CCCBB675766}" type="datetimeFigureOut">
               <a:rPr kumimoji="1" lang="ja-JP" altLang="en-US" smtClean="0"/>
-              <a:t>2020/2/10</a:t>
+              <a:t>2020/2/12</a:t>
             </a:fld>
             <a:endParaRPr kumimoji="1" lang="ja-JP" altLang="en-US"/>
           </a:p>
@@ -970,7 +972,7 @@
           <a:p>
             <a:fld id="{1C36889C-4343-40BE-A0D3-8CCCBB675766}" type="datetimeFigureOut">
               <a:rPr kumimoji="1" lang="ja-JP" altLang="en-US" smtClean="0"/>
-              <a:t>2020/2/10</a:t>
+              <a:t>2020/2/12</a:t>
             </a:fld>
             <a:endParaRPr kumimoji="1" lang="ja-JP" altLang="en-US"/>
           </a:p>
@@ -1245,7 +1247,7 @@
           <a:p>
             <a:fld id="{1C36889C-4343-40BE-A0D3-8CCCBB675766}" type="datetimeFigureOut">
               <a:rPr kumimoji="1" lang="ja-JP" altLang="en-US" smtClean="0"/>
-              <a:t>2020/2/10</a:t>
+              <a:t>2020/2/12</a:t>
             </a:fld>
             <a:endParaRPr kumimoji="1" lang="ja-JP" altLang="en-US"/>
           </a:p>
@@ -1574,7 +1576,7 @@
           <a:p>
             <a:fld id="{1C36889C-4343-40BE-A0D3-8CCCBB675766}" type="datetimeFigureOut">
               <a:rPr kumimoji="1" lang="ja-JP" altLang="en-US" smtClean="0"/>
-              <a:t>2020/2/10</a:t>
+              <a:t>2020/2/12</a:t>
             </a:fld>
             <a:endParaRPr kumimoji="1" lang="ja-JP" altLang="en-US"/>
           </a:p>
@@ -2050,7 +2052,7 @@
           <a:p>
             <a:fld id="{1C36889C-4343-40BE-A0D3-8CCCBB675766}" type="datetimeFigureOut">
               <a:rPr kumimoji="1" lang="ja-JP" altLang="en-US" smtClean="0"/>
-              <a:t>2020/2/10</a:t>
+              <a:t>2020/2/12</a:t>
             </a:fld>
             <a:endParaRPr kumimoji="1" lang="ja-JP" altLang="en-US"/>
           </a:p>
@@ -2191,7 +2193,7 @@
           <a:p>
             <a:fld id="{1C36889C-4343-40BE-A0D3-8CCCBB675766}" type="datetimeFigureOut">
               <a:rPr kumimoji="1" lang="ja-JP" altLang="en-US" smtClean="0"/>
-              <a:t>2020/2/10</a:t>
+              <a:t>2020/2/12</a:t>
             </a:fld>
             <a:endParaRPr kumimoji="1" lang="ja-JP" altLang="en-US"/>
           </a:p>
@@ -2304,7 +2306,7 @@
           <a:p>
             <a:fld id="{1C36889C-4343-40BE-A0D3-8CCCBB675766}" type="datetimeFigureOut">
               <a:rPr kumimoji="1" lang="ja-JP" altLang="en-US" smtClean="0"/>
-              <a:t>2020/2/10</a:t>
+              <a:t>2020/2/12</a:t>
             </a:fld>
             <a:endParaRPr kumimoji="1" lang="ja-JP" altLang="en-US"/>
           </a:p>
@@ -2647,7 +2649,7 @@
           <a:p>
             <a:fld id="{1C36889C-4343-40BE-A0D3-8CCCBB675766}" type="datetimeFigureOut">
               <a:rPr kumimoji="1" lang="ja-JP" altLang="en-US" smtClean="0"/>
-              <a:t>2020/2/10</a:t>
+              <a:t>2020/2/12</a:t>
             </a:fld>
             <a:endParaRPr kumimoji="1" lang="ja-JP" altLang="en-US"/>
           </a:p>
@@ -2935,7 +2937,7 @@
           <a:p>
             <a:fld id="{1C36889C-4343-40BE-A0D3-8CCCBB675766}" type="datetimeFigureOut">
               <a:rPr kumimoji="1" lang="ja-JP" altLang="en-US" smtClean="0"/>
-              <a:t>2020/2/10</a:t>
+              <a:t>2020/2/12</a:t>
             </a:fld>
             <a:endParaRPr kumimoji="1" lang="ja-JP" altLang="en-US"/>
           </a:p>
@@ -3208,7 +3210,7 @@
           <a:p>
             <a:fld id="{1C36889C-4343-40BE-A0D3-8CCCBB675766}" type="datetimeFigureOut">
               <a:rPr kumimoji="1" lang="ja-JP" altLang="en-US" smtClean="0"/>
-              <a:t>2020/2/10</a:t>
+              <a:t>2020/2/12</a:t>
             </a:fld>
             <a:endParaRPr kumimoji="1" lang="ja-JP" altLang="en-US"/>
           </a:p>
@@ -5144,8 +5146,8 @@
           </a:p>
         </p:txBody>
       </p:sp>
-      <mc:AlternateContent xmlns:mc="http://schemas.openxmlformats.org/markup-compatibility/2006">
-        <mc:Choice xmlns:a14="http://schemas.microsoft.com/office/drawing/2010/main" Requires="a14">
+      <mc:AlternateContent xmlns:mc="http://schemas.openxmlformats.org/markup-compatibility/2006" xmlns:a14="http://schemas.microsoft.com/office/drawing/2010/main">
+        <mc:Choice Requires="a14">
           <p:sp>
             <p:nvSpPr>
               <p:cNvPr id="15" name="テキスト ボックス 14">
@@ -5366,7 +5368,7 @@
             </p:txBody>
           </p:sp>
         </mc:Choice>
-        <mc:Fallback>
+        <mc:Fallback xmlns="">
           <p:sp>
             <p:nvSpPr>
               <p:cNvPr id="15" name="テキスト ボックス 14">
@@ -5837,10 +5839,3717 @@
           </p:sp>
         </mc:Fallback>
       </mc:AlternateContent>
+      <mc:AlternateContent xmlns:mc="http://schemas.openxmlformats.org/markup-compatibility/2006">
+        <mc:Choice xmlns:a14="http://schemas.microsoft.com/office/drawing/2010/main" Requires="a14">
+          <p:sp>
+            <p:nvSpPr>
+              <p:cNvPr id="3" name="テキスト ボックス 2">
+                <a:extLst>
+                  <a:ext uri="{FF2B5EF4-FFF2-40B4-BE49-F238E27FC236}">
+                    <a16:creationId xmlns:a16="http://schemas.microsoft.com/office/drawing/2014/main" id="{36486460-3E68-407D-90CD-BC39A5ABFB3A}"/>
+                  </a:ext>
+                </a:extLst>
+              </p:cNvPr>
+              <p:cNvSpPr txBox="1"/>
+              <p:nvPr/>
+            </p:nvSpPr>
+            <p:spPr>
+              <a:xfrm>
+                <a:off x="6512822" y="968099"/>
+                <a:ext cx="289438" cy="276999"/>
+              </a:xfrm>
+              <a:prstGeom prst="rect">
+                <a:avLst/>
+              </a:prstGeom>
+              <a:noFill/>
+            </p:spPr>
+            <p:txBody>
+              <a:bodyPr wrap="none" lIns="0" tIns="0" rIns="0" bIns="0" rtlCol="0">
+                <a:spAutoFit/>
+              </a:bodyPr>
+              <a:lstStyle/>
+              <a:p>
+                <a14:m>
+                  <m:oMathPara xmlns:m="http://schemas.openxmlformats.org/officeDocument/2006/math">
+                    <m:oMathParaPr>
+                      <m:jc m:val="centerGroup"/>
+                    </m:oMathParaPr>
+                    <m:oMath xmlns:m="http://schemas.openxmlformats.org/officeDocument/2006/math">
+                      <m:sSub>
+                        <m:sSubPr>
+                          <m:ctrlPr>
+                            <a:rPr kumimoji="1" lang="en-US" altLang="ja-JP" b="0" i="1" smtClean="0">
+                              <a:latin typeface="Cambria Math" panose="02040503050406030204" pitchFamily="18" charset="0"/>
+                            </a:rPr>
+                          </m:ctrlPr>
+                        </m:sSubPr>
+                        <m:e>
+                          <m:r>
+                            <a:rPr kumimoji="1" lang="ja-JP" altLang="en-US" i="1" smtClean="0">
+                              <a:latin typeface="Cambria Math" panose="02040503050406030204" pitchFamily="18" charset="0"/>
+                            </a:rPr>
+                            <m:t>𝜃</m:t>
+                          </m:r>
+                        </m:e>
+                        <m:sub>
+                          <m:r>
+                            <a:rPr kumimoji="1" lang="en-US" altLang="ja-JP" b="0" i="1" smtClean="0">
+                              <a:latin typeface="Cambria Math" panose="02040503050406030204" pitchFamily="18" charset="0"/>
+                            </a:rPr>
+                            <m:t>1</m:t>
+                          </m:r>
+                        </m:sub>
+                      </m:sSub>
+                    </m:oMath>
+                  </m:oMathPara>
+                </a14:m>
+                <a:endParaRPr kumimoji="1" lang="ja-JP" altLang="en-US" dirty="0"/>
+              </a:p>
+            </p:txBody>
+          </p:sp>
+        </mc:Choice>
+        <mc:Fallback>
+          <p:sp>
+            <p:nvSpPr>
+              <p:cNvPr id="3" name="テキスト ボックス 2">
+                <a:extLst>
+                  <a:ext uri="{FF2B5EF4-FFF2-40B4-BE49-F238E27FC236}">
+                    <a16:creationId xmlns:a16="http://schemas.microsoft.com/office/drawing/2014/main" id="{36486460-3E68-407D-90CD-BC39A5ABFB3A}"/>
+                  </a:ext>
+                </a:extLst>
+              </p:cNvPr>
+              <p:cNvSpPr txBox="1">
+                <a:spLocks noRot="1" noChangeAspect="1" noMove="1" noResize="1" noEditPoints="1" noAdjustHandles="1" noChangeArrowheads="1" noChangeShapeType="1" noTextEdit="1"/>
+              </p:cNvSpPr>
+              <p:nvPr/>
+            </p:nvSpPr>
+            <p:spPr>
+              <a:xfrm>
+                <a:off x="6512822" y="968099"/>
+                <a:ext cx="289438" cy="276999"/>
+              </a:xfrm>
+              <a:prstGeom prst="rect">
+                <a:avLst/>
+              </a:prstGeom>
+              <a:blipFill>
+                <a:blip r:embed="rId13"/>
+                <a:stretch>
+                  <a:fillRect l="-14583" r="-6250" b="-15556"/>
+                </a:stretch>
+              </a:blipFill>
+            </p:spPr>
+            <p:txBody>
+              <a:bodyPr/>
+              <a:lstStyle/>
+              <a:p>
+                <a:r>
+                  <a:rPr lang="ja-JP" altLang="en-US">
+                    <a:noFill/>
+                  </a:rPr>
+                  <a:t> </a:t>
+                </a:r>
+              </a:p>
+            </p:txBody>
+          </p:sp>
+        </mc:Fallback>
+      </mc:AlternateContent>
+      <mc:AlternateContent xmlns:mc="http://schemas.openxmlformats.org/markup-compatibility/2006">
+        <mc:Choice xmlns:a14="http://schemas.microsoft.com/office/drawing/2010/main" Requires="a14">
+          <p:sp>
+            <p:nvSpPr>
+              <p:cNvPr id="19" name="テキスト ボックス 18">
+                <a:extLst>
+                  <a:ext uri="{FF2B5EF4-FFF2-40B4-BE49-F238E27FC236}">
+                    <a16:creationId xmlns:a16="http://schemas.microsoft.com/office/drawing/2014/main" id="{9BA574D6-CFA9-4EEB-88CD-6B7789110BA2}"/>
+                  </a:ext>
+                </a:extLst>
+              </p:cNvPr>
+              <p:cNvSpPr txBox="1"/>
+              <p:nvPr/>
+            </p:nvSpPr>
+            <p:spPr>
+              <a:xfrm>
+                <a:off x="6413133" y="1480042"/>
+                <a:ext cx="306109" cy="276999"/>
+              </a:xfrm>
+              <a:prstGeom prst="rect">
+                <a:avLst/>
+              </a:prstGeom>
+              <a:noFill/>
+            </p:spPr>
+            <p:txBody>
+              <a:bodyPr wrap="none" lIns="0" tIns="0" rIns="0" bIns="0" rtlCol="0">
+                <a:spAutoFit/>
+              </a:bodyPr>
+              <a:lstStyle/>
+              <a:p>
+                <a14:m>
+                  <m:oMathPara xmlns:m="http://schemas.openxmlformats.org/officeDocument/2006/math">
+                    <m:oMathParaPr>
+                      <m:jc m:val="centerGroup"/>
+                    </m:oMathParaPr>
+                    <m:oMath xmlns:m="http://schemas.openxmlformats.org/officeDocument/2006/math">
+                      <m:sSub>
+                        <m:sSubPr>
+                          <m:ctrlPr>
+                            <a:rPr kumimoji="1" lang="en-US" altLang="ja-JP" b="0" i="1" smtClean="0">
+                              <a:latin typeface="Cambria Math" panose="02040503050406030204" pitchFamily="18" charset="0"/>
+                            </a:rPr>
+                          </m:ctrlPr>
+                        </m:sSubPr>
+                        <m:e>
+                          <m:r>
+                            <a:rPr kumimoji="1" lang="en-US" altLang="ja-JP" b="0" i="1" smtClean="0">
+                              <a:latin typeface="Cambria Math" panose="02040503050406030204" pitchFamily="18" charset="0"/>
+                            </a:rPr>
+                            <m:t>𝑑</m:t>
+                          </m:r>
+                        </m:e>
+                        <m:sub>
+                          <m:r>
+                            <a:rPr kumimoji="1" lang="en-US" altLang="ja-JP" b="0" i="1" smtClean="0">
+                              <a:latin typeface="Cambria Math" panose="02040503050406030204" pitchFamily="18" charset="0"/>
+                            </a:rPr>
+                            <m:t>1</m:t>
+                          </m:r>
+                        </m:sub>
+                      </m:sSub>
+                    </m:oMath>
+                  </m:oMathPara>
+                </a14:m>
+                <a:endParaRPr kumimoji="1" lang="ja-JP" altLang="en-US" dirty="0"/>
+              </a:p>
+            </p:txBody>
+          </p:sp>
+        </mc:Choice>
+        <mc:Fallback>
+          <p:sp>
+            <p:nvSpPr>
+              <p:cNvPr id="19" name="テキスト ボックス 18">
+                <a:extLst>
+                  <a:ext uri="{FF2B5EF4-FFF2-40B4-BE49-F238E27FC236}">
+                    <a16:creationId xmlns:a16="http://schemas.microsoft.com/office/drawing/2014/main" id="{9BA574D6-CFA9-4EEB-88CD-6B7789110BA2}"/>
+                  </a:ext>
+                </a:extLst>
+              </p:cNvPr>
+              <p:cNvSpPr txBox="1">
+                <a:spLocks noRot="1" noChangeAspect="1" noMove="1" noResize="1" noEditPoints="1" noAdjustHandles="1" noChangeArrowheads="1" noChangeShapeType="1" noTextEdit="1"/>
+              </p:cNvSpPr>
+              <p:nvPr/>
+            </p:nvSpPr>
+            <p:spPr>
+              <a:xfrm>
+                <a:off x="6413133" y="1480042"/>
+                <a:ext cx="306109" cy="276999"/>
+              </a:xfrm>
+              <a:prstGeom prst="rect">
+                <a:avLst/>
+              </a:prstGeom>
+              <a:blipFill>
+                <a:blip r:embed="rId14"/>
+                <a:stretch>
+                  <a:fillRect l="-16000" r="-6000" b="-15556"/>
+                </a:stretch>
+              </a:blipFill>
+            </p:spPr>
+            <p:txBody>
+              <a:bodyPr/>
+              <a:lstStyle/>
+              <a:p>
+                <a:r>
+                  <a:rPr lang="ja-JP" altLang="en-US">
+                    <a:noFill/>
+                  </a:rPr>
+                  <a:t> </a:t>
+                </a:r>
+              </a:p>
+            </p:txBody>
+          </p:sp>
+        </mc:Fallback>
+      </mc:AlternateContent>
     </p:spTree>
     <p:extLst>
       <p:ext uri="{BB962C8B-B14F-4D97-AF65-F5344CB8AC3E}">
         <p14:creationId xmlns:p14="http://schemas.microsoft.com/office/powerpoint/2010/main" val="934661771"/>
+      </p:ext>
+    </p:extLst>
+  </p:cSld>
+  <p:clrMapOvr>
+    <a:masterClrMapping/>
+  </p:clrMapOvr>
+</p:sld>
+</file>
+
+<file path=ppt/slides/slide2.xml><?xml version="1.0" encoding="utf-8"?>
+<p:sld xmlns:a="http://schemas.openxmlformats.org/drawingml/2006/main" xmlns:r="http://schemas.openxmlformats.org/officeDocument/2006/relationships" xmlns:p="http://schemas.openxmlformats.org/presentationml/2006/main">
+  <p:cSld>
+    <p:spTree>
+      <p:nvGrpSpPr>
+        <p:cNvPr id="1" name=""/>
+        <p:cNvGrpSpPr/>
+        <p:nvPr/>
+      </p:nvGrpSpPr>
+      <p:grpSpPr>
+        <a:xfrm>
+          <a:off x="0" y="0"/>
+          <a:ext cx="0" cy="0"/>
+          <a:chOff x="0" y="0"/>
+          <a:chExt cx="0" cy="0"/>
+        </a:xfrm>
+      </p:grpSpPr>
+      <mc:AlternateContent xmlns:mc="http://schemas.openxmlformats.org/markup-compatibility/2006">
+        <mc:Choice xmlns:a14="http://schemas.microsoft.com/office/drawing/2010/main" Requires="a14">
+          <p:sp>
+            <p:nvSpPr>
+              <p:cNvPr id="5" name="テキスト ボックス 4">
+                <a:extLst>
+                  <a:ext uri="{FF2B5EF4-FFF2-40B4-BE49-F238E27FC236}">
+                    <a16:creationId xmlns:a16="http://schemas.microsoft.com/office/drawing/2014/main" id="{E0DBAAFE-21A5-458F-AA45-0E163F4095D4}"/>
+                  </a:ext>
+                </a:extLst>
+              </p:cNvPr>
+              <p:cNvSpPr txBox="1"/>
+              <p:nvPr/>
+            </p:nvSpPr>
+            <p:spPr>
+              <a:xfrm>
+                <a:off x="1654082" y="2015016"/>
+                <a:ext cx="1613518" cy="276999"/>
+              </a:xfrm>
+              <a:prstGeom prst="rect">
+                <a:avLst/>
+              </a:prstGeom>
+              <a:noFill/>
+            </p:spPr>
+            <p:txBody>
+              <a:bodyPr wrap="square" lIns="0" tIns="0" rIns="0" bIns="0" rtlCol="0">
+                <a:spAutoFit/>
+              </a:bodyPr>
+              <a:lstStyle/>
+              <a:p>
+                <a:pPr/>
+                <a14:m>
+                  <m:oMath xmlns:m="http://schemas.openxmlformats.org/officeDocument/2006/math">
+                    <m:sSub>
+                      <m:sSubPr>
+                        <m:ctrlPr>
+                          <a:rPr kumimoji="1" lang="en-US" altLang="ja-JP" b="1" i="1" smtClean="0">
+                            <a:latin typeface="Cambria Math" panose="02040503050406030204" pitchFamily="18" charset="0"/>
+                          </a:rPr>
+                        </m:ctrlPr>
+                      </m:sSubPr>
+                      <m:e>
+                        <m:r>
+                          <a:rPr kumimoji="1" lang="en-US" altLang="ja-JP" b="1" i="1" smtClean="0">
+                            <a:latin typeface="Cambria Math" panose="02040503050406030204" pitchFamily="18" charset="0"/>
+                          </a:rPr>
+                          <m:t>𝒙</m:t>
+                        </m:r>
+                      </m:e>
+                      <m:sub>
+                        <m:r>
+                          <a:rPr kumimoji="1" lang="en-US" altLang="ja-JP" b="1" i="1" smtClean="0">
+                            <a:latin typeface="Cambria Math" panose="02040503050406030204" pitchFamily="18" charset="0"/>
+                          </a:rPr>
+                          <m:t>𝟐</m:t>
+                        </m:r>
+                      </m:sub>
+                    </m:sSub>
+                    <m:r>
+                      <a:rPr kumimoji="1" lang="en-US" altLang="ja-JP" b="1" i="1" smtClean="0">
+                        <a:latin typeface="Cambria Math" panose="02040503050406030204" pitchFamily="18" charset="0"/>
+                      </a:rPr>
+                      <m:t>=</m:t>
+                    </m:r>
+                    <m:sSub>
+                      <m:sSubPr>
+                        <m:ctrlPr>
+                          <a:rPr kumimoji="1" lang="en-US" altLang="ja-JP" b="1" i="1" smtClean="0">
+                            <a:latin typeface="Cambria Math" panose="02040503050406030204" pitchFamily="18" charset="0"/>
+                          </a:rPr>
+                        </m:ctrlPr>
+                      </m:sSubPr>
+                      <m:e>
+                        <m:r>
+                          <a:rPr kumimoji="1" lang="en-US" altLang="ja-JP" b="1" i="1" smtClean="0">
+                            <a:latin typeface="Cambria Math" panose="02040503050406030204" pitchFamily="18" charset="0"/>
+                          </a:rPr>
+                          <m:t>𝒙</m:t>
+                        </m:r>
+                      </m:e>
+                      <m:sub>
+                        <m:r>
+                          <a:rPr kumimoji="1" lang="en-US" altLang="ja-JP" b="1" i="1" smtClean="0">
+                            <a:latin typeface="Cambria Math" panose="02040503050406030204" pitchFamily="18" charset="0"/>
+                          </a:rPr>
+                          <m:t>𝟏</m:t>
+                        </m:r>
+                      </m:sub>
+                    </m:sSub>
+                    <m:r>
+                      <a:rPr kumimoji="1" lang="en-US" altLang="ja-JP" b="1" i="1" smtClean="0">
+                        <a:latin typeface="Cambria Math" panose="02040503050406030204" pitchFamily="18" charset="0"/>
+                      </a:rPr>
+                      <m:t>+</m:t>
+                    </m:r>
+                    <m:r>
+                      <a:rPr kumimoji="1" lang="en-US" altLang="ja-JP" b="1" i="1" smtClean="0">
+                        <a:latin typeface="Cambria Math" panose="02040503050406030204" pitchFamily="18" charset="0"/>
+                      </a:rPr>
+                      <m:t>𝒂</m:t>
+                    </m:r>
+                  </m:oMath>
+                </a14:m>
+                <a:r>
+                  <a:rPr kumimoji="1" lang="en-US" altLang="ja-JP" b="1" dirty="0"/>
+                  <a:t> </a:t>
+                </a:r>
+              </a:p>
+            </p:txBody>
+          </p:sp>
+        </mc:Choice>
+        <mc:Fallback>
+          <p:sp>
+            <p:nvSpPr>
+              <p:cNvPr id="5" name="テキスト ボックス 4">
+                <a:extLst>
+                  <a:ext uri="{FF2B5EF4-FFF2-40B4-BE49-F238E27FC236}">
+                    <a16:creationId xmlns:a16="http://schemas.microsoft.com/office/drawing/2014/main" id="{E0DBAAFE-21A5-458F-AA45-0E163F4095D4}"/>
+                  </a:ext>
+                </a:extLst>
+              </p:cNvPr>
+              <p:cNvSpPr txBox="1">
+                <a:spLocks noRot="1" noChangeAspect="1" noMove="1" noResize="1" noEditPoints="1" noAdjustHandles="1" noChangeArrowheads="1" noChangeShapeType="1" noTextEdit="1"/>
+              </p:cNvSpPr>
+              <p:nvPr/>
+            </p:nvSpPr>
+            <p:spPr>
+              <a:xfrm>
+                <a:off x="1654082" y="2015016"/>
+                <a:ext cx="1613518" cy="276999"/>
+              </a:xfrm>
+              <a:prstGeom prst="rect">
+                <a:avLst/>
+              </a:prstGeom>
+              <a:blipFill>
+                <a:blip r:embed="rId2"/>
+                <a:stretch>
+                  <a:fillRect l="-3774" b="-17778"/>
+                </a:stretch>
+              </a:blipFill>
+            </p:spPr>
+            <p:txBody>
+              <a:bodyPr/>
+              <a:lstStyle/>
+              <a:p>
+                <a:r>
+                  <a:rPr lang="ja-JP" altLang="en-US">
+                    <a:noFill/>
+                  </a:rPr>
+                  <a:t> </a:t>
+                </a:r>
+              </a:p>
+            </p:txBody>
+          </p:sp>
+        </mc:Fallback>
+      </mc:AlternateContent>
+      <mc:AlternateContent xmlns:mc="http://schemas.openxmlformats.org/markup-compatibility/2006">
+        <mc:Choice xmlns:a14="http://schemas.microsoft.com/office/drawing/2010/main" Requires="a14">
+          <p:sp>
+            <p:nvSpPr>
+              <p:cNvPr id="15" name="テキスト ボックス 14">
+                <a:extLst>
+                  <a:ext uri="{FF2B5EF4-FFF2-40B4-BE49-F238E27FC236}">
+                    <a16:creationId xmlns:a16="http://schemas.microsoft.com/office/drawing/2014/main" id="{2BB9B2B3-461C-417C-8990-9FF0B8083602}"/>
+                  </a:ext>
+                </a:extLst>
+              </p:cNvPr>
+              <p:cNvSpPr txBox="1"/>
+              <p:nvPr/>
+            </p:nvSpPr>
+            <p:spPr>
+              <a:xfrm>
+                <a:off x="1349282" y="971596"/>
+                <a:ext cx="4627805" cy="276999"/>
+              </a:xfrm>
+              <a:prstGeom prst="rect">
+                <a:avLst/>
+              </a:prstGeom>
+              <a:noFill/>
+            </p:spPr>
+            <p:txBody>
+              <a:bodyPr wrap="none" lIns="0" tIns="0" rIns="0" bIns="0" rtlCol="0">
+                <a:spAutoFit/>
+              </a:bodyPr>
+              <a:lstStyle/>
+              <a:p>
+                <a14:m>
+                  <m:oMath xmlns:m="http://schemas.openxmlformats.org/officeDocument/2006/math">
+                    <m:sSub>
+                      <m:sSubPr>
+                        <m:ctrlPr>
+                          <a:rPr kumimoji="1" lang="en-US" altLang="ja-JP" b="0" i="1" smtClean="0">
+                            <a:latin typeface="Cambria Math" panose="02040503050406030204" pitchFamily="18" charset="0"/>
+                          </a:rPr>
+                        </m:ctrlPr>
+                      </m:sSubPr>
+                      <m:e>
+                        <m:r>
+                          <a:rPr kumimoji="1" lang="en-US" altLang="ja-JP" b="0" i="1" smtClean="0">
+                            <a:latin typeface="Cambria Math" panose="02040503050406030204" pitchFamily="18" charset="0"/>
+                          </a:rPr>
+                          <m:t>𝑥</m:t>
+                        </m:r>
+                      </m:e>
+                      <m:sub>
+                        <m:r>
+                          <a:rPr kumimoji="1" lang="en-US" altLang="ja-JP" b="0" i="1" smtClean="0">
+                            <a:latin typeface="Cambria Math" panose="02040503050406030204" pitchFamily="18" charset="0"/>
+                          </a:rPr>
+                          <m:t>1</m:t>
+                        </m:r>
+                      </m:sub>
+                    </m:sSub>
+                    <m:r>
+                      <a:rPr kumimoji="1" lang="en-US" altLang="ja-JP" b="0" i="1" smtClean="0">
+                        <a:latin typeface="Cambria Math" panose="02040503050406030204" pitchFamily="18" charset="0"/>
+                      </a:rPr>
+                      <m:t>,</m:t>
+                    </m:r>
+                    <m:sSub>
+                      <m:sSubPr>
+                        <m:ctrlPr>
+                          <a:rPr kumimoji="1" lang="en-US" altLang="ja-JP" b="0" i="1" smtClean="0">
+                            <a:latin typeface="Cambria Math" panose="02040503050406030204" pitchFamily="18" charset="0"/>
+                          </a:rPr>
+                        </m:ctrlPr>
+                      </m:sSubPr>
+                      <m:e>
+                        <m:r>
+                          <a:rPr kumimoji="1" lang="en-US" altLang="ja-JP" b="0" i="1" smtClean="0">
+                            <a:latin typeface="Cambria Math" panose="02040503050406030204" pitchFamily="18" charset="0"/>
+                          </a:rPr>
+                          <m:t>𝑦</m:t>
+                        </m:r>
+                      </m:e>
+                      <m:sub>
+                        <m:r>
+                          <a:rPr kumimoji="1" lang="en-US" altLang="ja-JP" b="0" i="1" smtClean="0">
+                            <a:latin typeface="Cambria Math" panose="02040503050406030204" pitchFamily="18" charset="0"/>
+                          </a:rPr>
+                          <m:t>1</m:t>
+                        </m:r>
+                      </m:sub>
+                    </m:sSub>
+                    <m:r>
+                      <a:rPr kumimoji="1" lang="en-US" altLang="ja-JP" b="0" i="1" smtClean="0">
+                        <a:latin typeface="Cambria Math" panose="02040503050406030204" pitchFamily="18" charset="0"/>
+                      </a:rPr>
+                      <m:t>,</m:t>
+                    </m:r>
+                    <m:r>
+                      <a:rPr kumimoji="1" lang="en-US" altLang="ja-JP" b="0" i="1" smtClean="0">
+                        <a:latin typeface="Cambria Math" panose="02040503050406030204" pitchFamily="18" charset="0"/>
+                      </a:rPr>
+                      <m:t> </m:t>
+                    </m:r>
+                    <m:sSub>
+                      <m:sSubPr>
+                        <m:ctrlPr>
+                          <a:rPr kumimoji="1" lang="en-US" altLang="ja-JP" b="0" i="1" smtClean="0">
+                            <a:latin typeface="Cambria Math" panose="02040503050406030204" pitchFamily="18" charset="0"/>
+                          </a:rPr>
+                        </m:ctrlPr>
+                      </m:sSubPr>
+                      <m:e>
+                        <m:r>
+                          <a:rPr kumimoji="1" lang="en-US" altLang="ja-JP" b="0" i="1" smtClean="0">
+                            <a:latin typeface="Cambria Math" panose="02040503050406030204" pitchFamily="18" charset="0"/>
+                          </a:rPr>
+                          <m:t>𝑥</m:t>
+                        </m:r>
+                      </m:e>
+                      <m:sub>
+                        <m:r>
+                          <a:rPr kumimoji="1" lang="en-US" altLang="ja-JP" b="0" i="1" smtClean="0">
+                            <a:latin typeface="Cambria Math" panose="02040503050406030204" pitchFamily="18" charset="0"/>
+                          </a:rPr>
+                          <m:t>2</m:t>
+                        </m:r>
+                      </m:sub>
+                    </m:sSub>
+                    <m:r>
+                      <a:rPr kumimoji="1" lang="en-US" altLang="ja-JP" b="0" i="1" smtClean="0">
+                        <a:latin typeface="Cambria Math" panose="02040503050406030204" pitchFamily="18" charset="0"/>
+                      </a:rPr>
+                      <m:t>,</m:t>
+                    </m:r>
+                    <m:sSub>
+                      <m:sSubPr>
+                        <m:ctrlPr>
+                          <a:rPr kumimoji="1" lang="en-US" altLang="ja-JP" b="0" i="1" smtClean="0">
+                            <a:latin typeface="Cambria Math" panose="02040503050406030204" pitchFamily="18" charset="0"/>
+                          </a:rPr>
+                        </m:ctrlPr>
+                      </m:sSubPr>
+                      <m:e>
+                        <m:r>
+                          <a:rPr kumimoji="1" lang="en-US" altLang="ja-JP" b="0" i="1" smtClean="0">
+                            <a:latin typeface="Cambria Math" panose="02040503050406030204" pitchFamily="18" charset="0"/>
+                          </a:rPr>
+                          <m:t>𝑦</m:t>
+                        </m:r>
+                      </m:e>
+                      <m:sub>
+                        <m:r>
+                          <a:rPr kumimoji="1" lang="en-US" altLang="ja-JP" b="0" i="1" smtClean="0">
+                            <a:latin typeface="Cambria Math" panose="02040503050406030204" pitchFamily="18" charset="0"/>
+                          </a:rPr>
+                          <m:t>2</m:t>
+                        </m:r>
+                      </m:sub>
+                    </m:sSub>
+                    <m:sSub>
+                      <m:sSubPr>
+                        <m:ctrlPr>
+                          <a:rPr kumimoji="1" lang="en-US" altLang="ja-JP" b="0" i="1" smtClean="0">
+                            <a:latin typeface="Cambria Math" panose="02040503050406030204" pitchFamily="18" charset="0"/>
+                          </a:rPr>
+                        </m:ctrlPr>
+                      </m:sSubPr>
+                      <m:e>
+                        <m:r>
+                          <a:rPr kumimoji="1" lang="en-US" altLang="ja-JP" b="0" i="1" smtClean="0">
+                            <a:latin typeface="Cambria Math" panose="02040503050406030204" pitchFamily="18" charset="0"/>
+                          </a:rPr>
+                          <m:t>,</m:t>
+                        </m:r>
+                        <m:r>
+                          <a:rPr kumimoji="1" lang="en-US" altLang="ja-JP" b="0" i="1" smtClean="0">
+                            <a:latin typeface="Cambria Math" panose="02040503050406030204" pitchFamily="18" charset="0"/>
+                          </a:rPr>
+                          <m:t>𝑤</m:t>
+                        </m:r>
+                      </m:e>
+                      <m:sub>
+                        <m:r>
+                          <a:rPr kumimoji="1" lang="en-US" altLang="ja-JP" b="0" i="1" smtClean="0">
+                            <a:latin typeface="Cambria Math" panose="02040503050406030204" pitchFamily="18" charset="0"/>
+                          </a:rPr>
+                          <m:t>1</m:t>
+                        </m:r>
+                      </m:sub>
+                    </m:sSub>
+                    <m:r>
+                      <a:rPr kumimoji="1" lang="en-US" altLang="ja-JP" b="0" i="1" smtClean="0">
+                        <a:latin typeface="Cambria Math" panose="02040503050406030204" pitchFamily="18" charset="0"/>
+                      </a:rPr>
+                      <m:t>, </m:t>
+                    </m:r>
+                    <m:sSub>
+                      <m:sSubPr>
+                        <m:ctrlPr>
+                          <a:rPr kumimoji="1" lang="en-US" altLang="ja-JP" b="0" i="1" smtClean="0">
+                            <a:latin typeface="Cambria Math" panose="02040503050406030204" pitchFamily="18" charset="0"/>
+                          </a:rPr>
+                        </m:ctrlPr>
+                      </m:sSubPr>
+                      <m:e>
+                        <m:r>
+                          <a:rPr kumimoji="1" lang="en-US" altLang="ja-JP" b="0" i="1" smtClean="0">
+                            <a:latin typeface="Cambria Math" panose="02040503050406030204" pitchFamily="18" charset="0"/>
+                          </a:rPr>
+                          <m:t>𝑤</m:t>
+                        </m:r>
+                      </m:e>
+                      <m:sub>
+                        <m:r>
+                          <a:rPr kumimoji="1" lang="en-US" altLang="ja-JP" b="0" i="1" smtClean="0">
+                            <a:latin typeface="Cambria Math" panose="02040503050406030204" pitchFamily="18" charset="0"/>
+                          </a:rPr>
+                          <m:t>2</m:t>
+                        </m:r>
+                      </m:sub>
+                    </m:sSub>
+                    <m:r>
+                      <a:rPr kumimoji="1" lang="en-US" altLang="ja-JP" b="0" i="1" smtClean="0">
+                        <a:latin typeface="Cambria Math" panose="02040503050406030204" pitchFamily="18" charset="0"/>
+                      </a:rPr>
+                      <m:t>, </m:t>
+                    </m:r>
+                    <m:sSub>
+                      <m:sSubPr>
+                        <m:ctrlPr>
+                          <a:rPr kumimoji="1" lang="en-US" altLang="ja-JP" b="0" i="1" smtClean="0">
+                            <a:latin typeface="Cambria Math" panose="02040503050406030204" pitchFamily="18" charset="0"/>
+                          </a:rPr>
+                        </m:ctrlPr>
+                      </m:sSubPr>
+                      <m:e>
+                        <m:r>
+                          <a:rPr kumimoji="1" lang="en-US" altLang="ja-JP" b="0" i="1" smtClean="0">
+                            <a:latin typeface="Cambria Math" panose="02040503050406030204" pitchFamily="18" charset="0"/>
+                          </a:rPr>
+                          <m:t>h</m:t>
+                        </m:r>
+                      </m:e>
+                      <m:sub>
+                        <m:r>
+                          <a:rPr kumimoji="1" lang="en-US" altLang="ja-JP" b="0" i="1" smtClean="0">
+                            <a:latin typeface="Cambria Math" panose="02040503050406030204" pitchFamily="18" charset="0"/>
+                          </a:rPr>
+                          <m:t>1</m:t>
+                        </m:r>
+                      </m:sub>
+                    </m:sSub>
+                    <m:r>
+                      <a:rPr kumimoji="1" lang="en-US" altLang="ja-JP" b="0" i="1" smtClean="0">
+                        <a:latin typeface="Cambria Math" panose="02040503050406030204" pitchFamily="18" charset="0"/>
+                      </a:rPr>
+                      <m:t>, </m:t>
+                    </m:r>
+                    <m:sSub>
+                      <m:sSubPr>
+                        <m:ctrlPr>
+                          <a:rPr kumimoji="1" lang="en-US" altLang="ja-JP" b="0" i="1" smtClean="0">
+                            <a:latin typeface="Cambria Math" panose="02040503050406030204" pitchFamily="18" charset="0"/>
+                          </a:rPr>
+                        </m:ctrlPr>
+                      </m:sSubPr>
+                      <m:e>
+                        <m:r>
+                          <a:rPr kumimoji="1" lang="en-US" altLang="ja-JP" b="0" i="1" smtClean="0">
+                            <a:latin typeface="Cambria Math" panose="02040503050406030204" pitchFamily="18" charset="0"/>
+                          </a:rPr>
+                          <m:t>𝑑</m:t>
+                        </m:r>
+                      </m:e>
+                      <m:sub>
+                        <m:r>
+                          <a:rPr kumimoji="1" lang="en-US" altLang="ja-JP" b="0" i="1" smtClean="0">
+                            <a:latin typeface="Cambria Math" panose="02040503050406030204" pitchFamily="18" charset="0"/>
+                          </a:rPr>
+                          <m:t>1</m:t>
+                        </m:r>
+                      </m:sub>
+                    </m:sSub>
+                  </m:oMath>
+                </a14:m>
+                <a:r>
+                  <a:rPr kumimoji="1" lang="ja-JP" altLang="en-US" dirty="0"/>
+                  <a:t>が与えられたとき、</a:t>
+                </a:r>
+              </a:p>
+            </p:txBody>
+          </p:sp>
+        </mc:Choice>
+        <mc:Fallback>
+          <p:sp>
+            <p:nvSpPr>
+              <p:cNvPr id="15" name="テキスト ボックス 14">
+                <a:extLst>
+                  <a:ext uri="{FF2B5EF4-FFF2-40B4-BE49-F238E27FC236}">
+                    <a16:creationId xmlns:a16="http://schemas.microsoft.com/office/drawing/2014/main" id="{2BB9B2B3-461C-417C-8990-9FF0B8083602}"/>
+                  </a:ext>
+                </a:extLst>
+              </p:cNvPr>
+              <p:cNvSpPr txBox="1">
+                <a:spLocks noRot="1" noChangeAspect="1" noMove="1" noResize="1" noEditPoints="1" noAdjustHandles="1" noChangeArrowheads="1" noChangeShapeType="1" noTextEdit="1"/>
+              </p:cNvSpPr>
+              <p:nvPr/>
+            </p:nvSpPr>
+            <p:spPr>
+              <a:xfrm>
+                <a:off x="1349282" y="971596"/>
+                <a:ext cx="4627805" cy="276999"/>
+              </a:xfrm>
+              <a:prstGeom prst="rect">
+                <a:avLst/>
+              </a:prstGeom>
+              <a:blipFill>
+                <a:blip r:embed="rId3"/>
+                <a:stretch>
+                  <a:fillRect l="-1318" t="-26087" r="-2503" b="-52174"/>
+                </a:stretch>
+              </a:blipFill>
+            </p:spPr>
+            <p:txBody>
+              <a:bodyPr/>
+              <a:lstStyle/>
+              <a:p>
+                <a:r>
+                  <a:rPr lang="ja-JP" altLang="en-US">
+                    <a:noFill/>
+                  </a:rPr>
+                  <a:t> </a:t>
+                </a:r>
+              </a:p>
+            </p:txBody>
+          </p:sp>
+        </mc:Fallback>
+      </mc:AlternateContent>
+      <mc:AlternateContent xmlns:mc="http://schemas.openxmlformats.org/markup-compatibility/2006" xmlns:a14="http://schemas.microsoft.com/office/drawing/2010/main">
+        <mc:Choice Requires="a14">
+          <p:sp>
+            <p:nvSpPr>
+              <p:cNvPr id="16" name="テキスト ボックス 15">
+                <a:extLst>
+                  <a:ext uri="{FF2B5EF4-FFF2-40B4-BE49-F238E27FC236}">
+                    <a16:creationId xmlns:a16="http://schemas.microsoft.com/office/drawing/2014/main" id="{7D4C3685-7A05-4738-AE98-332C8FA33BC2}"/>
+                  </a:ext>
+                </a:extLst>
+              </p:cNvPr>
+              <p:cNvSpPr txBox="1"/>
+              <p:nvPr/>
+            </p:nvSpPr>
+            <p:spPr>
+              <a:xfrm>
+                <a:off x="1349282" y="1414890"/>
+                <a:ext cx="1613519" cy="276999"/>
+              </a:xfrm>
+              <a:prstGeom prst="rect">
+                <a:avLst/>
+              </a:prstGeom>
+              <a:noFill/>
+            </p:spPr>
+            <p:txBody>
+              <a:bodyPr wrap="none" lIns="0" tIns="0" rIns="0" bIns="0" rtlCol="0">
+                <a:spAutoFit/>
+              </a:bodyPr>
+              <a:lstStyle/>
+              <a:p>
+                <a14:m>
+                  <m:oMath xmlns:m="http://schemas.openxmlformats.org/officeDocument/2006/math">
+                    <m:sSub>
+                      <m:sSubPr>
+                        <m:ctrlPr>
+                          <a:rPr kumimoji="1" lang="en-US" altLang="ja-JP" b="1" i="1" smtClean="0">
+                            <a:latin typeface="Cambria Math" panose="02040503050406030204" pitchFamily="18" charset="0"/>
+                          </a:rPr>
+                        </m:ctrlPr>
+                      </m:sSubPr>
+                      <m:e>
+                        <m:r>
+                          <a:rPr kumimoji="1" lang="en-US" altLang="ja-JP" b="1" i="1" smtClean="0">
+                            <a:latin typeface="Cambria Math" panose="02040503050406030204" pitchFamily="18" charset="0"/>
+                          </a:rPr>
+                          <m:t>𝒙</m:t>
+                        </m:r>
+                      </m:e>
+                      <m:sub>
+                        <m:r>
+                          <a:rPr kumimoji="1" lang="en-US" altLang="ja-JP" b="1" i="1" smtClean="0">
+                            <a:latin typeface="Cambria Math" panose="02040503050406030204" pitchFamily="18" charset="0"/>
+                          </a:rPr>
+                          <m:t>𝟐</m:t>
+                        </m:r>
+                      </m:sub>
+                    </m:sSub>
+                  </m:oMath>
+                </a14:m>
+                <a:r>
+                  <a:rPr kumimoji="1" lang="ja-JP" altLang="en-US" dirty="0"/>
+                  <a:t>を求めたい。</a:t>
+                </a:r>
+              </a:p>
+            </p:txBody>
+          </p:sp>
+        </mc:Choice>
+        <mc:Fallback xmlns="">
+          <p:sp>
+            <p:nvSpPr>
+              <p:cNvPr id="16" name="テキスト ボックス 15">
+                <a:extLst>
+                  <a:ext uri="{FF2B5EF4-FFF2-40B4-BE49-F238E27FC236}">
+                    <a16:creationId xmlns:a16="http://schemas.microsoft.com/office/drawing/2014/main" id="{7D4C3685-7A05-4738-AE98-332C8FA33BC2}"/>
+                  </a:ext>
+                </a:extLst>
+              </p:cNvPr>
+              <p:cNvSpPr txBox="1">
+                <a:spLocks noRot="1" noChangeAspect="1" noMove="1" noResize="1" noEditPoints="1" noAdjustHandles="1" noChangeArrowheads="1" noChangeShapeType="1" noTextEdit="1"/>
+              </p:cNvSpPr>
+              <p:nvPr/>
+            </p:nvSpPr>
+            <p:spPr>
+              <a:xfrm>
+                <a:off x="1349282" y="1414890"/>
+                <a:ext cx="1613519" cy="276999"/>
+              </a:xfrm>
+              <a:prstGeom prst="rect">
+                <a:avLst/>
+              </a:prstGeom>
+              <a:blipFill>
+                <a:blip r:embed="rId10"/>
+                <a:stretch>
+                  <a:fillRect l="-3774" t="-26087" r="-10189" b="-52174"/>
+                </a:stretch>
+              </a:blipFill>
+            </p:spPr>
+            <p:txBody>
+              <a:bodyPr/>
+              <a:lstStyle/>
+              <a:p>
+                <a:r>
+                  <a:rPr lang="ja-JP" altLang="en-US">
+                    <a:noFill/>
+                  </a:rPr>
+                  <a:t> </a:t>
+                </a:r>
+              </a:p>
+            </p:txBody>
+          </p:sp>
+        </mc:Fallback>
+      </mc:AlternateContent>
+      <mc:AlternateContent xmlns:mc="http://schemas.openxmlformats.org/markup-compatibility/2006">
+        <mc:Choice xmlns:a14="http://schemas.microsoft.com/office/drawing/2010/main" Requires="a14">
+          <p:sp>
+            <p:nvSpPr>
+              <p:cNvPr id="3" name="テキスト ボックス 2">
+                <a:extLst>
+                  <a:ext uri="{FF2B5EF4-FFF2-40B4-BE49-F238E27FC236}">
+                    <a16:creationId xmlns:a16="http://schemas.microsoft.com/office/drawing/2014/main" id="{36486460-3E68-407D-90CD-BC39A5ABFB3A}"/>
+                  </a:ext>
+                </a:extLst>
+              </p:cNvPr>
+              <p:cNvSpPr txBox="1"/>
+              <p:nvPr/>
+            </p:nvSpPr>
+            <p:spPr>
+              <a:xfrm>
+                <a:off x="2025557" y="3227427"/>
+                <a:ext cx="5175342" cy="404663"/>
+              </a:xfrm>
+              <a:prstGeom prst="rect">
+                <a:avLst/>
+              </a:prstGeom>
+              <a:noFill/>
+            </p:spPr>
+            <p:txBody>
+              <a:bodyPr wrap="square" lIns="0" tIns="0" rIns="0" bIns="0" rtlCol="0">
+                <a:spAutoFit/>
+              </a:bodyPr>
+              <a:lstStyle/>
+              <a:p>
+                <a14:m>
+                  <m:oMath xmlns:m="http://schemas.openxmlformats.org/officeDocument/2006/math">
+                    <m:sSub>
+                      <m:sSubPr>
+                        <m:ctrlPr>
+                          <a:rPr kumimoji="1" lang="en-US" altLang="ja-JP" b="1" i="1" smtClean="0">
+                            <a:latin typeface="Cambria Math" panose="02040503050406030204" pitchFamily="18" charset="0"/>
+                          </a:rPr>
+                        </m:ctrlPr>
+                      </m:sSubPr>
+                      <m:e>
+                        <m:r>
+                          <a:rPr kumimoji="1" lang="ja-JP" altLang="en-US" b="1" i="1" smtClean="0">
+                            <a:latin typeface="Cambria Math" panose="02040503050406030204" pitchFamily="18" charset="0"/>
+                          </a:rPr>
+                          <m:t>𝜽</m:t>
+                        </m:r>
+                      </m:e>
+                      <m:sub>
+                        <m:r>
+                          <a:rPr kumimoji="1" lang="en-US" altLang="ja-JP" b="1" i="1" smtClean="0">
+                            <a:latin typeface="Cambria Math" panose="02040503050406030204" pitchFamily="18" charset="0"/>
+                          </a:rPr>
+                          <m:t>𝟏</m:t>
+                        </m:r>
+                      </m:sub>
+                    </m:sSub>
+                    <m:r>
+                      <a:rPr kumimoji="1" lang="en-US" altLang="ja-JP" b="1" i="1" smtClean="0">
+                        <a:latin typeface="Cambria Math" panose="02040503050406030204" pitchFamily="18" charset="0"/>
+                      </a:rPr>
+                      <m:t>=</m:t>
+                    </m:r>
+                    <m:f>
+                      <m:fPr>
+                        <m:ctrlPr>
+                          <a:rPr kumimoji="1" lang="en-US" altLang="ja-JP" b="1" i="1" smtClean="0">
+                            <a:latin typeface="Cambria Math" panose="02040503050406030204" pitchFamily="18" charset="0"/>
+                          </a:rPr>
+                        </m:ctrlPr>
+                      </m:fPr>
+                      <m:num>
+                        <m:r>
+                          <a:rPr kumimoji="1" lang="ja-JP" altLang="en-US" b="1" i="1" smtClean="0">
+                            <a:latin typeface="Cambria Math" panose="02040503050406030204" pitchFamily="18" charset="0"/>
+                          </a:rPr>
+                          <m:t>𝝅</m:t>
+                        </m:r>
+                        <m:r>
+                          <a:rPr kumimoji="1" lang="en-US" altLang="ja-JP" b="1" i="1" smtClean="0">
+                            <a:latin typeface="Cambria Math" panose="02040503050406030204" pitchFamily="18" charset="0"/>
+                          </a:rPr>
+                          <m:t>−</m:t>
+                        </m:r>
+                        <m:sSub>
+                          <m:sSubPr>
+                            <m:ctrlPr>
+                              <a:rPr kumimoji="1" lang="en-US" altLang="ja-JP" b="1" i="1" smtClean="0">
+                                <a:latin typeface="Cambria Math" panose="02040503050406030204" pitchFamily="18" charset="0"/>
+                              </a:rPr>
+                            </m:ctrlPr>
+                          </m:sSubPr>
+                          <m:e>
+                            <m:r>
+                              <a:rPr kumimoji="1" lang="ja-JP" altLang="en-US" b="1" i="1" smtClean="0">
+                                <a:latin typeface="Cambria Math" panose="02040503050406030204" pitchFamily="18" charset="0"/>
+                              </a:rPr>
+                              <m:t>𝜽</m:t>
+                            </m:r>
+                          </m:e>
+                          <m:sub>
+                            <m:r>
+                              <a:rPr kumimoji="1" lang="en-US" altLang="ja-JP" b="1" i="1" smtClean="0">
+                                <a:latin typeface="Cambria Math" panose="02040503050406030204" pitchFamily="18" charset="0"/>
+                              </a:rPr>
+                              <m:t>𝟐</m:t>
+                            </m:r>
+                          </m:sub>
+                        </m:sSub>
+                      </m:num>
+                      <m:den>
+                        <m:r>
+                          <a:rPr kumimoji="1" lang="en-US" altLang="ja-JP" b="1" i="1" smtClean="0">
+                            <a:latin typeface="Cambria Math" panose="02040503050406030204" pitchFamily="18" charset="0"/>
+                          </a:rPr>
+                          <m:t>𝟐</m:t>
+                        </m:r>
+                      </m:den>
+                    </m:f>
+                  </m:oMath>
+                </a14:m>
+                <a:r>
+                  <a:rPr kumimoji="1" lang="ja-JP" altLang="en-US" dirty="0"/>
+                  <a:t> </a:t>
+                </a:r>
+              </a:p>
+            </p:txBody>
+          </p:sp>
+        </mc:Choice>
+        <mc:Fallback>
+          <p:sp>
+            <p:nvSpPr>
+              <p:cNvPr id="3" name="テキスト ボックス 2">
+                <a:extLst>
+                  <a:ext uri="{FF2B5EF4-FFF2-40B4-BE49-F238E27FC236}">
+                    <a16:creationId xmlns:a16="http://schemas.microsoft.com/office/drawing/2014/main" id="{36486460-3E68-407D-90CD-BC39A5ABFB3A}"/>
+                  </a:ext>
+                </a:extLst>
+              </p:cNvPr>
+              <p:cNvSpPr txBox="1">
+                <a:spLocks noRot="1" noChangeAspect="1" noMove="1" noResize="1" noEditPoints="1" noAdjustHandles="1" noChangeArrowheads="1" noChangeShapeType="1" noTextEdit="1"/>
+              </p:cNvSpPr>
+              <p:nvPr/>
+            </p:nvSpPr>
+            <p:spPr>
+              <a:xfrm>
+                <a:off x="2025557" y="3227427"/>
+                <a:ext cx="5175342" cy="404663"/>
+              </a:xfrm>
+              <a:prstGeom prst="rect">
+                <a:avLst/>
+              </a:prstGeom>
+              <a:blipFill>
+                <a:blip r:embed="rId11"/>
+                <a:stretch>
+                  <a:fillRect l="-1531" b="-11940"/>
+                </a:stretch>
+              </a:blipFill>
+            </p:spPr>
+            <p:txBody>
+              <a:bodyPr/>
+              <a:lstStyle/>
+              <a:p>
+                <a:r>
+                  <a:rPr lang="ja-JP" altLang="en-US">
+                    <a:noFill/>
+                  </a:rPr>
+                  <a:t> </a:t>
+                </a:r>
+              </a:p>
+            </p:txBody>
+          </p:sp>
+        </mc:Fallback>
+      </mc:AlternateContent>
+      <mc:AlternateContent xmlns:mc="http://schemas.openxmlformats.org/markup-compatibility/2006">
+        <mc:Choice xmlns:a14="http://schemas.microsoft.com/office/drawing/2010/main" Requires="a14">
+          <p:sp>
+            <p:nvSpPr>
+              <p:cNvPr id="20" name="テキスト ボックス 19">
+                <a:extLst>
+                  <a:ext uri="{FF2B5EF4-FFF2-40B4-BE49-F238E27FC236}">
+                    <a16:creationId xmlns:a16="http://schemas.microsoft.com/office/drawing/2014/main" id="{5FC8074F-E362-4F83-820F-CBBAC6009DA9}"/>
+                  </a:ext>
+                </a:extLst>
+              </p:cNvPr>
+              <p:cNvSpPr txBox="1"/>
+              <p:nvPr/>
+            </p:nvSpPr>
+            <p:spPr>
+              <a:xfrm>
+                <a:off x="2025559" y="2615142"/>
+                <a:ext cx="5242016" cy="437299"/>
+              </a:xfrm>
+              <a:prstGeom prst="rect">
+                <a:avLst/>
+              </a:prstGeom>
+              <a:noFill/>
+            </p:spPr>
+            <p:txBody>
+              <a:bodyPr wrap="square" lIns="0" tIns="0" rIns="0" bIns="0" rtlCol="0">
+                <a:spAutoFit/>
+              </a:bodyPr>
+              <a:lstStyle/>
+              <a:p>
+                <a14:m>
+                  <m:oMath xmlns:m="http://schemas.openxmlformats.org/officeDocument/2006/math">
+                    <m:func>
+                      <m:funcPr>
+                        <m:ctrlPr>
+                          <a:rPr kumimoji="1" lang="en-US" altLang="ja-JP" b="0" i="1" smtClean="0">
+                            <a:latin typeface="Cambria Math" panose="02040503050406030204" pitchFamily="18" charset="0"/>
+                          </a:rPr>
+                        </m:ctrlPr>
+                      </m:funcPr>
+                      <m:fName>
+                        <m:r>
+                          <m:rPr>
+                            <m:sty m:val="p"/>
+                          </m:rPr>
+                          <a:rPr kumimoji="1" lang="en-US" altLang="ja-JP" b="0" i="0" smtClean="0">
+                            <a:latin typeface="Cambria Math" panose="02040503050406030204" pitchFamily="18" charset="0"/>
+                          </a:rPr>
+                          <m:t>tan</m:t>
+                        </m:r>
+                      </m:fName>
+                      <m:e>
+                        <m:sSub>
+                          <m:sSubPr>
+                            <m:ctrlPr>
+                              <a:rPr kumimoji="1" lang="en-US" altLang="ja-JP" b="0" i="1" smtClean="0">
+                                <a:latin typeface="Cambria Math" panose="02040503050406030204" pitchFamily="18" charset="0"/>
+                              </a:rPr>
+                            </m:ctrlPr>
+                          </m:sSubPr>
+                          <m:e>
+                            <m:r>
+                              <a:rPr kumimoji="1" lang="ja-JP" altLang="en-US" b="0" i="1" smtClean="0">
+                                <a:latin typeface="Cambria Math" panose="02040503050406030204" pitchFamily="18" charset="0"/>
+                              </a:rPr>
+                              <m:t>𝜃</m:t>
+                            </m:r>
+                          </m:e>
+                          <m:sub>
+                            <m:r>
+                              <a:rPr kumimoji="1" lang="en-US" altLang="ja-JP" b="0" i="1" smtClean="0">
+                                <a:latin typeface="Cambria Math" panose="02040503050406030204" pitchFamily="18" charset="0"/>
+                              </a:rPr>
+                              <m:t>1</m:t>
+                            </m:r>
+                          </m:sub>
+                        </m:sSub>
+                        <m:r>
+                          <a:rPr kumimoji="1" lang="en-US" altLang="ja-JP" b="0" i="1" smtClean="0">
+                            <a:latin typeface="Cambria Math" panose="02040503050406030204" pitchFamily="18" charset="0"/>
+                          </a:rPr>
+                          <m:t>=</m:t>
+                        </m:r>
+                        <m:f>
+                          <m:fPr>
+                            <m:ctrlPr>
+                              <a:rPr kumimoji="1" lang="en-US" altLang="ja-JP" b="0" i="1" smtClean="0">
+                                <a:latin typeface="Cambria Math" panose="02040503050406030204" pitchFamily="18" charset="0"/>
+                              </a:rPr>
+                            </m:ctrlPr>
+                          </m:fPr>
+                          <m:num>
+                            <m:sSub>
+                              <m:sSubPr>
+                                <m:ctrlPr>
+                                  <a:rPr kumimoji="1" lang="en-US" altLang="ja-JP" b="0" i="1" smtClean="0">
+                                    <a:latin typeface="Cambria Math" panose="02040503050406030204" pitchFamily="18" charset="0"/>
+                                  </a:rPr>
+                                </m:ctrlPr>
+                              </m:sSubPr>
+                              <m:e>
+                                <m:r>
+                                  <a:rPr kumimoji="1" lang="en-US" altLang="ja-JP" b="0" i="1" smtClean="0">
+                                    <a:latin typeface="Cambria Math" panose="02040503050406030204" pitchFamily="18" charset="0"/>
+                                  </a:rPr>
+                                  <m:t>𝑑</m:t>
+                                </m:r>
+                              </m:e>
+                              <m:sub>
+                                <m:r>
+                                  <a:rPr kumimoji="1" lang="en-US" altLang="ja-JP" b="0" i="1" smtClean="0">
+                                    <a:latin typeface="Cambria Math" panose="02040503050406030204" pitchFamily="18" charset="0"/>
+                                  </a:rPr>
+                                  <m:t>1</m:t>
+                                </m:r>
+                              </m:sub>
+                            </m:sSub>
+                          </m:num>
+                          <m:den>
+                            <m:r>
+                              <a:rPr kumimoji="1" lang="en-US" altLang="ja-JP" b="0" i="1" smtClean="0">
+                                <a:latin typeface="Cambria Math" panose="02040503050406030204" pitchFamily="18" charset="0"/>
+                              </a:rPr>
+                              <m:t>𝑎</m:t>
+                            </m:r>
+                          </m:den>
+                        </m:f>
+                      </m:e>
+                    </m:func>
+                  </m:oMath>
+                </a14:m>
+                <a:r>
+                  <a:rPr kumimoji="1" lang="ja-JP" altLang="en-US" dirty="0"/>
+                  <a:t>   →</a:t>
+                </a:r>
+                <a:r>
+                  <a:rPr lang="en-US" altLang="ja-JP" dirty="0"/>
+                  <a:t>   </a:t>
+                </a:r>
+                <a14:m>
+                  <m:oMath xmlns:m="http://schemas.openxmlformats.org/officeDocument/2006/math">
+                    <m:r>
+                      <a:rPr lang="en-US" altLang="ja-JP" b="1" i="1">
+                        <a:latin typeface="Cambria Math" panose="02040503050406030204" pitchFamily="18" charset="0"/>
+                      </a:rPr>
+                      <m:t>𝒂</m:t>
+                    </m:r>
+                    <m:r>
+                      <a:rPr lang="en-US" altLang="ja-JP" b="1">
+                        <a:latin typeface="Cambria Math" panose="02040503050406030204" pitchFamily="18" charset="0"/>
+                      </a:rPr>
+                      <m:t>=</m:t>
+                    </m:r>
+                    <m:f>
+                      <m:fPr>
+                        <m:ctrlPr>
+                          <a:rPr lang="en-US" altLang="ja-JP" b="1" i="1">
+                            <a:latin typeface="Cambria Math" panose="02040503050406030204" pitchFamily="18" charset="0"/>
+                          </a:rPr>
+                        </m:ctrlPr>
+                      </m:fPr>
+                      <m:num>
+                        <m:sSub>
+                          <m:sSubPr>
+                            <m:ctrlPr>
+                              <a:rPr lang="en-US" altLang="ja-JP" b="1" i="1">
+                                <a:latin typeface="Cambria Math" panose="02040503050406030204" pitchFamily="18" charset="0"/>
+                              </a:rPr>
+                            </m:ctrlPr>
+                          </m:sSubPr>
+                          <m:e>
+                            <m:r>
+                              <a:rPr lang="en-US" altLang="ja-JP" b="1" i="1">
+                                <a:latin typeface="Cambria Math" panose="02040503050406030204" pitchFamily="18" charset="0"/>
+                              </a:rPr>
+                              <m:t>𝒅</m:t>
+                            </m:r>
+                          </m:e>
+                          <m:sub>
+                            <m:r>
+                              <a:rPr lang="en-US" altLang="ja-JP" b="1" i="1">
+                                <a:latin typeface="Cambria Math" panose="02040503050406030204" pitchFamily="18" charset="0"/>
+                              </a:rPr>
+                              <m:t>𝟏</m:t>
+                            </m:r>
+                          </m:sub>
+                        </m:sSub>
+                      </m:num>
+                      <m:den>
+                        <m:func>
+                          <m:funcPr>
+                            <m:ctrlPr>
+                              <a:rPr lang="en-US" altLang="ja-JP" b="1" i="1">
+                                <a:latin typeface="Cambria Math" panose="02040503050406030204" pitchFamily="18" charset="0"/>
+                              </a:rPr>
+                            </m:ctrlPr>
+                          </m:funcPr>
+                          <m:fName>
+                            <m:r>
+                              <a:rPr lang="en-US" altLang="ja-JP" b="1" i="1">
+                                <a:latin typeface="Cambria Math" panose="02040503050406030204" pitchFamily="18" charset="0"/>
+                              </a:rPr>
+                              <m:t>𝒕𝒂𝒏</m:t>
+                            </m:r>
+                          </m:fName>
+                          <m:e>
+                            <m:sSub>
+                              <m:sSubPr>
+                                <m:ctrlPr>
+                                  <a:rPr lang="en-US" altLang="ja-JP" b="1" i="1">
+                                    <a:latin typeface="Cambria Math" panose="02040503050406030204" pitchFamily="18" charset="0"/>
+                                  </a:rPr>
+                                </m:ctrlPr>
+                              </m:sSubPr>
+                              <m:e>
+                                <m:r>
+                                  <a:rPr lang="ja-JP" altLang="en-US" b="1" i="1">
+                                    <a:latin typeface="Cambria Math" panose="02040503050406030204" pitchFamily="18" charset="0"/>
+                                  </a:rPr>
+                                  <m:t>𝜽</m:t>
+                                </m:r>
+                              </m:e>
+                              <m:sub>
+                                <m:r>
+                                  <a:rPr lang="en-US" altLang="ja-JP" b="1" i="1">
+                                    <a:latin typeface="Cambria Math" panose="02040503050406030204" pitchFamily="18" charset="0"/>
+                                  </a:rPr>
+                                  <m:t>𝟏</m:t>
+                                </m:r>
+                              </m:sub>
+                            </m:sSub>
+                          </m:e>
+                        </m:func>
+                      </m:den>
+                    </m:f>
+                  </m:oMath>
+                </a14:m>
+                <a:endParaRPr lang="en-US" altLang="ja-JP" b="1" dirty="0"/>
+              </a:p>
+            </p:txBody>
+          </p:sp>
+        </mc:Choice>
+        <mc:Fallback>
+          <p:sp>
+            <p:nvSpPr>
+              <p:cNvPr id="20" name="テキスト ボックス 19">
+                <a:extLst>
+                  <a:ext uri="{FF2B5EF4-FFF2-40B4-BE49-F238E27FC236}">
+                    <a16:creationId xmlns:a16="http://schemas.microsoft.com/office/drawing/2014/main" id="{5FC8074F-E362-4F83-820F-CBBAC6009DA9}"/>
+                  </a:ext>
+                </a:extLst>
+              </p:cNvPr>
+              <p:cNvSpPr txBox="1">
+                <a:spLocks noRot="1" noChangeAspect="1" noMove="1" noResize="1" noEditPoints="1" noAdjustHandles="1" noChangeArrowheads="1" noChangeShapeType="1" noTextEdit="1"/>
+              </p:cNvSpPr>
+              <p:nvPr/>
+            </p:nvSpPr>
+            <p:spPr>
+              <a:xfrm>
+                <a:off x="2025559" y="2615142"/>
+                <a:ext cx="5242016" cy="437299"/>
+              </a:xfrm>
+              <a:prstGeom prst="rect">
+                <a:avLst/>
+              </a:prstGeom>
+              <a:blipFill>
+                <a:blip r:embed="rId12"/>
+                <a:stretch>
+                  <a:fillRect l="-1395" t="-2778" b="-12500"/>
+                </a:stretch>
+              </a:blipFill>
+            </p:spPr>
+            <p:txBody>
+              <a:bodyPr/>
+              <a:lstStyle/>
+              <a:p>
+                <a:r>
+                  <a:rPr lang="ja-JP" altLang="en-US">
+                    <a:noFill/>
+                  </a:rPr>
+                  <a:t> </a:t>
+                </a:r>
+              </a:p>
+            </p:txBody>
+          </p:sp>
+        </mc:Fallback>
+      </mc:AlternateContent>
+      <mc:AlternateContent xmlns:mc="http://schemas.openxmlformats.org/markup-compatibility/2006">
+        <mc:Choice xmlns:a14="http://schemas.microsoft.com/office/drawing/2010/main" Requires="a14">
+          <p:sp>
+            <p:nvSpPr>
+              <p:cNvPr id="23" name="テキスト ボックス 22">
+                <a:extLst>
+                  <a:ext uri="{FF2B5EF4-FFF2-40B4-BE49-F238E27FC236}">
+                    <a16:creationId xmlns:a16="http://schemas.microsoft.com/office/drawing/2014/main" id="{4353CB11-86C3-4D84-BD47-F794EAE6AD77}"/>
+                  </a:ext>
+                </a:extLst>
+              </p:cNvPr>
+              <p:cNvSpPr txBox="1"/>
+              <p:nvPr/>
+            </p:nvSpPr>
+            <p:spPr>
+              <a:xfrm>
+                <a:off x="2025557" y="3807320"/>
+                <a:ext cx="5175343" cy="515910"/>
+              </a:xfrm>
+              <a:prstGeom prst="rect">
+                <a:avLst/>
+              </a:prstGeom>
+              <a:noFill/>
+            </p:spPr>
+            <p:txBody>
+              <a:bodyPr wrap="square" lIns="0" tIns="0" rIns="0" bIns="0" rtlCol="0">
+                <a:spAutoFit/>
+              </a:bodyPr>
+              <a:lstStyle/>
+              <a:p>
+                <a:pPr/>
+                <a14:m>
+                  <m:oMath xmlns:m="http://schemas.openxmlformats.org/officeDocument/2006/math">
+                    <m:func>
+                      <m:funcPr>
+                        <m:ctrlPr>
+                          <a:rPr kumimoji="1" lang="en-US" altLang="ja-JP" b="0" i="1" smtClean="0">
+                            <a:latin typeface="Cambria Math" panose="02040503050406030204" pitchFamily="18" charset="0"/>
+                          </a:rPr>
+                        </m:ctrlPr>
+                      </m:funcPr>
+                      <m:fName>
+                        <m:r>
+                          <m:rPr>
+                            <m:sty m:val="p"/>
+                          </m:rPr>
+                          <a:rPr kumimoji="1" lang="en-US" altLang="ja-JP" b="0" i="0" smtClean="0">
+                            <a:latin typeface="Cambria Math" panose="02040503050406030204" pitchFamily="18" charset="0"/>
+                          </a:rPr>
+                          <m:t>tan</m:t>
+                        </m:r>
+                      </m:fName>
+                      <m:e>
+                        <m:sSub>
+                          <m:sSubPr>
+                            <m:ctrlPr>
+                              <a:rPr kumimoji="1" lang="en-US" altLang="ja-JP" b="0" i="1" smtClean="0">
+                                <a:latin typeface="Cambria Math" panose="02040503050406030204" pitchFamily="18" charset="0"/>
+                              </a:rPr>
+                            </m:ctrlPr>
+                          </m:sSubPr>
+                          <m:e>
+                            <m:r>
+                              <a:rPr kumimoji="1" lang="ja-JP" altLang="en-US" b="0" i="1" smtClean="0">
+                                <a:latin typeface="Cambria Math" panose="02040503050406030204" pitchFamily="18" charset="0"/>
+                              </a:rPr>
+                              <m:t>𝜃</m:t>
+                            </m:r>
+                          </m:e>
+                          <m:sub>
+                            <m:r>
+                              <a:rPr kumimoji="1" lang="en-US" altLang="ja-JP" b="0" i="1" smtClean="0">
+                                <a:latin typeface="Cambria Math" panose="02040503050406030204" pitchFamily="18" charset="0"/>
+                              </a:rPr>
+                              <m:t>2</m:t>
+                            </m:r>
+                          </m:sub>
+                        </m:sSub>
+                        <m:r>
+                          <a:rPr kumimoji="1" lang="en-US" altLang="ja-JP" b="0" i="1" smtClean="0">
+                            <a:latin typeface="Cambria Math" panose="02040503050406030204" pitchFamily="18" charset="0"/>
+                          </a:rPr>
+                          <m:t>=</m:t>
+                        </m:r>
+                        <m:f>
+                          <m:fPr>
+                            <m:ctrlPr>
+                              <a:rPr kumimoji="1" lang="en-US" altLang="ja-JP" b="0" i="1" smtClean="0">
+                                <a:latin typeface="Cambria Math" panose="02040503050406030204" pitchFamily="18" charset="0"/>
+                              </a:rPr>
+                            </m:ctrlPr>
+                          </m:fPr>
+                          <m:num>
+                            <m:sSub>
+                              <m:sSubPr>
+                                <m:ctrlPr>
+                                  <a:rPr kumimoji="1" lang="en-US" altLang="ja-JP" b="0" i="1" smtClean="0">
+                                    <a:latin typeface="Cambria Math" panose="02040503050406030204" pitchFamily="18" charset="0"/>
+                                  </a:rPr>
+                                </m:ctrlPr>
+                              </m:sSubPr>
+                              <m:e>
+                                <m:r>
+                                  <a:rPr kumimoji="1" lang="en-US" altLang="ja-JP" b="0" i="1" smtClean="0">
+                                    <a:latin typeface="Cambria Math" panose="02040503050406030204" pitchFamily="18" charset="0"/>
+                                  </a:rPr>
+                                  <m:t>h</m:t>
+                                </m:r>
+                              </m:e>
+                              <m:sub>
+                                <m:r>
+                                  <a:rPr kumimoji="1" lang="en-US" altLang="ja-JP" b="0" i="1" smtClean="0">
+                                    <a:latin typeface="Cambria Math" panose="02040503050406030204" pitchFamily="18" charset="0"/>
+                                  </a:rPr>
+                                  <m:t>1</m:t>
+                                </m:r>
+                              </m:sub>
+                            </m:sSub>
+                          </m:num>
+                          <m:den>
+                            <m:d>
+                              <m:dPr>
+                                <m:ctrlPr>
+                                  <a:rPr kumimoji="1" lang="en-US" altLang="ja-JP" b="0" i="1" smtClean="0">
+                                    <a:latin typeface="Cambria Math" panose="02040503050406030204" pitchFamily="18" charset="0"/>
+                                  </a:rPr>
+                                </m:ctrlPr>
+                              </m:dPr>
+                              <m:e>
+                                <m:f>
+                                  <m:fPr>
+                                    <m:ctrlPr>
+                                      <a:rPr kumimoji="1" lang="en-US" altLang="ja-JP" b="0" i="1" smtClean="0">
+                                        <a:latin typeface="Cambria Math" panose="02040503050406030204" pitchFamily="18" charset="0"/>
+                                      </a:rPr>
+                                    </m:ctrlPr>
+                                  </m:fPr>
+                                  <m:num>
+                                    <m:sSub>
+                                      <m:sSubPr>
+                                        <m:ctrlPr>
+                                          <a:rPr kumimoji="1" lang="en-US" altLang="ja-JP" b="0" i="1" smtClean="0">
+                                            <a:latin typeface="Cambria Math" panose="02040503050406030204" pitchFamily="18" charset="0"/>
+                                          </a:rPr>
+                                        </m:ctrlPr>
+                                      </m:sSubPr>
+                                      <m:e>
+                                        <m:r>
+                                          <a:rPr kumimoji="1" lang="en-US" altLang="ja-JP" b="0" i="1" smtClean="0">
+                                            <a:latin typeface="Cambria Math" panose="02040503050406030204" pitchFamily="18" charset="0"/>
+                                          </a:rPr>
+                                          <m:t>𝑤</m:t>
+                                        </m:r>
+                                      </m:e>
+                                      <m:sub>
+                                        <m:r>
+                                          <a:rPr kumimoji="1" lang="en-US" altLang="ja-JP" b="0" i="1" smtClean="0">
+                                            <a:latin typeface="Cambria Math" panose="02040503050406030204" pitchFamily="18" charset="0"/>
+                                          </a:rPr>
+                                          <m:t>2</m:t>
+                                        </m:r>
+                                      </m:sub>
+                                    </m:sSub>
+                                    <m:r>
+                                      <a:rPr kumimoji="1" lang="en-US" altLang="ja-JP" b="0" i="1" smtClean="0">
+                                        <a:latin typeface="Cambria Math" panose="02040503050406030204" pitchFamily="18" charset="0"/>
+                                      </a:rPr>
+                                      <m:t>−</m:t>
+                                    </m:r>
+                                    <m:sSub>
+                                      <m:sSubPr>
+                                        <m:ctrlPr>
+                                          <a:rPr kumimoji="1" lang="en-US" altLang="ja-JP" b="0" i="1" smtClean="0">
+                                            <a:latin typeface="Cambria Math" panose="02040503050406030204" pitchFamily="18" charset="0"/>
+                                          </a:rPr>
+                                        </m:ctrlPr>
+                                      </m:sSubPr>
+                                      <m:e>
+                                        <m:r>
+                                          <a:rPr kumimoji="1" lang="en-US" altLang="ja-JP" b="0" i="1" smtClean="0">
+                                            <a:latin typeface="Cambria Math" panose="02040503050406030204" pitchFamily="18" charset="0"/>
+                                          </a:rPr>
+                                          <m:t>𝑤</m:t>
+                                        </m:r>
+                                      </m:e>
+                                      <m:sub>
+                                        <m:r>
+                                          <a:rPr kumimoji="1" lang="en-US" altLang="ja-JP" b="0" i="1" smtClean="0">
+                                            <a:latin typeface="Cambria Math" panose="02040503050406030204" pitchFamily="18" charset="0"/>
+                                          </a:rPr>
+                                          <m:t>1</m:t>
+                                        </m:r>
+                                      </m:sub>
+                                    </m:sSub>
+                                  </m:num>
+                                  <m:den>
+                                    <m:r>
+                                      <a:rPr kumimoji="1" lang="en-US" altLang="ja-JP" b="0" i="1" smtClean="0">
+                                        <a:latin typeface="Cambria Math" panose="02040503050406030204" pitchFamily="18" charset="0"/>
+                                      </a:rPr>
+                                      <m:t>2</m:t>
+                                    </m:r>
+                                  </m:den>
+                                </m:f>
+                              </m:e>
+                            </m:d>
+                          </m:den>
+                        </m:f>
+                        <m:r>
+                          <a:rPr kumimoji="1" lang="en-US" altLang="ja-JP" b="0" i="1" smtClean="0">
+                            <a:latin typeface="Cambria Math" panose="02040503050406030204" pitchFamily="18" charset="0"/>
+                          </a:rPr>
+                          <m:t>=</m:t>
+                        </m:r>
+                        <m:f>
+                          <m:fPr>
+                            <m:ctrlPr>
+                              <a:rPr kumimoji="1" lang="en-US" altLang="ja-JP" b="0" i="1" smtClean="0">
+                                <a:latin typeface="Cambria Math" panose="02040503050406030204" pitchFamily="18" charset="0"/>
+                              </a:rPr>
+                            </m:ctrlPr>
+                          </m:fPr>
+                          <m:num>
+                            <m:r>
+                              <a:rPr kumimoji="1" lang="en-US" altLang="ja-JP" b="0" i="1" smtClean="0">
+                                <a:latin typeface="Cambria Math" panose="02040503050406030204" pitchFamily="18" charset="0"/>
+                              </a:rPr>
+                              <m:t>2</m:t>
+                            </m:r>
+                            <m:sSub>
+                              <m:sSubPr>
+                                <m:ctrlPr>
+                                  <a:rPr kumimoji="1" lang="en-US" altLang="ja-JP" b="0" i="1" smtClean="0">
+                                    <a:latin typeface="Cambria Math" panose="02040503050406030204" pitchFamily="18" charset="0"/>
+                                  </a:rPr>
+                                </m:ctrlPr>
+                              </m:sSubPr>
+                              <m:e>
+                                <m:r>
+                                  <a:rPr kumimoji="1" lang="en-US" altLang="ja-JP" b="0" i="1" smtClean="0">
+                                    <a:latin typeface="Cambria Math" panose="02040503050406030204" pitchFamily="18" charset="0"/>
+                                  </a:rPr>
+                                  <m:t>h</m:t>
+                                </m:r>
+                              </m:e>
+                              <m:sub>
+                                <m:r>
+                                  <a:rPr kumimoji="1" lang="en-US" altLang="ja-JP" b="0" i="1" smtClean="0">
+                                    <a:latin typeface="Cambria Math" panose="02040503050406030204" pitchFamily="18" charset="0"/>
+                                  </a:rPr>
+                                  <m:t>1</m:t>
+                                </m:r>
+                              </m:sub>
+                            </m:sSub>
+                          </m:num>
+                          <m:den>
+                            <m:sSub>
+                              <m:sSubPr>
+                                <m:ctrlPr>
+                                  <a:rPr kumimoji="1" lang="en-US" altLang="ja-JP" b="0" i="1" smtClean="0">
+                                    <a:latin typeface="Cambria Math" panose="02040503050406030204" pitchFamily="18" charset="0"/>
+                                  </a:rPr>
+                                </m:ctrlPr>
+                              </m:sSubPr>
+                              <m:e>
+                                <m:r>
+                                  <a:rPr kumimoji="1" lang="en-US" altLang="ja-JP" b="0" i="1" smtClean="0">
+                                    <a:latin typeface="Cambria Math" panose="02040503050406030204" pitchFamily="18" charset="0"/>
+                                  </a:rPr>
+                                  <m:t>𝑤</m:t>
+                                </m:r>
+                              </m:e>
+                              <m:sub>
+                                <m:r>
+                                  <a:rPr kumimoji="1" lang="en-US" altLang="ja-JP" b="0" i="1" smtClean="0">
+                                    <a:latin typeface="Cambria Math" panose="02040503050406030204" pitchFamily="18" charset="0"/>
+                                  </a:rPr>
+                                  <m:t>2</m:t>
+                                </m:r>
+                              </m:sub>
+                            </m:sSub>
+                            <m:r>
+                              <a:rPr kumimoji="1" lang="en-US" altLang="ja-JP" b="0" i="1" smtClean="0">
+                                <a:latin typeface="Cambria Math" panose="02040503050406030204" pitchFamily="18" charset="0"/>
+                              </a:rPr>
+                              <m:t>−</m:t>
+                            </m:r>
+                            <m:sSub>
+                              <m:sSubPr>
+                                <m:ctrlPr>
+                                  <a:rPr kumimoji="1" lang="en-US" altLang="ja-JP" b="0" i="1" smtClean="0">
+                                    <a:latin typeface="Cambria Math" panose="02040503050406030204" pitchFamily="18" charset="0"/>
+                                  </a:rPr>
+                                </m:ctrlPr>
+                              </m:sSubPr>
+                              <m:e>
+                                <m:r>
+                                  <a:rPr kumimoji="1" lang="en-US" altLang="ja-JP" b="0" i="1" smtClean="0">
+                                    <a:latin typeface="Cambria Math" panose="02040503050406030204" pitchFamily="18" charset="0"/>
+                                  </a:rPr>
+                                  <m:t>𝑤</m:t>
+                                </m:r>
+                              </m:e>
+                              <m:sub>
+                                <m:r>
+                                  <a:rPr kumimoji="1" lang="en-US" altLang="ja-JP" b="0" i="1" smtClean="0">
+                                    <a:latin typeface="Cambria Math" panose="02040503050406030204" pitchFamily="18" charset="0"/>
+                                  </a:rPr>
+                                  <m:t>1</m:t>
+                                </m:r>
+                              </m:sub>
+                            </m:sSub>
+                          </m:den>
+                        </m:f>
+                      </m:e>
+                    </m:func>
+                  </m:oMath>
+                </a14:m>
+                <a:r>
+                  <a:rPr kumimoji="1" lang="ja-JP" altLang="en-US" dirty="0"/>
+                  <a:t>   →</a:t>
+                </a:r>
+                <a:r>
+                  <a:rPr lang="en-US" altLang="ja-JP" dirty="0"/>
+                  <a:t>   </a:t>
+                </a:r>
+                <a14:m>
+                  <m:oMath xmlns:m="http://schemas.openxmlformats.org/officeDocument/2006/math">
+                    <m:func>
+                      <m:funcPr>
+                        <m:ctrlPr>
+                          <a:rPr lang="en-US" altLang="ja-JP" b="1" i="1">
+                            <a:latin typeface="Cambria Math" panose="02040503050406030204" pitchFamily="18" charset="0"/>
+                          </a:rPr>
+                        </m:ctrlPr>
+                      </m:funcPr>
+                      <m:fName>
+                        <m:sSub>
+                          <m:sSubPr>
+                            <m:ctrlPr>
+                              <a:rPr lang="en-US" altLang="ja-JP" b="1" i="1" smtClean="0">
+                                <a:latin typeface="Cambria Math" panose="02040503050406030204" pitchFamily="18" charset="0"/>
+                              </a:rPr>
+                            </m:ctrlPr>
+                          </m:sSubPr>
+                          <m:e>
+                            <m:r>
+                              <a:rPr lang="ja-JP" altLang="en-US" b="1" i="1" smtClean="0">
+                                <a:latin typeface="Cambria Math" panose="02040503050406030204" pitchFamily="18" charset="0"/>
+                              </a:rPr>
+                              <m:t>𝜽</m:t>
+                            </m:r>
+                          </m:e>
+                          <m:sub>
+                            <m:r>
+                              <a:rPr lang="en-US" altLang="ja-JP" b="1" i="1" smtClean="0">
+                                <a:latin typeface="Cambria Math" panose="02040503050406030204" pitchFamily="18" charset="0"/>
+                              </a:rPr>
+                              <m:t>𝟐</m:t>
+                            </m:r>
+                          </m:sub>
+                        </m:sSub>
+                      </m:fName>
+                      <m:e>
+                        <m:r>
+                          <a:rPr lang="en-US" altLang="ja-JP" b="1" i="1">
+                            <a:latin typeface="Cambria Math" panose="02040503050406030204" pitchFamily="18" charset="0"/>
+                          </a:rPr>
+                          <m:t>=</m:t>
+                        </m:r>
+                        <m:func>
+                          <m:funcPr>
+                            <m:ctrlPr>
+                              <a:rPr lang="en-US" altLang="ja-JP" b="1" i="1" smtClean="0">
+                                <a:latin typeface="Cambria Math" panose="02040503050406030204" pitchFamily="18" charset="0"/>
+                              </a:rPr>
+                            </m:ctrlPr>
+                          </m:funcPr>
+                          <m:fName>
+                            <m:sSup>
+                              <m:sSupPr>
+                                <m:ctrlPr>
+                                  <a:rPr lang="en-US" altLang="ja-JP" b="1" i="1" smtClean="0">
+                                    <a:latin typeface="Cambria Math" panose="02040503050406030204" pitchFamily="18" charset="0"/>
+                                  </a:rPr>
+                                </m:ctrlPr>
+                              </m:sSupPr>
+                              <m:e>
+                                <m:r>
+                                  <a:rPr lang="en-US" altLang="ja-JP" b="1" i="0" smtClean="0">
+                                    <a:latin typeface="Cambria Math" panose="02040503050406030204" pitchFamily="18" charset="0"/>
+                                  </a:rPr>
+                                  <m:t>𝐭𝐚𝐧</m:t>
+                                </m:r>
+                              </m:e>
+                              <m:sup>
+                                <m:r>
+                                  <a:rPr lang="en-US" altLang="ja-JP" b="1" i="1" smtClean="0">
+                                    <a:latin typeface="Cambria Math" panose="02040503050406030204" pitchFamily="18" charset="0"/>
+                                  </a:rPr>
+                                  <m:t>−</m:t>
+                                </m:r>
+                                <m:r>
+                                  <a:rPr lang="en-US" altLang="ja-JP" b="1" i="1" smtClean="0">
+                                    <a:latin typeface="Cambria Math" panose="02040503050406030204" pitchFamily="18" charset="0"/>
+                                  </a:rPr>
+                                  <m:t>𝟏</m:t>
+                                </m:r>
+                              </m:sup>
+                            </m:sSup>
+                          </m:fName>
+                          <m:e>
+                            <m:d>
+                              <m:dPr>
+                                <m:ctrlPr>
+                                  <a:rPr lang="en-US" altLang="ja-JP" b="1" i="1" smtClean="0">
+                                    <a:latin typeface="Cambria Math" panose="02040503050406030204" pitchFamily="18" charset="0"/>
+                                  </a:rPr>
+                                </m:ctrlPr>
+                              </m:dPr>
+                              <m:e>
+                                <m:f>
+                                  <m:fPr>
+                                    <m:ctrlPr>
+                                      <a:rPr lang="en-US" altLang="ja-JP" b="1" i="1">
+                                        <a:latin typeface="Cambria Math" panose="02040503050406030204" pitchFamily="18" charset="0"/>
+                                      </a:rPr>
+                                    </m:ctrlPr>
+                                  </m:fPr>
+                                  <m:num>
+                                    <m:r>
+                                      <a:rPr lang="en-US" altLang="ja-JP" b="1" i="1">
+                                        <a:latin typeface="Cambria Math" panose="02040503050406030204" pitchFamily="18" charset="0"/>
+                                      </a:rPr>
+                                      <m:t>𝟐</m:t>
+                                    </m:r>
+                                    <m:sSub>
+                                      <m:sSubPr>
+                                        <m:ctrlPr>
+                                          <a:rPr lang="en-US" altLang="ja-JP" b="1" i="1" smtClean="0">
+                                            <a:latin typeface="Cambria Math" panose="02040503050406030204" pitchFamily="18" charset="0"/>
+                                          </a:rPr>
+                                        </m:ctrlPr>
+                                      </m:sSubPr>
+                                      <m:e>
+                                        <m:r>
+                                          <a:rPr lang="en-US" altLang="ja-JP" b="1" i="1">
+                                            <a:latin typeface="Cambria Math" panose="02040503050406030204" pitchFamily="18" charset="0"/>
+                                          </a:rPr>
+                                          <m:t>𝒉</m:t>
+                                        </m:r>
+                                      </m:e>
+                                      <m:sub>
+                                        <m:r>
+                                          <a:rPr lang="en-US" altLang="ja-JP" b="1" i="1" smtClean="0">
+                                            <a:latin typeface="Cambria Math" panose="02040503050406030204" pitchFamily="18" charset="0"/>
+                                          </a:rPr>
+                                          <m:t>𝟏</m:t>
+                                        </m:r>
+                                      </m:sub>
+                                    </m:sSub>
+                                  </m:num>
+                                  <m:den>
+                                    <m:sSub>
+                                      <m:sSubPr>
+                                        <m:ctrlPr>
+                                          <a:rPr lang="en-US" altLang="ja-JP" b="1" i="1">
+                                            <a:latin typeface="Cambria Math" panose="02040503050406030204" pitchFamily="18" charset="0"/>
+                                          </a:rPr>
+                                        </m:ctrlPr>
+                                      </m:sSubPr>
+                                      <m:e>
+                                        <m:r>
+                                          <a:rPr lang="en-US" altLang="ja-JP" b="1" i="1">
+                                            <a:latin typeface="Cambria Math" panose="02040503050406030204" pitchFamily="18" charset="0"/>
+                                          </a:rPr>
+                                          <m:t>𝒘</m:t>
+                                        </m:r>
+                                      </m:e>
+                                      <m:sub>
+                                        <m:r>
+                                          <a:rPr lang="en-US" altLang="ja-JP" b="1" i="1">
+                                            <a:latin typeface="Cambria Math" panose="02040503050406030204" pitchFamily="18" charset="0"/>
+                                          </a:rPr>
+                                          <m:t>𝟐</m:t>
+                                        </m:r>
+                                      </m:sub>
+                                    </m:sSub>
+                                    <m:r>
+                                      <a:rPr lang="en-US" altLang="ja-JP" b="1" i="1">
+                                        <a:latin typeface="Cambria Math" panose="02040503050406030204" pitchFamily="18" charset="0"/>
+                                      </a:rPr>
+                                      <m:t>−</m:t>
+                                    </m:r>
+                                    <m:sSub>
+                                      <m:sSubPr>
+                                        <m:ctrlPr>
+                                          <a:rPr lang="en-US" altLang="ja-JP" b="1" i="1">
+                                            <a:latin typeface="Cambria Math" panose="02040503050406030204" pitchFamily="18" charset="0"/>
+                                          </a:rPr>
+                                        </m:ctrlPr>
+                                      </m:sSubPr>
+                                      <m:e>
+                                        <m:r>
+                                          <a:rPr lang="en-US" altLang="ja-JP" b="1" i="1">
+                                            <a:latin typeface="Cambria Math" panose="02040503050406030204" pitchFamily="18" charset="0"/>
+                                          </a:rPr>
+                                          <m:t>𝒘</m:t>
+                                        </m:r>
+                                      </m:e>
+                                      <m:sub>
+                                        <m:r>
+                                          <a:rPr lang="en-US" altLang="ja-JP" b="1" i="1">
+                                            <a:latin typeface="Cambria Math" panose="02040503050406030204" pitchFamily="18" charset="0"/>
+                                          </a:rPr>
+                                          <m:t>𝟏</m:t>
+                                        </m:r>
+                                      </m:sub>
+                                    </m:sSub>
+                                  </m:den>
+                                </m:f>
+                              </m:e>
+                            </m:d>
+                          </m:e>
+                        </m:func>
+                      </m:e>
+                    </m:func>
+                    <m:r>
+                      <a:rPr lang="en-US" altLang="ja-JP" b="0" i="0" smtClean="0">
+                        <a:latin typeface="Cambria Math" panose="02040503050406030204" pitchFamily="18" charset="0"/>
+                      </a:rPr>
+                      <m:t> </m:t>
+                    </m:r>
+                  </m:oMath>
+                </a14:m>
+                <a:endParaRPr kumimoji="1" lang="ja-JP" altLang="en-US" dirty="0"/>
+              </a:p>
+            </p:txBody>
+          </p:sp>
+        </mc:Choice>
+        <mc:Fallback>
+          <p:sp>
+            <p:nvSpPr>
+              <p:cNvPr id="23" name="テキスト ボックス 22">
+                <a:extLst>
+                  <a:ext uri="{FF2B5EF4-FFF2-40B4-BE49-F238E27FC236}">
+                    <a16:creationId xmlns:a16="http://schemas.microsoft.com/office/drawing/2014/main" id="{4353CB11-86C3-4D84-BD47-F794EAE6AD77}"/>
+                  </a:ext>
+                </a:extLst>
+              </p:cNvPr>
+              <p:cNvSpPr txBox="1">
+                <a:spLocks noRot="1" noChangeAspect="1" noMove="1" noResize="1" noEditPoints="1" noAdjustHandles="1" noChangeArrowheads="1" noChangeShapeType="1" noTextEdit="1"/>
+              </p:cNvSpPr>
+              <p:nvPr/>
+            </p:nvSpPr>
+            <p:spPr>
+              <a:xfrm>
+                <a:off x="2025557" y="3807320"/>
+                <a:ext cx="5175343" cy="515910"/>
+              </a:xfrm>
+              <a:prstGeom prst="rect">
+                <a:avLst/>
+              </a:prstGeom>
+              <a:blipFill>
+                <a:blip r:embed="rId13"/>
+                <a:stretch>
+                  <a:fillRect l="-1413" t="-3571" b="-7143"/>
+                </a:stretch>
+              </a:blipFill>
+            </p:spPr>
+            <p:txBody>
+              <a:bodyPr/>
+              <a:lstStyle/>
+              <a:p>
+                <a:r>
+                  <a:rPr lang="ja-JP" altLang="en-US">
+                    <a:noFill/>
+                  </a:rPr>
+                  <a:t> </a:t>
+                </a:r>
+              </a:p>
+            </p:txBody>
+          </p:sp>
+        </mc:Fallback>
+      </mc:AlternateContent>
+      <p:sp>
+        <p:nvSpPr>
+          <p:cNvPr id="2" name="矢印: 上 1">
+            <a:extLst>
+              <a:ext uri="{FF2B5EF4-FFF2-40B4-BE49-F238E27FC236}">
+                <a16:creationId xmlns:a16="http://schemas.microsoft.com/office/drawing/2014/main" id="{16CD1557-AA4E-41C9-B30F-A0F6B9FCD7F4}"/>
+              </a:ext>
+            </a:extLst>
+          </p:cNvPr>
+          <p:cNvSpPr/>
+          <p:nvPr/>
+        </p:nvSpPr>
+        <p:spPr>
+          <a:xfrm>
+            <a:off x="1654082" y="2468470"/>
+            <a:ext cx="238125" cy="1596805"/>
+          </a:xfrm>
+          <a:prstGeom prst="upArrow">
+            <a:avLst>
+              <a:gd name="adj1" fmla="val 50000"/>
+              <a:gd name="adj2" fmla="val 98000"/>
+            </a:avLst>
+          </a:prstGeom>
+          <a:noFill/>
+          <a:ln w="19050">
+            <a:solidFill>
+              <a:schemeClr val="tx1"/>
+            </a:solidFill>
+          </a:ln>
+        </p:spPr>
+        <p:style>
+          <a:lnRef idx="2">
+            <a:schemeClr val="accent1">
+              <a:shade val="50000"/>
+            </a:schemeClr>
+          </a:lnRef>
+          <a:fillRef idx="1">
+            <a:schemeClr val="accent1"/>
+          </a:fillRef>
+          <a:effectRef idx="0">
+            <a:schemeClr val="accent1"/>
+          </a:effectRef>
+          <a:fontRef idx="minor">
+            <a:schemeClr val="lt1"/>
+          </a:fontRef>
+        </p:style>
+        <p:txBody>
+          <a:bodyPr rtlCol="0" anchor="ctr"/>
+          <a:lstStyle/>
+          <a:p>
+            <a:pPr algn="ctr"/>
+            <a:endParaRPr kumimoji="1" lang="ja-JP" altLang="en-US"/>
+          </a:p>
+        </p:txBody>
+      </p:sp>
+    </p:spTree>
+    <p:extLst>
+      <p:ext uri="{BB962C8B-B14F-4D97-AF65-F5344CB8AC3E}">
+        <p14:creationId xmlns:p14="http://schemas.microsoft.com/office/powerpoint/2010/main" val="3199415128"/>
+      </p:ext>
+    </p:extLst>
+  </p:cSld>
+  <p:clrMapOvr>
+    <a:masterClrMapping/>
+  </p:clrMapOvr>
+</p:sld>
+</file>
+
+<file path=ppt/slides/slide3.xml><?xml version="1.0" encoding="utf-8"?>
+<p:sld xmlns:a="http://schemas.openxmlformats.org/drawingml/2006/main" xmlns:r="http://schemas.openxmlformats.org/officeDocument/2006/relationships" xmlns:p="http://schemas.openxmlformats.org/presentationml/2006/main">
+  <p:cSld>
+    <p:spTree>
+      <p:nvGrpSpPr>
+        <p:cNvPr id="1" name=""/>
+        <p:cNvGrpSpPr/>
+        <p:nvPr/>
+      </p:nvGrpSpPr>
+      <p:grpSpPr>
+        <a:xfrm>
+          <a:off x="0" y="0"/>
+          <a:ext cx="0" cy="0"/>
+          <a:chOff x="0" y="0"/>
+          <a:chExt cx="0" cy="0"/>
+        </a:xfrm>
+      </p:grpSpPr>
+      <mc:AlternateContent xmlns:mc="http://schemas.openxmlformats.org/markup-compatibility/2006">
+        <mc:Choice xmlns:a14="http://schemas.microsoft.com/office/drawing/2010/main" Requires="a14">
+          <p:sp>
+            <p:nvSpPr>
+              <p:cNvPr id="5" name="テキスト ボックス 4">
+                <a:extLst>
+                  <a:ext uri="{FF2B5EF4-FFF2-40B4-BE49-F238E27FC236}">
+                    <a16:creationId xmlns:a16="http://schemas.microsoft.com/office/drawing/2014/main" id="{E0DBAAFE-21A5-458F-AA45-0E163F4095D4}"/>
+                  </a:ext>
+                </a:extLst>
+              </p:cNvPr>
+              <p:cNvSpPr txBox="1"/>
+              <p:nvPr/>
+            </p:nvSpPr>
+            <p:spPr>
+              <a:xfrm>
+                <a:off x="1654082" y="2015016"/>
+                <a:ext cx="1508218" cy="276999"/>
+              </a:xfrm>
+              <a:prstGeom prst="rect">
+                <a:avLst/>
+              </a:prstGeom>
+              <a:noFill/>
+            </p:spPr>
+            <p:txBody>
+              <a:bodyPr wrap="square" lIns="0" tIns="0" rIns="0" bIns="0" rtlCol="0">
+                <a:spAutoFit/>
+              </a:bodyPr>
+              <a:lstStyle/>
+              <a:p>
+                <a:pPr/>
+                <a14:m>
+                  <m:oMath xmlns:m="http://schemas.openxmlformats.org/officeDocument/2006/math">
+                    <m:sSub>
+                      <m:sSubPr>
+                        <m:ctrlPr>
+                          <a:rPr kumimoji="1" lang="en-US" altLang="ja-JP" b="1" i="1" smtClean="0">
+                            <a:latin typeface="Cambria Math" panose="02040503050406030204" pitchFamily="18" charset="0"/>
+                          </a:rPr>
+                        </m:ctrlPr>
+                      </m:sSubPr>
+                      <m:e>
+                        <m:r>
+                          <a:rPr kumimoji="1" lang="en-US" altLang="ja-JP" b="1" i="1" smtClean="0">
+                            <a:latin typeface="Cambria Math" panose="02040503050406030204" pitchFamily="18" charset="0"/>
+                          </a:rPr>
+                          <m:t>𝒚</m:t>
+                        </m:r>
+                      </m:e>
+                      <m:sub>
+                        <m:r>
+                          <a:rPr kumimoji="1" lang="en-US" altLang="ja-JP" b="1" i="1" smtClean="0">
+                            <a:latin typeface="Cambria Math" panose="02040503050406030204" pitchFamily="18" charset="0"/>
+                          </a:rPr>
+                          <m:t>𝟐</m:t>
+                        </m:r>
+                      </m:sub>
+                    </m:sSub>
+                    <m:r>
+                      <a:rPr kumimoji="1" lang="en-US" altLang="ja-JP" b="1" i="1" smtClean="0">
+                        <a:latin typeface="Cambria Math" panose="02040503050406030204" pitchFamily="18" charset="0"/>
+                      </a:rPr>
+                      <m:t>=</m:t>
+                    </m:r>
+                    <m:sSub>
+                      <m:sSubPr>
+                        <m:ctrlPr>
+                          <a:rPr kumimoji="1" lang="en-US" altLang="ja-JP" b="1" i="1" smtClean="0">
+                            <a:latin typeface="Cambria Math" panose="02040503050406030204" pitchFamily="18" charset="0"/>
+                          </a:rPr>
+                        </m:ctrlPr>
+                      </m:sSubPr>
+                      <m:e>
+                        <m:r>
+                          <a:rPr kumimoji="1" lang="en-US" altLang="ja-JP" b="1" i="1" smtClean="0">
+                            <a:latin typeface="Cambria Math" panose="02040503050406030204" pitchFamily="18" charset="0"/>
+                          </a:rPr>
+                          <m:t>𝒚</m:t>
+                        </m:r>
+                      </m:e>
+                      <m:sub>
+                        <m:r>
+                          <a:rPr kumimoji="1" lang="en-US" altLang="ja-JP" b="1" i="1" smtClean="0">
+                            <a:latin typeface="Cambria Math" panose="02040503050406030204" pitchFamily="18" charset="0"/>
+                          </a:rPr>
+                          <m:t>𝟏</m:t>
+                        </m:r>
+                      </m:sub>
+                    </m:sSub>
+                    <m:r>
+                      <a:rPr kumimoji="1" lang="en-US" altLang="ja-JP" b="1" i="1" smtClean="0">
+                        <a:latin typeface="Cambria Math" panose="02040503050406030204" pitchFamily="18" charset="0"/>
+                      </a:rPr>
+                      <m:t>−</m:t>
+                    </m:r>
+                    <m:r>
+                      <a:rPr kumimoji="1" lang="en-US" altLang="ja-JP" b="1" i="1" smtClean="0">
+                        <a:latin typeface="Cambria Math" panose="02040503050406030204" pitchFamily="18" charset="0"/>
+                      </a:rPr>
+                      <m:t>𝒂</m:t>
+                    </m:r>
+                  </m:oMath>
+                </a14:m>
+                <a:r>
+                  <a:rPr kumimoji="1" lang="en-US" altLang="ja-JP" b="1" dirty="0"/>
+                  <a:t> </a:t>
+                </a:r>
+              </a:p>
+            </p:txBody>
+          </p:sp>
+        </mc:Choice>
+        <mc:Fallback>
+          <p:sp>
+            <p:nvSpPr>
+              <p:cNvPr id="5" name="テキスト ボックス 4">
+                <a:extLst>
+                  <a:ext uri="{FF2B5EF4-FFF2-40B4-BE49-F238E27FC236}">
+                    <a16:creationId xmlns:a16="http://schemas.microsoft.com/office/drawing/2014/main" id="{E0DBAAFE-21A5-458F-AA45-0E163F4095D4}"/>
+                  </a:ext>
+                </a:extLst>
+              </p:cNvPr>
+              <p:cNvSpPr txBox="1">
+                <a:spLocks noRot="1" noChangeAspect="1" noMove="1" noResize="1" noEditPoints="1" noAdjustHandles="1" noChangeArrowheads="1" noChangeShapeType="1" noTextEdit="1"/>
+              </p:cNvSpPr>
+              <p:nvPr/>
+            </p:nvSpPr>
+            <p:spPr>
+              <a:xfrm>
+                <a:off x="1654082" y="2015016"/>
+                <a:ext cx="1508218" cy="276999"/>
+              </a:xfrm>
+              <a:prstGeom prst="rect">
+                <a:avLst/>
+              </a:prstGeom>
+              <a:blipFill>
+                <a:blip r:embed="rId2"/>
+                <a:stretch>
+                  <a:fillRect l="-5645" b="-26667"/>
+                </a:stretch>
+              </a:blipFill>
+            </p:spPr>
+            <p:txBody>
+              <a:bodyPr/>
+              <a:lstStyle/>
+              <a:p>
+                <a:r>
+                  <a:rPr lang="ja-JP" altLang="en-US">
+                    <a:noFill/>
+                  </a:rPr>
+                  <a:t> </a:t>
+                </a:r>
+              </a:p>
+            </p:txBody>
+          </p:sp>
+        </mc:Fallback>
+      </mc:AlternateContent>
+      <mc:AlternateContent xmlns:mc="http://schemas.openxmlformats.org/markup-compatibility/2006">
+        <mc:Choice xmlns:a14="http://schemas.microsoft.com/office/drawing/2010/main" Requires="a14">
+          <p:sp>
+            <p:nvSpPr>
+              <p:cNvPr id="15" name="テキスト ボックス 14">
+                <a:extLst>
+                  <a:ext uri="{FF2B5EF4-FFF2-40B4-BE49-F238E27FC236}">
+                    <a16:creationId xmlns:a16="http://schemas.microsoft.com/office/drawing/2014/main" id="{2BB9B2B3-461C-417C-8990-9FF0B8083602}"/>
+                  </a:ext>
+                </a:extLst>
+              </p:cNvPr>
+              <p:cNvSpPr txBox="1"/>
+              <p:nvPr/>
+            </p:nvSpPr>
+            <p:spPr>
+              <a:xfrm>
+                <a:off x="1349282" y="971596"/>
+                <a:ext cx="4627805" cy="276999"/>
+              </a:xfrm>
+              <a:prstGeom prst="rect">
+                <a:avLst/>
+              </a:prstGeom>
+              <a:noFill/>
+            </p:spPr>
+            <p:txBody>
+              <a:bodyPr wrap="none" lIns="0" tIns="0" rIns="0" bIns="0" rtlCol="0">
+                <a:spAutoFit/>
+              </a:bodyPr>
+              <a:lstStyle/>
+              <a:p>
+                <a14:m>
+                  <m:oMath xmlns:m="http://schemas.openxmlformats.org/officeDocument/2006/math">
+                    <m:sSub>
+                      <m:sSubPr>
+                        <m:ctrlPr>
+                          <a:rPr kumimoji="1" lang="en-US" altLang="ja-JP" b="0" i="1" smtClean="0">
+                            <a:latin typeface="Cambria Math" panose="02040503050406030204" pitchFamily="18" charset="0"/>
+                          </a:rPr>
+                        </m:ctrlPr>
+                      </m:sSubPr>
+                      <m:e>
+                        <m:r>
+                          <a:rPr kumimoji="1" lang="en-US" altLang="ja-JP" b="0" i="1" smtClean="0">
+                            <a:latin typeface="Cambria Math" panose="02040503050406030204" pitchFamily="18" charset="0"/>
+                          </a:rPr>
+                          <m:t>𝑥</m:t>
+                        </m:r>
+                      </m:e>
+                      <m:sub>
+                        <m:r>
+                          <a:rPr kumimoji="1" lang="en-US" altLang="ja-JP" b="0" i="1" smtClean="0">
+                            <a:latin typeface="Cambria Math" panose="02040503050406030204" pitchFamily="18" charset="0"/>
+                          </a:rPr>
+                          <m:t>1</m:t>
+                        </m:r>
+                      </m:sub>
+                    </m:sSub>
+                    <m:r>
+                      <a:rPr kumimoji="1" lang="en-US" altLang="ja-JP" b="0" i="1" smtClean="0">
+                        <a:latin typeface="Cambria Math" panose="02040503050406030204" pitchFamily="18" charset="0"/>
+                      </a:rPr>
+                      <m:t>,</m:t>
+                    </m:r>
+                    <m:sSub>
+                      <m:sSubPr>
+                        <m:ctrlPr>
+                          <a:rPr kumimoji="1" lang="en-US" altLang="ja-JP" b="0" i="1" smtClean="0">
+                            <a:latin typeface="Cambria Math" panose="02040503050406030204" pitchFamily="18" charset="0"/>
+                          </a:rPr>
+                        </m:ctrlPr>
+                      </m:sSubPr>
+                      <m:e>
+                        <m:r>
+                          <a:rPr kumimoji="1" lang="en-US" altLang="ja-JP" b="0" i="1" smtClean="0">
+                            <a:latin typeface="Cambria Math" panose="02040503050406030204" pitchFamily="18" charset="0"/>
+                          </a:rPr>
+                          <m:t>𝑦</m:t>
+                        </m:r>
+                      </m:e>
+                      <m:sub>
+                        <m:r>
+                          <a:rPr kumimoji="1" lang="en-US" altLang="ja-JP" b="0" i="1" smtClean="0">
+                            <a:latin typeface="Cambria Math" panose="02040503050406030204" pitchFamily="18" charset="0"/>
+                          </a:rPr>
+                          <m:t>1</m:t>
+                        </m:r>
+                      </m:sub>
+                    </m:sSub>
+                    <m:r>
+                      <a:rPr kumimoji="1" lang="en-US" altLang="ja-JP" b="0" i="1" smtClean="0">
+                        <a:latin typeface="Cambria Math" panose="02040503050406030204" pitchFamily="18" charset="0"/>
+                      </a:rPr>
+                      <m:t>,</m:t>
+                    </m:r>
+                    <m:r>
+                      <a:rPr kumimoji="1" lang="en-US" altLang="ja-JP" b="0" i="1" smtClean="0">
+                        <a:latin typeface="Cambria Math" panose="02040503050406030204" pitchFamily="18" charset="0"/>
+                      </a:rPr>
+                      <m:t> </m:t>
+                    </m:r>
+                    <m:sSub>
+                      <m:sSubPr>
+                        <m:ctrlPr>
+                          <a:rPr kumimoji="1" lang="en-US" altLang="ja-JP" b="0" i="1" smtClean="0">
+                            <a:latin typeface="Cambria Math" panose="02040503050406030204" pitchFamily="18" charset="0"/>
+                          </a:rPr>
+                        </m:ctrlPr>
+                      </m:sSubPr>
+                      <m:e>
+                        <m:r>
+                          <a:rPr kumimoji="1" lang="en-US" altLang="ja-JP" b="0" i="1" smtClean="0">
+                            <a:latin typeface="Cambria Math" panose="02040503050406030204" pitchFamily="18" charset="0"/>
+                          </a:rPr>
+                          <m:t>𝑥</m:t>
+                        </m:r>
+                      </m:e>
+                      <m:sub>
+                        <m:r>
+                          <a:rPr kumimoji="1" lang="en-US" altLang="ja-JP" b="0" i="1" smtClean="0">
+                            <a:latin typeface="Cambria Math" panose="02040503050406030204" pitchFamily="18" charset="0"/>
+                          </a:rPr>
+                          <m:t>2</m:t>
+                        </m:r>
+                      </m:sub>
+                    </m:sSub>
+                    <m:r>
+                      <a:rPr kumimoji="1" lang="en-US" altLang="ja-JP" b="0" i="1" smtClean="0">
+                        <a:latin typeface="Cambria Math" panose="02040503050406030204" pitchFamily="18" charset="0"/>
+                      </a:rPr>
+                      <m:t>,</m:t>
+                    </m:r>
+                    <m:sSub>
+                      <m:sSubPr>
+                        <m:ctrlPr>
+                          <a:rPr kumimoji="1" lang="en-US" altLang="ja-JP" b="0" i="1" smtClean="0">
+                            <a:latin typeface="Cambria Math" panose="02040503050406030204" pitchFamily="18" charset="0"/>
+                          </a:rPr>
+                        </m:ctrlPr>
+                      </m:sSubPr>
+                      <m:e>
+                        <m:r>
+                          <a:rPr kumimoji="1" lang="en-US" altLang="ja-JP" b="0" i="1" smtClean="0">
+                            <a:latin typeface="Cambria Math" panose="02040503050406030204" pitchFamily="18" charset="0"/>
+                          </a:rPr>
+                          <m:t>𝑦</m:t>
+                        </m:r>
+                      </m:e>
+                      <m:sub>
+                        <m:r>
+                          <a:rPr kumimoji="1" lang="en-US" altLang="ja-JP" b="0" i="1" smtClean="0">
+                            <a:latin typeface="Cambria Math" panose="02040503050406030204" pitchFamily="18" charset="0"/>
+                          </a:rPr>
+                          <m:t>2</m:t>
+                        </m:r>
+                      </m:sub>
+                    </m:sSub>
+                    <m:sSub>
+                      <m:sSubPr>
+                        <m:ctrlPr>
+                          <a:rPr kumimoji="1" lang="en-US" altLang="ja-JP" b="0" i="1" smtClean="0">
+                            <a:latin typeface="Cambria Math" panose="02040503050406030204" pitchFamily="18" charset="0"/>
+                          </a:rPr>
+                        </m:ctrlPr>
+                      </m:sSubPr>
+                      <m:e>
+                        <m:r>
+                          <a:rPr kumimoji="1" lang="en-US" altLang="ja-JP" b="0" i="1" smtClean="0">
+                            <a:latin typeface="Cambria Math" panose="02040503050406030204" pitchFamily="18" charset="0"/>
+                          </a:rPr>
+                          <m:t>,</m:t>
+                        </m:r>
+                        <m:r>
+                          <a:rPr kumimoji="1" lang="en-US" altLang="ja-JP" b="0" i="1" smtClean="0">
+                            <a:latin typeface="Cambria Math" panose="02040503050406030204" pitchFamily="18" charset="0"/>
+                          </a:rPr>
+                          <m:t>𝑤</m:t>
+                        </m:r>
+                      </m:e>
+                      <m:sub>
+                        <m:r>
+                          <a:rPr kumimoji="1" lang="en-US" altLang="ja-JP" b="0" i="1" smtClean="0">
+                            <a:latin typeface="Cambria Math" panose="02040503050406030204" pitchFamily="18" charset="0"/>
+                          </a:rPr>
+                          <m:t>1</m:t>
+                        </m:r>
+                      </m:sub>
+                    </m:sSub>
+                    <m:r>
+                      <a:rPr kumimoji="1" lang="en-US" altLang="ja-JP" b="0" i="1" smtClean="0">
+                        <a:latin typeface="Cambria Math" panose="02040503050406030204" pitchFamily="18" charset="0"/>
+                      </a:rPr>
+                      <m:t>, </m:t>
+                    </m:r>
+                    <m:sSub>
+                      <m:sSubPr>
+                        <m:ctrlPr>
+                          <a:rPr kumimoji="1" lang="en-US" altLang="ja-JP" b="0" i="1" smtClean="0">
+                            <a:latin typeface="Cambria Math" panose="02040503050406030204" pitchFamily="18" charset="0"/>
+                          </a:rPr>
+                        </m:ctrlPr>
+                      </m:sSubPr>
+                      <m:e>
+                        <m:r>
+                          <a:rPr kumimoji="1" lang="en-US" altLang="ja-JP" b="0" i="1" smtClean="0">
+                            <a:latin typeface="Cambria Math" panose="02040503050406030204" pitchFamily="18" charset="0"/>
+                          </a:rPr>
+                          <m:t>𝑤</m:t>
+                        </m:r>
+                      </m:e>
+                      <m:sub>
+                        <m:r>
+                          <a:rPr kumimoji="1" lang="en-US" altLang="ja-JP" b="0" i="1" smtClean="0">
+                            <a:latin typeface="Cambria Math" panose="02040503050406030204" pitchFamily="18" charset="0"/>
+                          </a:rPr>
+                          <m:t>2</m:t>
+                        </m:r>
+                      </m:sub>
+                    </m:sSub>
+                    <m:r>
+                      <a:rPr kumimoji="1" lang="en-US" altLang="ja-JP" b="0" i="1" smtClean="0">
+                        <a:latin typeface="Cambria Math" panose="02040503050406030204" pitchFamily="18" charset="0"/>
+                      </a:rPr>
+                      <m:t>, </m:t>
+                    </m:r>
+                    <m:sSub>
+                      <m:sSubPr>
+                        <m:ctrlPr>
+                          <a:rPr kumimoji="1" lang="en-US" altLang="ja-JP" b="0" i="1" smtClean="0">
+                            <a:latin typeface="Cambria Math" panose="02040503050406030204" pitchFamily="18" charset="0"/>
+                          </a:rPr>
+                        </m:ctrlPr>
+                      </m:sSubPr>
+                      <m:e>
+                        <m:r>
+                          <a:rPr kumimoji="1" lang="en-US" altLang="ja-JP" b="0" i="1" smtClean="0">
+                            <a:latin typeface="Cambria Math" panose="02040503050406030204" pitchFamily="18" charset="0"/>
+                          </a:rPr>
+                          <m:t>h</m:t>
+                        </m:r>
+                      </m:e>
+                      <m:sub>
+                        <m:r>
+                          <a:rPr kumimoji="1" lang="en-US" altLang="ja-JP" b="0" i="1" smtClean="0">
+                            <a:latin typeface="Cambria Math" panose="02040503050406030204" pitchFamily="18" charset="0"/>
+                          </a:rPr>
+                          <m:t>1</m:t>
+                        </m:r>
+                      </m:sub>
+                    </m:sSub>
+                    <m:r>
+                      <a:rPr kumimoji="1" lang="en-US" altLang="ja-JP" b="0" i="1" smtClean="0">
+                        <a:latin typeface="Cambria Math" panose="02040503050406030204" pitchFamily="18" charset="0"/>
+                      </a:rPr>
+                      <m:t>, </m:t>
+                    </m:r>
+                    <m:sSub>
+                      <m:sSubPr>
+                        <m:ctrlPr>
+                          <a:rPr kumimoji="1" lang="en-US" altLang="ja-JP" b="0" i="1" smtClean="0">
+                            <a:latin typeface="Cambria Math" panose="02040503050406030204" pitchFamily="18" charset="0"/>
+                          </a:rPr>
+                        </m:ctrlPr>
+                      </m:sSubPr>
+                      <m:e>
+                        <m:r>
+                          <a:rPr kumimoji="1" lang="en-US" altLang="ja-JP" b="0" i="1" smtClean="0">
+                            <a:latin typeface="Cambria Math" panose="02040503050406030204" pitchFamily="18" charset="0"/>
+                          </a:rPr>
+                          <m:t>𝑑</m:t>
+                        </m:r>
+                      </m:e>
+                      <m:sub>
+                        <m:r>
+                          <a:rPr kumimoji="1" lang="en-US" altLang="ja-JP" b="0" i="1" smtClean="0">
+                            <a:latin typeface="Cambria Math" panose="02040503050406030204" pitchFamily="18" charset="0"/>
+                          </a:rPr>
+                          <m:t>1</m:t>
+                        </m:r>
+                      </m:sub>
+                    </m:sSub>
+                  </m:oMath>
+                </a14:m>
+                <a:r>
+                  <a:rPr kumimoji="1" lang="ja-JP" altLang="en-US" dirty="0"/>
+                  <a:t>が与えられたとき、</a:t>
+                </a:r>
+              </a:p>
+            </p:txBody>
+          </p:sp>
+        </mc:Choice>
+        <mc:Fallback>
+          <p:sp>
+            <p:nvSpPr>
+              <p:cNvPr id="15" name="テキスト ボックス 14">
+                <a:extLst>
+                  <a:ext uri="{FF2B5EF4-FFF2-40B4-BE49-F238E27FC236}">
+                    <a16:creationId xmlns:a16="http://schemas.microsoft.com/office/drawing/2014/main" id="{2BB9B2B3-461C-417C-8990-9FF0B8083602}"/>
+                  </a:ext>
+                </a:extLst>
+              </p:cNvPr>
+              <p:cNvSpPr txBox="1">
+                <a:spLocks noRot="1" noChangeAspect="1" noMove="1" noResize="1" noEditPoints="1" noAdjustHandles="1" noChangeArrowheads="1" noChangeShapeType="1" noTextEdit="1"/>
+              </p:cNvSpPr>
+              <p:nvPr/>
+            </p:nvSpPr>
+            <p:spPr>
+              <a:xfrm>
+                <a:off x="1349282" y="971596"/>
+                <a:ext cx="4627805" cy="276999"/>
+              </a:xfrm>
+              <a:prstGeom prst="rect">
+                <a:avLst/>
+              </a:prstGeom>
+              <a:blipFill>
+                <a:blip r:embed="rId3"/>
+                <a:stretch>
+                  <a:fillRect l="-1318" t="-26087" r="-2503" b="-52174"/>
+                </a:stretch>
+              </a:blipFill>
+            </p:spPr>
+            <p:txBody>
+              <a:bodyPr/>
+              <a:lstStyle/>
+              <a:p>
+                <a:r>
+                  <a:rPr lang="ja-JP" altLang="en-US">
+                    <a:noFill/>
+                  </a:rPr>
+                  <a:t> </a:t>
+                </a:r>
+              </a:p>
+            </p:txBody>
+          </p:sp>
+        </mc:Fallback>
+      </mc:AlternateContent>
+      <mc:AlternateContent xmlns:mc="http://schemas.openxmlformats.org/markup-compatibility/2006">
+        <mc:Choice xmlns:a14="http://schemas.microsoft.com/office/drawing/2010/main" Requires="a14">
+          <p:sp>
+            <p:nvSpPr>
+              <p:cNvPr id="16" name="テキスト ボックス 15">
+                <a:extLst>
+                  <a:ext uri="{FF2B5EF4-FFF2-40B4-BE49-F238E27FC236}">
+                    <a16:creationId xmlns:a16="http://schemas.microsoft.com/office/drawing/2014/main" id="{7D4C3685-7A05-4738-AE98-332C8FA33BC2}"/>
+                  </a:ext>
+                </a:extLst>
+              </p:cNvPr>
+              <p:cNvSpPr txBox="1"/>
+              <p:nvPr/>
+            </p:nvSpPr>
+            <p:spPr>
+              <a:xfrm>
+                <a:off x="1349282" y="1414890"/>
+                <a:ext cx="1633396" cy="276999"/>
+              </a:xfrm>
+              <a:prstGeom prst="rect">
+                <a:avLst/>
+              </a:prstGeom>
+              <a:noFill/>
+            </p:spPr>
+            <p:txBody>
+              <a:bodyPr wrap="none" lIns="0" tIns="0" rIns="0" bIns="0" rtlCol="0">
+                <a:spAutoFit/>
+              </a:bodyPr>
+              <a:lstStyle/>
+              <a:p>
+                <a14:m>
+                  <m:oMath xmlns:m="http://schemas.openxmlformats.org/officeDocument/2006/math">
+                    <m:sSub>
+                      <m:sSubPr>
+                        <m:ctrlPr>
+                          <a:rPr kumimoji="1" lang="en-US" altLang="ja-JP" b="1" i="1" smtClean="0">
+                            <a:latin typeface="Cambria Math" panose="02040503050406030204" pitchFamily="18" charset="0"/>
+                          </a:rPr>
+                        </m:ctrlPr>
+                      </m:sSubPr>
+                      <m:e>
+                        <m:r>
+                          <a:rPr kumimoji="1" lang="en-US" altLang="ja-JP" b="1" i="1" smtClean="0">
+                            <a:latin typeface="Cambria Math" panose="02040503050406030204" pitchFamily="18" charset="0"/>
+                          </a:rPr>
+                          <m:t>𝒚</m:t>
+                        </m:r>
+                      </m:e>
+                      <m:sub>
+                        <m:r>
+                          <a:rPr kumimoji="1" lang="en-US" altLang="ja-JP" b="1" i="1" smtClean="0">
+                            <a:latin typeface="Cambria Math" panose="02040503050406030204" pitchFamily="18" charset="0"/>
+                          </a:rPr>
+                          <m:t>𝟐</m:t>
+                        </m:r>
+                      </m:sub>
+                    </m:sSub>
+                  </m:oMath>
+                </a14:m>
+                <a:r>
+                  <a:rPr kumimoji="1" lang="ja-JP" altLang="en-US" dirty="0"/>
+                  <a:t>を求めたい。</a:t>
+                </a:r>
+              </a:p>
+            </p:txBody>
+          </p:sp>
+        </mc:Choice>
+        <mc:Fallback>
+          <p:sp>
+            <p:nvSpPr>
+              <p:cNvPr id="16" name="テキスト ボックス 15">
+                <a:extLst>
+                  <a:ext uri="{FF2B5EF4-FFF2-40B4-BE49-F238E27FC236}">
+                    <a16:creationId xmlns:a16="http://schemas.microsoft.com/office/drawing/2014/main" id="{7D4C3685-7A05-4738-AE98-332C8FA33BC2}"/>
+                  </a:ext>
+                </a:extLst>
+              </p:cNvPr>
+              <p:cNvSpPr txBox="1">
+                <a:spLocks noRot="1" noChangeAspect="1" noMove="1" noResize="1" noEditPoints="1" noAdjustHandles="1" noChangeArrowheads="1" noChangeShapeType="1" noTextEdit="1"/>
+              </p:cNvSpPr>
+              <p:nvPr/>
+            </p:nvSpPr>
+            <p:spPr>
+              <a:xfrm>
+                <a:off x="1349282" y="1414890"/>
+                <a:ext cx="1633396" cy="276999"/>
+              </a:xfrm>
+              <a:prstGeom prst="rect">
+                <a:avLst/>
+              </a:prstGeom>
+              <a:blipFill>
+                <a:blip r:embed="rId4"/>
+                <a:stretch>
+                  <a:fillRect l="-5224" t="-26087" r="-8955" b="-52174"/>
+                </a:stretch>
+              </a:blipFill>
+            </p:spPr>
+            <p:txBody>
+              <a:bodyPr/>
+              <a:lstStyle/>
+              <a:p>
+                <a:r>
+                  <a:rPr lang="ja-JP" altLang="en-US">
+                    <a:noFill/>
+                  </a:rPr>
+                  <a:t> </a:t>
+                </a:r>
+              </a:p>
+            </p:txBody>
+          </p:sp>
+        </mc:Fallback>
+      </mc:AlternateContent>
+      <mc:AlternateContent xmlns:mc="http://schemas.openxmlformats.org/markup-compatibility/2006">
+        <mc:Choice xmlns:a14="http://schemas.microsoft.com/office/drawing/2010/main" Requires="a14">
+          <p:sp>
+            <p:nvSpPr>
+              <p:cNvPr id="3" name="テキスト ボックス 2">
+                <a:extLst>
+                  <a:ext uri="{FF2B5EF4-FFF2-40B4-BE49-F238E27FC236}">
+                    <a16:creationId xmlns:a16="http://schemas.microsoft.com/office/drawing/2014/main" id="{36486460-3E68-407D-90CD-BC39A5ABFB3A}"/>
+                  </a:ext>
+                </a:extLst>
+              </p:cNvPr>
+              <p:cNvSpPr txBox="1"/>
+              <p:nvPr/>
+            </p:nvSpPr>
+            <p:spPr>
+              <a:xfrm>
+                <a:off x="2025557" y="3227427"/>
+                <a:ext cx="5175342" cy="404663"/>
+              </a:xfrm>
+              <a:prstGeom prst="rect">
+                <a:avLst/>
+              </a:prstGeom>
+              <a:noFill/>
+            </p:spPr>
+            <p:txBody>
+              <a:bodyPr wrap="square" lIns="0" tIns="0" rIns="0" bIns="0" rtlCol="0">
+                <a:spAutoFit/>
+              </a:bodyPr>
+              <a:lstStyle/>
+              <a:p>
+                <a14:m>
+                  <m:oMath xmlns:m="http://schemas.openxmlformats.org/officeDocument/2006/math">
+                    <m:sSub>
+                      <m:sSubPr>
+                        <m:ctrlPr>
+                          <a:rPr kumimoji="1" lang="en-US" altLang="ja-JP" b="1" i="1" smtClean="0">
+                            <a:latin typeface="Cambria Math" panose="02040503050406030204" pitchFamily="18" charset="0"/>
+                          </a:rPr>
+                        </m:ctrlPr>
+                      </m:sSubPr>
+                      <m:e>
+                        <m:r>
+                          <a:rPr kumimoji="1" lang="ja-JP" altLang="en-US" b="1" i="1" smtClean="0">
+                            <a:latin typeface="Cambria Math" panose="02040503050406030204" pitchFamily="18" charset="0"/>
+                          </a:rPr>
+                          <m:t>𝜽</m:t>
+                        </m:r>
+                      </m:e>
+                      <m:sub>
+                        <m:r>
+                          <a:rPr kumimoji="1" lang="en-US" altLang="ja-JP" b="1" i="1" smtClean="0">
+                            <a:latin typeface="Cambria Math" panose="02040503050406030204" pitchFamily="18" charset="0"/>
+                          </a:rPr>
+                          <m:t>𝟏</m:t>
+                        </m:r>
+                      </m:sub>
+                    </m:sSub>
+                    <m:r>
+                      <a:rPr kumimoji="1" lang="en-US" altLang="ja-JP" b="1" i="1" smtClean="0">
+                        <a:latin typeface="Cambria Math" panose="02040503050406030204" pitchFamily="18" charset="0"/>
+                      </a:rPr>
+                      <m:t>=</m:t>
+                    </m:r>
+                    <m:f>
+                      <m:fPr>
+                        <m:ctrlPr>
+                          <a:rPr kumimoji="1" lang="en-US" altLang="ja-JP" b="1" i="1" smtClean="0">
+                            <a:latin typeface="Cambria Math" panose="02040503050406030204" pitchFamily="18" charset="0"/>
+                          </a:rPr>
+                        </m:ctrlPr>
+                      </m:fPr>
+                      <m:num>
+                        <m:r>
+                          <a:rPr kumimoji="1" lang="ja-JP" altLang="en-US" b="1" i="1" smtClean="0">
+                            <a:latin typeface="Cambria Math" panose="02040503050406030204" pitchFamily="18" charset="0"/>
+                          </a:rPr>
+                          <m:t>𝝅</m:t>
+                        </m:r>
+                        <m:r>
+                          <a:rPr kumimoji="1" lang="en-US" altLang="ja-JP" b="1" i="1" smtClean="0">
+                            <a:latin typeface="Cambria Math" panose="02040503050406030204" pitchFamily="18" charset="0"/>
+                          </a:rPr>
+                          <m:t>−</m:t>
+                        </m:r>
+                        <m:sSub>
+                          <m:sSubPr>
+                            <m:ctrlPr>
+                              <a:rPr kumimoji="1" lang="en-US" altLang="ja-JP" b="1" i="1" smtClean="0">
+                                <a:latin typeface="Cambria Math" panose="02040503050406030204" pitchFamily="18" charset="0"/>
+                              </a:rPr>
+                            </m:ctrlPr>
+                          </m:sSubPr>
+                          <m:e>
+                            <m:r>
+                              <a:rPr kumimoji="1" lang="ja-JP" altLang="en-US" b="1" i="1" smtClean="0">
+                                <a:latin typeface="Cambria Math" panose="02040503050406030204" pitchFamily="18" charset="0"/>
+                              </a:rPr>
+                              <m:t>𝜽</m:t>
+                            </m:r>
+                          </m:e>
+                          <m:sub>
+                            <m:r>
+                              <a:rPr kumimoji="1" lang="en-US" altLang="ja-JP" b="1" i="1" smtClean="0">
+                                <a:latin typeface="Cambria Math" panose="02040503050406030204" pitchFamily="18" charset="0"/>
+                              </a:rPr>
+                              <m:t>𝟐</m:t>
+                            </m:r>
+                          </m:sub>
+                        </m:sSub>
+                      </m:num>
+                      <m:den>
+                        <m:r>
+                          <a:rPr kumimoji="1" lang="en-US" altLang="ja-JP" b="1" i="1" smtClean="0">
+                            <a:latin typeface="Cambria Math" panose="02040503050406030204" pitchFamily="18" charset="0"/>
+                          </a:rPr>
+                          <m:t>𝟐</m:t>
+                        </m:r>
+                      </m:den>
+                    </m:f>
+                  </m:oMath>
+                </a14:m>
+                <a:r>
+                  <a:rPr kumimoji="1" lang="ja-JP" altLang="en-US" dirty="0"/>
+                  <a:t> </a:t>
+                </a:r>
+              </a:p>
+            </p:txBody>
+          </p:sp>
+        </mc:Choice>
+        <mc:Fallback>
+          <p:sp>
+            <p:nvSpPr>
+              <p:cNvPr id="3" name="テキスト ボックス 2">
+                <a:extLst>
+                  <a:ext uri="{FF2B5EF4-FFF2-40B4-BE49-F238E27FC236}">
+                    <a16:creationId xmlns:a16="http://schemas.microsoft.com/office/drawing/2014/main" id="{36486460-3E68-407D-90CD-BC39A5ABFB3A}"/>
+                  </a:ext>
+                </a:extLst>
+              </p:cNvPr>
+              <p:cNvSpPr txBox="1">
+                <a:spLocks noRot="1" noChangeAspect="1" noMove="1" noResize="1" noEditPoints="1" noAdjustHandles="1" noChangeArrowheads="1" noChangeShapeType="1" noTextEdit="1"/>
+              </p:cNvSpPr>
+              <p:nvPr/>
+            </p:nvSpPr>
+            <p:spPr>
+              <a:xfrm>
+                <a:off x="2025557" y="3227427"/>
+                <a:ext cx="5175342" cy="404663"/>
+              </a:xfrm>
+              <a:prstGeom prst="rect">
+                <a:avLst/>
+              </a:prstGeom>
+              <a:blipFill>
+                <a:blip r:embed="rId5"/>
+                <a:stretch>
+                  <a:fillRect l="-1531" b="-11940"/>
+                </a:stretch>
+              </a:blipFill>
+            </p:spPr>
+            <p:txBody>
+              <a:bodyPr/>
+              <a:lstStyle/>
+              <a:p>
+                <a:r>
+                  <a:rPr lang="ja-JP" altLang="en-US">
+                    <a:noFill/>
+                  </a:rPr>
+                  <a:t> </a:t>
+                </a:r>
+              </a:p>
+            </p:txBody>
+          </p:sp>
+        </mc:Fallback>
+      </mc:AlternateContent>
+      <mc:AlternateContent xmlns:mc="http://schemas.openxmlformats.org/markup-compatibility/2006">
+        <mc:Choice xmlns:a14="http://schemas.microsoft.com/office/drawing/2010/main" Requires="a14">
+          <p:sp>
+            <p:nvSpPr>
+              <p:cNvPr id="20" name="テキスト ボックス 19">
+                <a:extLst>
+                  <a:ext uri="{FF2B5EF4-FFF2-40B4-BE49-F238E27FC236}">
+                    <a16:creationId xmlns:a16="http://schemas.microsoft.com/office/drawing/2014/main" id="{5FC8074F-E362-4F83-820F-CBBAC6009DA9}"/>
+                  </a:ext>
+                </a:extLst>
+              </p:cNvPr>
+              <p:cNvSpPr txBox="1"/>
+              <p:nvPr/>
+            </p:nvSpPr>
+            <p:spPr>
+              <a:xfrm>
+                <a:off x="2025559" y="2615142"/>
+                <a:ext cx="5242016" cy="437299"/>
+              </a:xfrm>
+              <a:prstGeom prst="rect">
+                <a:avLst/>
+              </a:prstGeom>
+              <a:noFill/>
+            </p:spPr>
+            <p:txBody>
+              <a:bodyPr wrap="square" lIns="0" tIns="0" rIns="0" bIns="0" rtlCol="0">
+                <a:spAutoFit/>
+              </a:bodyPr>
+              <a:lstStyle/>
+              <a:p>
+                <a14:m>
+                  <m:oMath xmlns:m="http://schemas.openxmlformats.org/officeDocument/2006/math">
+                    <m:func>
+                      <m:funcPr>
+                        <m:ctrlPr>
+                          <a:rPr kumimoji="1" lang="en-US" altLang="ja-JP" b="0" i="1" smtClean="0">
+                            <a:latin typeface="Cambria Math" panose="02040503050406030204" pitchFamily="18" charset="0"/>
+                          </a:rPr>
+                        </m:ctrlPr>
+                      </m:funcPr>
+                      <m:fName>
+                        <m:r>
+                          <m:rPr>
+                            <m:sty m:val="p"/>
+                          </m:rPr>
+                          <a:rPr kumimoji="1" lang="en-US" altLang="ja-JP" b="0" i="0" smtClean="0">
+                            <a:latin typeface="Cambria Math" panose="02040503050406030204" pitchFamily="18" charset="0"/>
+                          </a:rPr>
+                          <m:t>tan</m:t>
+                        </m:r>
+                      </m:fName>
+                      <m:e>
+                        <m:sSub>
+                          <m:sSubPr>
+                            <m:ctrlPr>
+                              <a:rPr kumimoji="1" lang="en-US" altLang="ja-JP" b="0" i="1" smtClean="0">
+                                <a:latin typeface="Cambria Math" panose="02040503050406030204" pitchFamily="18" charset="0"/>
+                              </a:rPr>
+                            </m:ctrlPr>
+                          </m:sSubPr>
+                          <m:e>
+                            <m:r>
+                              <a:rPr kumimoji="1" lang="ja-JP" altLang="en-US" b="0" i="1" smtClean="0">
+                                <a:latin typeface="Cambria Math" panose="02040503050406030204" pitchFamily="18" charset="0"/>
+                              </a:rPr>
+                              <m:t>𝜃</m:t>
+                            </m:r>
+                          </m:e>
+                          <m:sub>
+                            <m:r>
+                              <a:rPr kumimoji="1" lang="en-US" altLang="ja-JP" b="0" i="1" smtClean="0">
+                                <a:latin typeface="Cambria Math" panose="02040503050406030204" pitchFamily="18" charset="0"/>
+                              </a:rPr>
+                              <m:t>1</m:t>
+                            </m:r>
+                          </m:sub>
+                        </m:sSub>
+                        <m:r>
+                          <a:rPr kumimoji="1" lang="en-US" altLang="ja-JP" b="0" i="1" smtClean="0">
+                            <a:latin typeface="Cambria Math" panose="02040503050406030204" pitchFamily="18" charset="0"/>
+                          </a:rPr>
+                          <m:t>=</m:t>
+                        </m:r>
+                        <m:f>
+                          <m:fPr>
+                            <m:ctrlPr>
+                              <a:rPr kumimoji="1" lang="en-US" altLang="ja-JP" b="0" i="1" smtClean="0">
+                                <a:latin typeface="Cambria Math" panose="02040503050406030204" pitchFamily="18" charset="0"/>
+                              </a:rPr>
+                            </m:ctrlPr>
+                          </m:fPr>
+                          <m:num>
+                            <m:sSub>
+                              <m:sSubPr>
+                                <m:ctrlPr>
+                                  <a:rPr kumimoji="1" lang="en-US" altLang="ja-JP" b="0" i="1" smtClean="0">
+                                    <a:latin typeface="Cambria Math" panose="02040503050406030204" pitchFamily="18" charset="0"/>
+                                  </a:rPr>
+                                </m:ctrlPr>
+                              </m:sSubPr>
+                              <m:e>
+                                <m:r>
+                                  <a:rPr kumimoji="1" lang="en-US" altLang="ja-JP" b="0" i="1" smtClean="0">
+                                    <a:latin typeface="Cambria Math" panose="02040503050406030204" pitchFamily="18" charset="0"/>
+                                  </a:rPr>
+                                  <m:t>𝑑</m:t>
+                                </m:r>
+                              </m:e>
+                              <m:sub>
+                                <m:r>
+                                  <a:rPr kumimoji="1" lang="en-US" altLang="ja-JP" b="0" i="1" smtClean="0">
+                                    <a:latin typeface="Cambria Math" panose="02040503050406030204" pitchFamily="18" charset="0"/>
+                                  </a:rPr>
+                                  <m:t>1</m:t>
+                                </m:r>
+                              </m:sub>
+                            </m:sSub>
+                          </m:num>
+                          <m:den>
+                            <m:r>
+                              <a:rPr kumimoji="1" lang="en-US" altLang="ja-JP" b="0" i="1" smtClean="0">
+                                <a:latin typeface="Cambria Math" panose="02040503050406030204" pitchFamily="18" charset="0"/>
+                              </a:rPr>
+                              <m:t>𝑎</m:t>
+                            </m:r>
+                          </m:den>
+                        </m:f>
+                      </m:e>
+                    </m:func>
+                  </m:oMath>
+                </a14:m>
+                <a:r>
+                  <a:rPr kumimoji="1" lang="ja-JP" altLang="en-US" dirty="0"/>
+                  <a:t>   →</a:t>
+                </a:r>
+                <a:r>
+                  <a:rPr lang="en-US" altLang="ja-JP" dirty="0"/>
+                  <a:t>   </a:t>
+                </a:r>
+                <a14:m>
+                  <m:oMath xmlns:m="http://schemas.openxmlformats.org/officeDocument/2006/math">
+                    <m:r>
+                      <a:rPr lang="en-US" altLang="ja-JP" b="1" i="1">
+                        <a:latin typeface="Cambria Math" panose="02040503050406030204" pitchFamily="18" charset="0"/>
+                      </a:rPr>
+                      <m:t>𝒂</m:t>
+                    </m:r>
+                    <m:r>
+                      <a:rPr lang="en-US" altLang="ja-JP" b="1">
+                        <a:latin typeface="Cambria Math" panose="02040503050406030204" pitchFamily="18" charset="0"/>
+                      </a:rPr>
+                      <m:t>=</m:t>
+                    </m:r>
+                    <m:f>
+                      <m:fPr>
+                        <m:ctrlPr>
+                          <a:rPr lang="en-US" altLang="ja-JP" b="1" i="1">
+                            <a:latin typeface="Cambria Math" panose="02040503050406030204" pitchFamily="18" charset="0"/>
+                          </a:rPr>
+                        </m:ctrlPr>
+                      </m:fPr>
+                      <m:num>
+                        <m:sSub>
+                          <m:sSubPr>
+                            <m:ctrlPr>
+                              <a:rPr lang="en-US" altLang="ja-JP" b="1" i="1">
+                                <a:latin typeface="Cambria Math" panose="02040503050406030204" pitchFamily="18" charset="0"/>
+                              </a:rPr>
+                            </m:ctrlPr>
+                          </m:sSubPr>
+                          <m:e>
+                            <m:r>
+                              <a:rPr lang="en-US" altLang="ja-JP" b="1" i="1">
+                                <a:latin typeface="Cambria Math" panose="02040503050406030204" pitchFamily="18" charset="0"/>
+                              </a:rPr>
+                              <m:t>𝒅</m:t>
+                            </m:r>
+                          </m:e>
+                          <m:sub>
+                            <m:r>
+                              <a:rPr lang="en-US" altLang="ja-JP" b="1" i="1">
+                                <a:latin typeface="Cambria Math" panose="02040503050406030204" pitchFamily="18" charset="0"/>
+                              </a:rPr>
+                              <m:t>𝟏</m:t>
+                            </m:r>
+                          </m:sub>
+                        </m:sSub>
+                      </m:num>
+                      <m:den>
+                        <m:func>
+                          <m:funcPr>
+                            <m:ctrlPr>
+                              <a:rPr lang="en-US" altLang="ja-JP" b="1" i="1">
+                                <a:latin typeface="Cambria Math" panose="02040503050406030204" pitchFamily="18" charset="0"/>
+                              </a:rPr>
+                            </m:ctrlPr>
+                          </m:funcPr>
+                          <m:fName>
+                            <m:r>
+                              <a:rPr lang="en-US" altLang="ja-JP" b="1" i="1">
+                                <a:latin typeface="Cambria Math" panose="02040503050406030204" pitchFamily="18" charset="0"/>
+                              </a:rPr>
+                              <m:t>𝒕𝒂𝒏</m:t>
+                            </m:r>
+                          </m:fName>
+                          <m:e>
+                            <m:sSub>
+                              <m:sSubPr>
+                                <m:ctrlPr>
+                                  <a:rPr lang="en-US" altLang="ja-JP" b="1" i="1">
+                                    <a:latin typeface="Cambria Math" panose="02040503050406030204" pitchFamily="18" charset="0"/>
+                                  </a:rPr>
+                                </m:ctrlPr>
+                              </m:sSubPr>
+                              <m:e>
+                                <m:r>
+                                  <a:rPr lang="ja-JP" altLang="en-US" b="1" i="1">
+                                    <a:latin typeface="Cambria Math" panose="02040503050406030204" pitchFamily="18" charset="0"/>
+                                  </a:rPr>
+                                  <m:t>𝜽</m:t>
+                                </m:r>
+                              </m:e>
+                              <m:sub>
+                                <m:r>
+                                  <a:rPr lang="en-US" altLang="ja-JP" b="1" i="1">
+                                    <a:latin typeface="Cambria Math" panose="02040503050406030204" pitchFamily="18" charset="0"/>
+                                  </a:rPr>
+                                  <m:t>𝟏</m:t>
+                                </m:r>
+                              </m:sub>
+                            </m:sSub>
+                          </m:e>
+                        </m:func>
+                      </m:den>
+                    </m:f>
+                  </m:oMath>
+                </a14:m>
+                <a:endParaRPr lang="en-US" altLang="ja-JP" b="1" dirty="0"/>
+              </a:p>
+            </p:txBody>
+          </p:sp>
+        </mc:Choice>
+        <mc:Fallback>
+          <p:sp>
+            <p:nvSpPr>
+              <p:cNvPr id="20" name="テキスト ボックス 19">
+                <a:extLst>
+                  <a:ext uri="{FF2B5EF4-FFF2-40B4-BE49-F238E27FC236}">
+                    <a16:creationId xmlns:a16="http://schemas.microsoft.com/office/drawing/2014/main" id="{5FC8074F-E362-4F83-820F-CBBAC6009DA9}"/>
+                  </a:ext>
+                </a:extLst>
+              </p:cNvPr>
+              <p:cNvSpPr txBox="1">
+                <a:spLocks noRot="1" noChangeAspect="1" noMove="1" noResize="1" noEditPoints="1" noAdjustHandles="1" noChangeArrowheads="1" noChangeShapeType="1" noTextEdit="1"/>
+              </p:cNvSpPr>
+              <p:nvPr/>
+            </p:nvSpPr>
+            <p:spPr>
+              <a:xfrm>
+                <a:off x="2025559" y="2615142"/>
+                <a:ext cx="5242016" cy="437299"/>
+              </a:xfrm>
+              <a:prstGeom prst="rect">
+                <a:avLst/>
+              </a:prstGeom>
+              <a:blipFill>
+                <a:blip r:embed="rId6"/>
+                <a:stretch>
+                  <a:fillRect l="-1395" t="-2778" b="-12500"/>
+                </a:stretch>
+              </a:blipFill>
+            </p:spPr>
+            <p:txBody>
+              <a:bodyPr/>
+              <a:lstStyle/>
+              <a:p>
+                <a:r>
+                  <a:rPr lang="ja-JP" altLang="en-US">
+                    <a:noFill/>
+                  </a:rPr>
+                  <a:t> </a:t>
+                </a:r>
+              </a:p>
+            </p:txBody>
+          </p:sp>
+        </mc:Fallback>
+      </mc:AlternateContent>
+      <mc:AlternateContent xmlns:mc="http://schemas.openxmlformats.org/markup-compatibility/2006">
+        <mc:Choice xmlns:a14="http://schemas.microsoft.com/office/drawing/2010/main" Requires="a14">
+          <p:sp>
+            <p:nvSpPr>
+              <p:cNvPr id="23" name="テキスト ボックス 22">
+                <a:extLst>
+                  <a:ext uri="{FF2B5EF4-FFF2-40B4-BE49-F238E27FC236}">
+                    <a16:creationId xmlns:a16="http://schemas.microsoft.com/office/drawing/2014/main" id="{4353CB11-86C3-4D84-BD47-F794EAE6AD77}"/>
+                  </a:ext>
+                </a:extLst>
+              </p:cNvPr>
+              <p:cNvSpPr txBox="1"/>
+              <p:nvPr/>
+            </p:nvSpPr>
+            <p:spPr>
+              <a:xfrm>
+                <a:off x="2025557" y="3807320"/>
+                <a:ext cx="5175343" cy="569836"/>
+              </a:xfrm>
+              <a:prstGeom prst="rect">
+                <a:avLst/>
+              </a:prstGeom>
+              <a:noFill/>
+            </p:spPr>
+            <p:txBody>
+              <a:bodyPr wrap="square" lIns="0" tIns="0" rIns="0" bIns="0" rtlCol="0">
+                <a:spAutoFit/>
+              </a:bodyPr>
+              <a:lstStyle/>
+              <a:p>
+                <a:pPr/>
+                <a14:m>
+                  <m:oMath xmlns:m="http://schemas.openxmlformats.org/officeDocument/2006/math">
+                    <m:func>
+                      <m:funcPr>
+                        <m:ctrlPr>
+                          <a:rPr kumimoji="1" lang="en-US" altLang="ja-JP" b="0" i="1" smtClean="0">
+                            <a:latin typeface="Cambria Math" panose="02040503050406030204" pitchFamily="18" charset="0"/>
+                          </a:rPr>
+                        </m:ctrlPr>
+                      </m:funcPr>
+                      <m:fName>
+                        <m:r>
+                          <m:rPr>
+                            <m:sty m:val="p"/>
+                          </m:rPr>
+                          <a:rPr kumimoji="1" lang="en-US" altLang="ja-JP" b="0" i="0" smtClean="0">
+                            <a:latin typeface="Cambria Math" panose="02040503050406030204" pitchFamily="18" charset="0"/>
+                          </a:rPr>
+                          <m:t>tan</m:t>
+                        </m:r>
+                      </m:fName>
+                      <m:e>
+                        <m:sSub>
+                          <m:sSubPr>
+                            <m:ctrlPr>
+                              <a:rPr kumimoji="1" lang="en-US" altLang="ja-JP" b="0" i="1" smtClean="0">
+                                <a:latin typeface="Cambria Math" panose="02040503050406030204" pitchFamily="18" charset="0"/>
+                              </a:rPr>
+                            </m:ctrlPr>
+                          </m:sSubPr>
+                          <m:e>
+                            <m:r>
+                              <a:rPr kumimoji="1" lang="ja-JP" altLang="en-US" b="0" i="1" smtClean="0">
+                                <a:latin typeface="Cambria Math" panose="02040503050406030204" pitchFamily="18" charset="0"/>
+                              </a:rPr>
+                              <m:t>𝜃</m:t>
+                            </m:r>
+                          </m:e>
+                          <m:sub>
+                            <m:r>
+                              <a:rPr kumimoji="1" lang="en-US" altLang="ja-JP" b="0" i="1" smtClean="0">
+                                <a:latin typeface="Cambria Math" panose="02040503050406030204" pitchFamily="18" charset="0"/>
+                              </a:rPr>
+                              <m:t>2</m:t>
+                            </m:r>
+                          </m:sub>
+                        </m:sSub>
+                        <m:r>
+                          <a:rPr kumimoji="1" lang="en-US" altLang="ja-JP" b="0" i="1" smtClean="0">
+                            <a:latin typeface="Cambria Math" panose="02040503050406030204" pitchFamily="18" charset="0"/>
+                          </a:rPr>
+                          <m:t>=</m:t>
+                        </m:r>
+                        <m:f>
+                          <m:fPr>
+                            <m:ctrlPr>
+                              <a:rPr kumimoji="1" lang="en-US" altLang="ja-JP" b="0" i="1" smtClean="0">
+                                <a:latin typeface="Cambria Math" panose="02040503050406030204" pitchFamily="18" charset="0"/>
+                              </a:rPr>
+                            </m:ctrlPr>
+                          </m:fPr>
+                          <m:num>
+                            <m:d>
+                              <m:dPr>
+                                <m:ctrlPr>
+                                  <a:rPr kumimoji="1" lang="en-US" altLang="ja-JP" b="0" i="1" smtClean="0">
+                                    <a:latin typeface="Cambria Math" panose="02040503050406030204" pitchFamily="18" charset="0"/>
+                                  </a:rPr>
+                                </m:ctrlPr>
+                              </m:dPr>
+                              <m:e>
+                                <m:f>
+                                  <m:fPr>
+                                    <m:ctrlPr>
+                                      <a:rPr kumimoji="1" lang="en-US" altLang="ja-JP" b="0" i="1" smtClean="0">
+                                        <a:latin typeface="Cambria Math" panose="02040503050406030204" pitchFamily="18" charset="0"/>
+                                      </a:rPr>
+                                    </m:ctrlPr>
+                                  </m:fPr>
+                                  <m:num>
+                                    <m:sSub>
+                                      <m:sSubPr>
+                                        <m:ctrlPr>
+                                          <a:rPr kumimoji="1" lang="en-US" altLang="ja-JP" b="0" i="1" smtClean="0">
+                                            <a:latin typeface="Cambria Math" panose="02040503050406030204" pitchFamily="18" charset="0"/>
+                                          </a:rPr>
+                                        </m:ctrlPr>
+                                      </m:sSubPr>
+                                      <m:e>
+                                        <m:r>
+                                          <a:rPr kumimoji="1" lang="en-US" altLang="ja-JP" b="0" i="1" smtClean="0">
+                                            <a:latin typeface="Cambria Math" panose="02040503050406030204" pitchFamily="18" charset="0"/>
+                                          </a:rPr>
+                                          <m:t>𝑤</m:t>
+                                        </m:r>
+                                      </m:e>
+                                      <m:sub>
+                                        <m:r>
+                                          <a:rPr kumimoji="1" lang="en-US" altLang="ja-JP" b="0" i="1" smtClean="0">
+                                            <a:latin typeface="Cambria Math" panose="02040503050406030204" pitchFamily="18" charset="0"/>
+                                          </a:rPr>
+                                          <m:t>2</m:t>
+                                        </m:r>
+                                      </m:sub>
+                                    </m:sSub>
+                                    <m:r>
+                                      <a:rPr kumimoji="1" lang="en-US" altLang="ja-JP" b="0" i="1" smtClean="0">
+                                        <a:latin typeface="Cambria Math" panose="02040503050406030204" pitchFamily="18" charset="0"/>
+                                      </a:rPr>
+                                      <m:t>−</m:t>
+                                    </m:r>
+                                    <m:sSub>
+                                      <m:sSubPr>
+                                        <m:ctrlPr>
+                                          <a:rPr kumimoji="1" lang="en-US" altLang="ja-JP" b="0" i="1" smtClean="0">
+                                            <a:latin typeface="Cambria Math" panose="02040503050406030204" pitchFamily="18" charset="0"/>
+                                          </a:rPr>
+                                        </m:ctrlPr>
+                                      </m:sSubPr>
+                                      <m:e>
+                                        <m:r>
+                                          <a:rPr kumimoji="1" lang="en-US" altLang="ja-JP" b="0" i="1" smtClean="0">
+                                            <a:latin typeface="Cambria Math" panose="02040503050406030204" pitchFamily="18" charset="0"/>
+                                          </a:rPr>
+                                          <m:t>𝑤</m:t>
+                                        </m:r>
+                                      </m:e>
+                                      <m:sub>
+                                        <m:r>
+                                          <a:rPr kumimoji="1" lang="en-US" altLang="ja-JP" b="0" i="1" smtClean="0">
+                                            <a:latin typeface="Cambria Math" panose="02040503050406030204" pitchFamily="18" charset="0"/>
+                                          </a:rPr>
+                                          <m:t>1</m:t>
+                                        </m:r>
+                                      </m:sub>
+                                    </m:sSub>
+                                  </m:num>
+                                  <m:den>
+                                    <m:r>
+                                      <a:rPr kumimoji="1" lang="en-US" altLang="ja-JP" b="0" i="1" smtClean="0">
+                                        <a:latin typeface="Cambria Math" panose="02040503050406030204" pitchFamily="18" charset="0"/>
+                                      </a:rPr>
+                                      <m:t>2</m:t>
+                                    </m:r>
+                                  </m:den>
+                                </m:f>
+                              </m:e>
+                            </m:d>
+                          </m:num>
+                          <m:den>
+                            <m:d>
+                              <m:dPr>
+                                <m:ctrlPr>
+                                  <a:rPr kumimoji="1" lang="en-US" altLang="ja-JP" b="0" i="1" smtClean="0">
+                                    <a:latin typeface="Cambria Math" panose="02040503050406030204" pitchFamily="18" charset="0"/>
+                                  </a:rPr>
+                                </m:ctrlPr>
+                              </m:dPr>
+                              <m:e>
+                                <m:sSub>
+                                  <m:sSubPr>
+                                    <m:ctrlPr>
+                                      <a:rPr kumimoji="1" lang="en-US" altLang="ja-JP" b="0" i="1" smtClean="0">
+                                        <a:latin typeface="Cambria Math" panose="02040503050406030204" pitchFamily="18" charset="0"/>
+                                      </a:rPr>
+                                    </m:ctrlPr>
+                                  </m:sSubPr>
+                                  <m:e>
+                                    <m:r>
+                                      <a:rPr kumimoji="1" lang="en-US" altLang="ja-JP" b="0" i="1" smtClean="0">
+                                        <a:latin typeface="Cambria Math" panose="02040503050406030204" pitchFamily="18" charset="0"/>
+                                      </a:rPr>
+                                      <m:t>h</m:t>
+                                    </m:r>
+                                  </m:e>
+                                  <m:sub>
+                                    <m:r>
+                                      <a:rPr kumimoji="1" lang="en-US" altLang="ja-JP" b="0" i="1" smtClean="0">
+                                        <a:latin typeface="Cambria Math" panose="02040503050406030204" pitchFamily="18" charset="0"/>
+                                      </a:rPr>
+                                      <m:t>1</m:t>
+                                    </m:r>
+                                  </m:sub>
+                                </m:sSub>
+                              </m:e>
+                            </m:d>
+                          </m:den>
+                        </m:f>
+                        <m:r>
+                          <a:rPr kumimoji="1" lang="en-US" altLang="ja-JP" b="0" i="1" smtClean="0">
+                            <a:latin typeface="Cambria Math" panose="02040503050406030204" pitchFamily="18" charset="0"/>
+                          </a:rPr>
+                          <m:t>=</m:t>
+                        </m:r>
+                        <m:f>
+                          <m:fPr>
+                            <m:ctrlPr>
+                              <a:rPr kumimoji="1" lang="en-US" altLang="ja-JP" b="0" i="1" smtClean="0">
+                                <a:latin typeface="Cambria Math" panose="02040503050406030204" pitchFamily="18" charset="0"/>
+                              </a:rPr>
+                            </m:ctrlPr>
+                          </m:fPr>
+                          <m:num>
+                            <m:sSub>
+                              <m:sSubPr>
+                                <m:ctrlPr>
+                                  <a:rPr kumimoji="1" lang="en-US" altLang="ja-JP" b="0" i="1" smtClean="0">
+                                    <a:latin typeface="Cambria Math" panose="02040503050406030204" pitchFamily="18" charset="0"/>
+                                  </a:rPr>
+                                </m:ctrlPr>
+                              </m:sSubPr>
+                              <m:e>
+                                <m:r>
+                                  <a:rPr kumimoji="1" lang="en-US" altLang="ja-JP" b="0" i="1" smtClean="0">
+                                    <a:latin typeface="Cambria Math" panose="02040503050406030204" pitchFamily="18" charset="0"/>
+                                  </a:rPr>
+                                  <m:t>𝑤</m:t>
+                                </m:r>
+                              </m:e>
+                              <m:sub>
+                                <m:r>
+                                  <a:rPr kumimoji="1" lang="en-US" altLang="ja-JP" b="0" i="1" smtClean="0">
+                                    <a:latin typeface="Cambria Math" panose="02040503050406030204" pitchFamily="18" charset="0"/>
+                                  </a:rPr>
+                                  <m:t>2</m:t>
+                                </m:r>
+                              </m:sub>
+                            </m:sSub>
+                            <m:r>
+                              <a:rPr kumimoji="1" lang="en-US" altLang="ja-JP" b="0" i="1" smtClean="0">
+                                <a:latin typeface="Cambria Math" panose="02040503050406030204" pitchFamily="18" charset="0"/>
+                              </a:rPr>
+                              <m:t>−</m:t>
+                            </m:r>
+                            <m:sSub>
+                              <m:sSubPr>
+                                <m:ctrlPr>
+                                  <a:rPr kumimoji="1" lang="en-US" altLang="ja-JP" b="0" i="1" smtClean="0">
+                                    <a:latin typeface="Cambria Math" panose="02040503050406030204" pitchFamily="18" charset="0"/>
+                                  </a:rPr>
+                                </m:ctrlPr>
+                              </m:sSubPr>
+                              <m:e>
+                                <m:r>
+                                  <a:rPr kumimoji="1" lang="en-US" altLang="ja-JP" b="0" i="1" smtClean="0">
+                                    <a:latin typeface="Cambria Math" panose="02040503050406030204" pitchFamily="18" charset="0"/>
+                                  </a:rPr>
+                                  <m:t>𝑤</m:t>
+                                </m:r>
+                              </m:e>
+                              <m:sub>
+                                <m:r>
+                                  <a:rPr kumimoji="1" lang="en-US" altLang="ja-JP" b="0" i="1" smtClean="0">
+                                    <a:latin typeface="Cambria Math" panose="02040503050406030204" pitchFamily="18" charset="0"/>
+                                  </a:rPr>
+                                  <m:t>1</m:t>
+                                </m:r>
+                              </m:sub>
+                            </m:sSub>
+                          </m:num>
+                          <m:den>
+                            <m:r>
+                              <a:rPr kumimoji="1" lang="en-US" altLang="ja-JP" b="0" i="1" smtClean="0">
+                                <a:latin typeface="Cambria Math" panose="02040503050406030204" pitchFamily="18" charset="0"/>
+                              </a:rPr>
+                              <m:t>2</m:t>
+                            </m:r>
+                            <m:sSub>
+                              <m:sSubPr>
+                                <m:ctrlPr>
+                                  <a:rPr kumimoji="1" lang="en-US" altLang="ja-JP" b="0" i="1" smtClean="0">
+                                    <a:latin typeface="Cambria Math" panose="02040503050406030204" pitchFamily="18" charset="0"/>
+                                  </a:rPr>
+                                </m:ctrlPr>
+                              </m:sSubPr>
+                              <m:e>
+                                <m:r>
+                                  <a:rPr kumimoji="1" lang="en-US" altLang="ja-JP" b="0" i="1" smtClean="0">
+                                    <a:latin typeface="Cambria Math" panose="02040503050406030204" pitchFamily="18" charset="0"/>
+                                  </a:rPr>
+                                  <m:t>h</m:t>
+                                </m:r>
+                              </m:e>
+                              <m:sub>
+                                <m:r>
+                                  <a:rPr kumimoji="1" lang="en-US" altLang="ja-JP" b="0" i="1" smtClean="0">
+                                    <a:latin typeface="Cambria Math" panose="02040503050406030204" pitchFamily="18" charset="0"/>
+                                  </a:rPr>
+                                  <m:t>1</m:t>
+                                </m:r>
+                              </m:sub>
+                            </m:sSub>
+                          </m:den>
+                        </m:f>
+                      </m:e>
+                    </m:func>
+                  </m:oMath>
+                </a14:m>
+                <a:r>
+                  <a:rPr kumimoji="1" lang="ja-JP" altLang="en-US" dirty="0"/>
+                  <a:t>   →</a:t>
+                </a:r>
+                <a:r>
+                  <a:rPr lang="en-US" altLang="ja-JP" dirty="0"/>
+                  <a:t>   </a:t>
+                </a:r>
+                <a14:m>
+                  <m:oMath xmlns:m="http://schemas.openxmlformats.org/officeDocument/2006/math">
+                    <m:func>
+                      <m:funcPr>
+                        <m:ctrlPr>
+                          <a:rPr lang="en-US" altLang="ja-JP" b="1" i="1">
+                            <a:latin typeface="Cambria Math" panose="02040503050406030204" pitchFamily="18" charset="0"/>
+                          </a:rPr>
+                        </m:ctrlPr>
+                      </m:funcPr>
+                      <m:fName>
+                        <m:sSub>
+                          <m:sSubPr>
+                            <m:ctrlPr>
+                              <a:rPr lang="en-US" altLang="ja-JP" b="1" i="1" smtClean="0">
+                                <a:latin typeface="Cambria Math" panose="02040503050406030204" pitchFamily="18" charset="0"/>
+                              </a:rPr>
+                            </m:ctrlPr>
+                          </m:sSubPr>
+                          <m:e>
+                            <m:r>
+                              <a:rPr lang="ja-JP" altLang="en-US" b="1" i="1" smtClean="0">
+                                <a:latin typeface="Cambria Math" panose="02040503050406030204" pitchFamily="18" charset="0"/>
+                              </a:rPr>
+                              <m:t>𝜽</m:t>
+                            </m:r>
+                          </m:e>
+                          <m:sub>
+                            <m:r>
+                              <a:rPr lang="en-US" altLang="ja-JP" b="1" i="1" smtClean="0">
+                                <a:latin typeface="Cambria Math" panose="02040503050406030204" pitchFamily="18" charset="0"/>
+                              </a:rPr>
+                              <m:t>𝟐</m:t>
+                            </m:r>
+                          </m:sub>
+                        </m:sSub>
+                      </m:fName>
+                      <m:e>
+                        <m:r>
+                          <a:rPr lang="en-US" altLang="ja-JP" b="1" i="1">
+                            <a:latin typeface="Cambria Math" panose="02040503050406030204" pitchFamily="18" charset="0"/>
+                          </a:rPr>
+                          <m:t>=</m:t>
+                        </m:r>
+                        <m:func>
+                          <m:funcPr>
+                            <m:ctrlPr>
+                              <a:rPr lang="en-US" altLang="ja-JP" b="1" i="1" smtClean="0">
+                                <a:latin typeface="Cambria Math" panose="02040503050406030204" pitchFamily="18" charset="0"/>
+                              </a:rPr>
+                            </m:ctrlPr>
+                          </m:funcPr>
+                          <m:fName>
+                            <m:sSup>
+                              <m:sSupPr>
+                                <m:ctrlPr>
+                                  <a:rPr lang="en-US" altLang="ja-JP" b="1" i="1" smtClean="0">
+                                    <a:latin typeface="Cambria Math" panose="02040503050406030204" pitchFamily="18" charset="0"/>
+                                  </a:rPr>
+                                </m:ctrlPr>
+                              </m:sSupPr>
+                              <m:e>
+                                <m:r>
+                                  <a:rPr lang="en-US" altLang="ja-JP" b="1" i="0" smtClean="0">
+                                    <a:latin typeface="Cambria Math" panose="02040503050406030204" pitchFamily="18" charset="0"/>
+                                  </a:rPr>
+                                  <m:t>𝐭𝐚𝐧</m:t>
+                                </m:r>
+                              </m:e>
+                              <m:sup>
+                                <m:r>
+                                  <a:rPr lang="en-US" altLang="ja-JP" b="1" i="1" smtClean="0">
+                                    <a:latin typeface="Cambria Math" panose="02040503050406030204" pitchFamily="18" charset="0"/>
+                                  </a:rPr>
+                                  <m:t>−</m:t>
+                                </m:r>
+                                <m:r>
+                                  <a:rPr lang="en-US" altLang="ja-JP" b="1" i="1" smtClean="0">
+                                    <a:latin typeface="Cambria Math" panose="02040503050406030204" pitchFamily="18" charset="0"/>
+                                  </a:rPr>
+                                  <m:t>𝟏</m:t>
+                                </m:r>
+                              </m:sup>
+                            </m:sSup>
+                          </m:fName>
+                          <m:e>
+                            <m:d>
+                              <m:dPr>
+                                <m:ctrlPr>
+                                  <a:rPr lang="en-US" altLang="ja-JP" b="1" i="1" smtClean="0">
+                                    <a:latin typeface="Cambria Math" panose="02040503050406030204" pitchFamily="18" charset="0"/>
+                                  </a:rPr>
+                                </m:ctrlPr>
+                              </m:dPr>
+                              <m:e>
+                                <m:f>
+                                  <m:fPr>
+                                    <m:ctrlPr>
+                                      <a:rPr lang="en-US" altLang="ja-JP" b="1" i="1">
+                                        <a:latin typeface="Cambria Math" panose="02040503050406030204" pitchFamily="18" charset="0"/>
+                                      </a:rPr>
+                                    </m:ctrlPr>
+                                  </m:fPr>
+                                  <m:num>
+                                    <m:sSub>
+                                      <m:sSubPr>
+                                        <m:ctrlPr>
+                                          <a:rPr lang="en-US" altLang="ja-JP" b="1" i="1" smtClean="0">
+                                            <a:latin typeface="Cambria Math" panose="02040503050406030204" pitchFamily="18" charset="0"/>
+                                          </a:rPr>
+                                        </m:ctrlPr>
+                                      </m:sSubPr>
+                                      <m:e>
+                                        <m:r>
+                                          <a:rPr lang="en-US" altLang="ja-JP" b="1" i="1" smtClean="0">
+                                            <a:latin typeface="Cambria Math" panose="02040503050406030204" pitchFamily="18" charset="0"/>
+                                          </a:rPr>
+                                          <m:t>𝒘</m:t>
+                                        </m:r>
+                                      </m:e>
+                                      <m:sub>
+                                        <m:r>
+                                          <a:rPr lang="en-US" altLang="ja-JP" b="1" i="1" smtClean="0">
+                                            <a:latin typeface="Cambria Math" panose="02040503050406030204" pitchFamily="18" charset="0"/>
+                                          </a:rPr>
+                                          <m:t>𝟐</m:t>
+                                        </m:r>
+                                      </m:sub>
+                                    </m:sSub>
+                                    <m:r>
+                                      <a:rPr lang="en-US" altLang="ja-JP" b="1" i="1" smtClean="0">
+                                        <a:latin typeface="Cambria Math" panose="02040503050406030204" pitchFamily="18" charset="0"/>
+                                      </a:rPr>
+                                      <m:t>−</m:t>
+                                    </m:r>
+                                    <m:sSub>
+                                      <m:sSubPr>
+                                        <m:ctrlPr>
+                                          <a:rPr lang="en-US" altLang="ja-JP" b="1" i="1" smtClean="0">
+                                            <a:latin typeface="Cambria Math" panose="02040503050406030204" pitchFamily="18" charset="0"/>
+                                          </a:rPr>
+                                        </m:ctrlPr>
+                                      </m:sSubPr>
+                                      <m:e>
+                                        <m:r>
+                                          <a:rPr lang="en-US" altLang="ja-JP" b="1" i="1" smtClean="0">
+                                            <a:latin typeface="Cambria Math" panose="02040503050406030204" pitchFamily="18" charset="0"/>
+                                          </a:rPr>
+                                          <m:t>𝒘</m:t>
+                                        </m:r>
+                                      </m:e>
+                                      <m:sub>
+                                        <m:r>
+                                          <a:rPr lang="en-US" altLang="ja-JP" b="1" i="1" smtClean="0">
+                                            <a:latin typeface="Cambria Math" panose="02040503050406030204" pitchFamily="18" charset="0"/>
+                                          </a:rPr>
+                                          <m:t>𝟏</m:t>
+                                        </m:r>
+                                      </m:sub>
+                                    </m:sSub>
+                                  </m:num>
+                                  <m:den>
+                                    <m:r>
+                                      <a:rPr lang="en-US" altLang="ja-JP" b="1" i="1" smtClean="0">
+                                        <a:latin typeface="Cambria Math" panose="02040503050406030204" pitchFamily="18" charset="0"/>
+                                      </a:rPr>
+                                      <m:t>𝟐</m:t>
+                                    </m:r>
+                                    <m:sSub>
+                                      <m:sSubPr>
+                                        <m:ctrlPr>
+                                          <a:rPr lang="en-US" altLang="ja-JP" b="1" i="1" smtClean="0">
+                                            <a:latin typeface="Cambria Math" panose="02040503050406030204" pitchFamily="18" charset="0"/>
+                                          </a:rPr>
+                                        </m:ctrlPr>
+                                      </m:sSubPr>
+                                      <m:e>
+                                        <m:r>
+                                          <a:rPr lang="en-US" altLang="ja-JP" b="1" i="1" smtClean="0">
+                                            <a:latin typeface="Cambria Math" panose="02040503050406030204" pitchFamily="18" charset="0"/>
+                                          </a:rPr>
+                                          <m:t>𝒉</m:t>
+                                        </m:r>
+                                      </m:e>
+                                      <m:sub>
+                                        <m:r>
+                                          <a:rPr lang="en-US" altLang="ja-JP" b="1" i="1" smtClean="0">
+                                            <a:latin typeface="Cambria Math" panose="02040503050406030204" pitchFamily="18" charset="0"/>
+                                          </a:rPr>
+                                          <m:t>𝟏</m:t>
+                                        </m:r>
+                                      </m:sub>
+                                    </m:sSub>
+                                  </m:den>
+                                </m:f>
+                              </m:e>
+                            </m:d>
+                          </m:e>
+                        </m:func>
+                      </m:e>
+                    </m:func>
+                    <m:r>
+                      <a:rPr lang="en-US" altLang="ja-JP" b="0" i="0" smtClean="0">
+                        <a:latin typeface="Cambria Math" panose="02040503050406030204" pitchFamily="18" charset="0"/>
+                      </a:rPr>
+                      <m:t> </m:t>
+                    </m:r>
+                  </m:oMath>
+                </a14:m>
+                <a:endParaRPr kumimoji="1" lang="ja-JP" altLang="en-US" dirty="0"/>
+              </a:p>
+            </p:txBody>
+          </p:sp>
+        </mc:Choice>
+        <mc:Fallback>
+          <p:sp>
+            <p:nvSpPr>
+              <p:cNvPr id="23" name="テキスト ボックス 22">
+                <a:extLst>
+                  <a:ext uri="{FF2B5EF4-FFF2-40B4-BE49-F238E27FC236}">
+                    <a16:creationId xmlns:a16="http://schemas.microsoft.com/office/drawing/2014/main" id="{4353CB11-86C3-4D84-BD47-F794EAE6AD77}"/>
+                  </a:ext>
+                </a:extLst>
+              </p:cNvPr>
+              <p:cNvSpPr txBox="1">
+                <a:spLocks noRot="1" noChangeAspect="1" noMove="1" noResize="1" noEditPoints="1" noAdjustHandles="1" noChangeArrowheads="1" noChangeShapeType="1" noTextEdit="1"/>
+              </p:cNvSpPr>
+              <p:nvPr/>
+            </p:nvSpPr>
+            <p:spPr>
+              <a:xfrm>
+                <a:off x="2025557" y="3807320"/>
+                <a:ext cx="5175343" cy="569836"/>
+              </a:xfrm>
+              <a:prstGeom prst="rect">
+                <a:avLst/>
+              </a:prstGeom>
+              <a:blipFill>
+                <a:blip r:embed="rId7"/>
+                <a:stretch>
+                  <a:fillRect b="-6452"/>
+                </a:stretch>
+              </a:blipFill>
+            </p:spPr>
+            <p:txBody>
+              <a:bodyPr/>
+              <a:lstStyle/>
+              <a:p>
+                <a:r>
+                  <a:rPr lang="ja-JP" altLang="en-US">
+                    <a:noFill/>
+                  </a:rPr>
+                  <a:t> </a:t>
+                </a:r>
+              </a:p>
+            </p:txBody>
+          </p:sp>
+        </mc:Fallback>
+      </mc:AlternateContent>
+      <p:sp>
+        <p:nvSpPr>
+          <p:cNvPr id="2" name="矢印: 上 1">
+            <a:extLst>
+              <a:ext uri="{FF2B5EF4-FFF2-40B4-BE49-F238E27FC236}">
+                <a16:creationId xmlns:a16="http://schemas.microsoft.com/office/drawing/2014/main" id="{16CD1557-AA4E-41C9-B30F-A0F6B9FCD7F4}"/>
+              </a:ext>
+            </a:extLst>
+          </p:cNvPr>
+          <p:cNvSpPr/>
+          <p:nvPr/>
+        </p:nvSpPr>
+        <p:spPr>
+          <a:xfrm>
+            <a:off x="1654082" y="2468470"/>
+            <a:ext cx="238125" cy="1596805"/>
+          </a:xfrm>
+          <a:prstGeom prst="upArrow">
+            <a:avLst>
+              <a:gd name="adj1" fmla="val 50000"/>
+              <a:gd name="adj2" fmla="val 98000"/>
+            </a:avLst>
+          </a:prstGeom>
+          <a:noFill/>
+          <a:ln w="19050">
+            <a:solidFill>
+              <a:schemeClr val="tx1"/>
+            </a:solidFill>
+          </a:ln>
+        </p:spPr>
+        <p:style>
+          <a:lnRef idx="2">
+            <a:schemeClr val="accent1">
+              <a:shade val="50000"/>
+            </a:schemeClr>
+          </a:lnRef>
+          <a:fillRef idx="1">
+            <a:schemeClr val="accent1"/>
+          </a:fillRef>
+          <a:effectRef idx="0">
+            <a:schemeClr val="accent1"/>
+          </a:effectRef>
+          <a:fontRef idx="minor">
+            <a:schemeClr val="lt1"/>
+          </a:fontRef>
+        </p:style>
+        <p:txBody>
+          <a:bodyPr rtlCol="0" anchor="ctr"/>
+          <a:lstStyle/>
+          <a:p>
+            <a:pPr algn="ctr"/>
+            <a:endParaRPr kumimoji="1" lang="ja-JP" altLang="en-US"/>
+          </a:p>
+        </p:txBody>
+      </p:sp>
+    </p:spTree>
+    <p:extLst>
+      <p:ext uri="{BB962C8B-B14F-4D97-AF65-F5344CB8AC3E}">
+        <p14:creationId xmlns:p14="http://schemas.microsoft.com/office/powerpoint/2010/main" val="3128590264"/>
       </p:ext>
     </p:extLst>
   </p:cSld>

--- a/docs/calc.pptx
+++ b/docs/calc.pptx
@@ -272,7 +272,7 @@
           <a:p>
             <a:fld id="{1C36889C-4343-40BE-A0D3-8CCCBB675766}" type="datetimeFigureOut">
               <a:rPr kumimoji="1" lang="ja-JP" altLang="en-US" smtClean="0"/>
-              <a:t>2020/2/12</a:t>
+              <a:t>2020/2/14</a:t>
             </a:fld>
             <a:endParaRPr kumimoji="1" lang="ja-JP" altLang="en-US"/>
           </a:p>
@@ -502,7 +502,7 @@
           <a:p>
             <a:fld id="{1C36889C-4343-40BE-A0D3-8CCCBB675766}" type="datetimeFigureOut">
               <a:rPr kumimoji="1" lang="ja-JP" altLang="en-US" smtClean="0"/>
-              <a:t>2020/2/12</a:t>
+              <a:t>2020/2/14</a:t>
             </a:fld>
             <a:endParaRPr kumimoji="1" lang="ja-JP" altLang="en-US"/>
           </a:p>
@@ -742,7 +742,7 @@
           <a:p>
             <a:fld id="{1C36889C-4343-40BE-A0D3-8CCCBB675766}" type="datetimeFigureOut">
               <a:rPr kumimoji="1" lang="ja-JP" altLang="en-US" smtClean="0"/>
-              <a:t>2020/2/12</a:t>
+              <a:t>2020/2/14</a:t>
             </a:fld>
             <a:endParaRPr kumimoji="1" lang="ja-JP" altLang="en-US"/>
           </a:p>
@@ -972,7 +972,7 @@
           <a:p>
             <a:fld id="{1C36889C-4343-40BE-A0D3-8CCCBB675766}" type="datetimeFigureOut">
               <a:rPr kumimoji="1" lang="ja-JP" altLang="en-US" smtClean="0"/>
-              <a:t>2020/2/12</a:t>
+              <a:t>2020/2/14</a:t>
             </a:fld>
             <a:endParaRPr kumimoji="1" lang="ja-JP" altLang="en-US"/>
           </a:p>
@@ -1247,7 +1247,7 @@
           <a:p>
             <a:fld id="{1C36889C-4343-40BE-A0D3-8CCCBB675766}" type="datetimeFigureOut">
               <a:rPr kumimoji="1" lang="ja-JP" altLang="en-US" smtClean="0"/>
-              <a:t>2020/2/12</a:t>
+              <a:t>2020/2/14</a:t>
             </a:fld>
             <a:endParaRPr kumimoji="1" lang="ja-JP" altLang="en-US"/>
           </a:p>
@@ -1576,7 +1576,7 @@
           <a:p>
             <a:fld id="{1C36889C-4343-40BE-A0D3-8CCCBB675766}" type="datetimeFigureOut">
               <a:rPr kumimoji="1" lang="ja-JP" altLang="en-US" smtClean="0"/>
-              <a:t>2020/2/12</a:t>
+              <a:t>2020/2/14</a:t>
             </a:fld>
             <a:endParaRPr kumimoji="1" lang="ja-JP" altLang="en-US"/>
           </a:p>
@@ -2052,7 +2052,7 @@
           <a:p>
             <a:fld id="{1C36889C-4343-40BE-A0D3-8CCCBB675766}" type="datetimeFigureOut">
               <a:rPr kumimoji="1" lang="ja-JP" altLang="en-US" smtClean="0"/>
-              <a:t>2020/2/12</a:t>
+              <a:t>2020/2/14</a:t>
             </a:fld>
             <a:endParaRPr kumimoji="1" lang="ja-JP" altLang="en-US"/>
           </a:p>
@@ -2193,7 +2193,7 @@
           <a:p>
             <a:fld id="{1C36889C-4343-40BE-A0D3-8CCCBB675766}" type="datetimeFigureOut">
               <a:rPr kumimoji="1" lang="ja-JP" altLang="en-US" smtClean="0"/>
-              <a:t>2020/2/12</a:t>
+              <a:t>2020/2/14</a:t>
             </a:fld>
             <a:endParaRPr kumimoji="1" lang="ja-JP" altLang="en-US"/>
           </a:p>
@@ -2306,7 +2306,7 @@
           <a:p>
             <a:fld id="{1C36889C-4343-40BE-A0D3-8CCCBB675766}" type="datetimeFigureOut">
               <a:rPr kumimoji="1" lang="ja-JP" altLang="en-US" smtClean="0"/>
-              <a:t>2020/2/12</a:t>
+              <a:t>2020/2/14</a:t>
             </a:fld>
             <a:endParaRPr kumimoji="1" lang="ja-JP" altLang="en-US"/>
           </a:p>
@@ -2649,7 +2649,7 @@
           <a:p>
             <a:fld id="{1C36889C-4343-40BE-A0D3-8CCCBB675766}" type="datetimeFigureOut">
               <a:rPr kumimoji="1" lang="ja-JP" altLang="en-US" smtClean="0"/>
-              <a:t>2020/2/12</a:t>
+              <a:t>2020/2/14</a:t>
             </a:fld>
             <a:endParaRPr kumimoji="1" lang="ja-JP" altLang="en-US"/>
           </a:p>
@@ -2937,7 +2937,7 @@
           <a:p>
             <a:fld id="{1C36889C-4343-40BE-A0D3-8CCCBB675766}" type="datetimeFigureOut">
               <a:rPr kumimoji="1" lang="ja-JP" altLang="en-US" smtClean="0"/>
-              <a:t>2020/2/12</a:t>
+              <a:t>2020/2/14</a:t>
             </a:fld>
             <a:endParaRPr kumimoji="1" lang="ja-JP" altLang="en-US"/>
           </a:p>
@@ -3210,7 +3210,7 @@
           <a:p>
             <a:fld id="{1C36889C-4343-40BE-A0D3-8CCCBB675766}" type="datetimeFigureOut">
               <a:rPr kumimoji="1" lang="ja-JP" altLang="en-US" smtClean="0"/>
-              <a:t>2020/2/12</a:t>
+              <a:t>2020/2/14</a:t>
             </a:fld>
             <a:endParaRPr kumimoji="1" lang="ja-JP" altLang="en-US"/>
           </a:p>
@@ -5525,548 +5525,6 @@
           </p:sp>
         </mc:Fallback>
       </mc:AlternateContent>
-      <mc:AlternateContent xmlns:mc="http://schemas.openxmlformats.org/markup-compatibility/2006" xmlns:a14="http://schemas.microsoft.com/office/drawing/2010/main">
-        <mc:Choice Requires="a14">
-          <p:sp>
-            <p:nvSpPr>
-              <p:cNvPr id="17" name="テキスト ボックス 16">
-                <a:extLst>
-                  <a:ext uri="{FF2B5EF4-FFF2-40B4-BE49-F238E27FC236}">
-                    <a16:creationId xmlns:a16="http://schemas.microsoft.com/office/drawing/2014/main" id="{A064FA9C-47B4-42F3-ACEC-3AAA63581032}"/>
-                  </a:ext>
-                </a:extLst>
-              </p:cNvPr>
-              <p:cNvSpPr txBox="1"/>
-              <p:nvPr/>
-            </p:nvSpPr>
-            <p:spPr>
-              <a:xfrm>
-                <a:off x="1297920" y="397224"/>
-                <a:ext cx="858121" cy="277064"/>
-              </a:xfrm>
-              <a:prstGeom prst="rect">
-                <a:avLst/>
-              </a:prstGeom>
-              <a:noFill/>
-            </p:spPr>
-            <p:txBody>
-              <a:bodyPr wrap="square" lIns="0" tIns="0" rIns="0" bIns="0" rtlCol="0">
-                <a:spAutoFit/>
-              </a:bodyPr>
-              <a:lstStyle/>
-              <a:p>
-                <a:pPr/>
-                <a14:m>
-                  <m:oMathPara xmlns:m="http://schemas.openxmlformats.org/officeDocument/2006/math">
-                    <m:oMathParaPr>
-                      <m:jc m:val="left"/>
-                    </m:oMathParaPr>
-                    <m:oMath xmlns:m="http://schemas.openxmlformats.org/officeDocument/2006/math">
-                      <m:d>
-                        <m:dPr>
-                          <m:ctrlPr>
-                            <a:rPr kumimoji="1" lang="en-US" altLang="ja-JP" b="0" i="1" smtClean="0">
-                              <a:latin typeface="Cambria Math" panose="02040503050406030204" pitchFamily="18" charset="0"/>
-                            </a:rPr>
-                          </m:ctrlPr>
-                        </m:dPr>
-                        <m:e>
-                          <m:sSub>
-                            <m:sSubPr>
-                              <m:ctrlPr>
-                                <a:rPr kumimoji="1" lang="en-US" altLang="ja-JP" b="0" i="1" smtClean="0">
-                                  <a:latin typeface="Cambria Math" panose="02040503050406030204" pitchFamily="18" charset="0"/>
-                                </a:rPr>
-                              </m:ctrlPr>
-                            </m:sSubPr>
-                            <m:e>
-                              <m:r>
-                                <a:rPr kumimoji="1" lang="en-US" altLang="ja-JP" b="0" i="1" smtClean="0">
-                                  <a:latin typeface="Cambria Math" panose="02040503050406030204" pitchFamily="18" charset="0"/>
-                                </a:rPr>
-                                <m:t>𝑥</m:t>
-                              </m:r>
-                            </m:e>
-                            <m:sub>
-                              <m:r>
-                                <a:rPr kumimoji="1" lang="en-US" altLang="ja-JP" b="0" i="1" smtClean="0">
-                                  <a:latin typeface="Cambria Math" panose="02040503050406030204" pitchFamily="18" charset="0"/>
-                                </a:rPr>
-                                <m:t>1</m:t>
-                              </m:r>
-                            </m:sub>
-                          </m:sSub>
-                          <m:r>
-                            <a:rPr kumimoji="1" lang="en-US" altLang="ja-JP" b="0" i="1" smtClean="0">
-                              <a:latin typeface="Cambria Math" panose="02040503050406030204" pitchFamily="18" charset="0"/>
-                            </a:rPr>
-                            <m:t>,</m:t>
-                          </m:r>
-                          <m:sSub>
-                            <m:sSubPr>
-                              <m:ctrlPr>
-                                <a:rPr kumimoji="1" lang="en-US" altLang="ja-JP" b="0" i="1" smtClean="0">
-                                  <a:latin typeface="Cambria Math" panose="02040503050406030204" pitchFamily="18" charset="0"/>
-                                </a:rPr>
-                              </m:ctrlPr>
-                            </m:sSubPr>
-                            <m:e>
-                              <m:r>
-                                <a:rPr kumimoji="1" lang="en-US" altLang="ja-JP" b="0" i="1" smtClean="0">
-                                  <a:latin typeface="Cambria Math" panose="02040503050406030204" pitchFamily="18" charset="0"/>
-                                </a:rPr>
-                                <m:t>𝑦</m:t>
-                              </m:r>
-                            </m:e>
-                            <m:sub>
-                              <m:r>
-                                <a:rPr kumimoji="1" lang="en-US" altLang="ja-JP" b="0" i="1" smtClean="0">
-                                  <a:latin typeface="Cambria Math" panose="02040503050406030204" pitchFamily="18" charset="0"/>
-                                </a:rPr>
-                                <m:t>1</m:t>
-                              </m:r>
-                            </m:sub>
-                          </m:sSub>
-                        </m:e>
-                      </m:d>
-                    </m:oMath>
-                  </m:oMathPara>
-                </a14:m>
-                <a:endParaRPr kumimoji="1" lang="en-US" altLang="ja-JP" b="0" dirty="0"/>
-              </a:p>
-            </p:txBody>
-          </p:sp>
-        </mc:Choice>
-        <mc:Fallback xmlns="">
-          <p:sp>
-            <p:nvSpPr>
-              <p:cNvPr id="17" name="テキスト ボックス 16">
-                <a:extLst>
-                  <a:ext uri="{FF2B5EF4-FFF2-40B4-BE49-F238E27FC236}">
-                    <a16:creationId xmlns:a16="http://schemas.microsoft.com/office/drawing/2014/main" id="{A064FA9C-47B4-42F3-ACEC-3AAA63581032}"/>
-                  </a:ext>
-                </a:extLst>
-              </p:cNvPr>
-              <p:cNvSpPr txBox="1">
-                <a:spLocks noRot="1" noChangeAspect="1" noMove="1" noResize="1" noEditPoints="1" noAdjustHandles="1" noChangeArrowheads="1" noChangeShapeType="1" noTextEdit="1"/>
-              </p:cNvSpPr>
-              <p:nvPr/>
-            </p:nvSpPr>
-            <p:spPr>
-              <a:xfrm>
-                <a:off x="1297920" y="397224"/>
-                <a:ext cx="858121" cy="277064"/>
-              </a:xfrm>
-              <a:prstGeom prst="rect">
-                <a:avLst/>
-              </a:prstGeom>
-              <a:blipFill>
-                <a:blip r:embed="rId11"/>
-                <a:stretch>
-                  <a:fillRect b="-23913"/>
-                </a:stretch>
-              </a:blipFill>
-            </p:spPr>
-            <p:txBody>
-              <a:bodyPr/>
-              <a:lstStyle/>
-              <a:p>
-                <a:r>
-                  <a:rPr lang="ja-JP" altLang="en-US">
-                    <a:noFill/>
-                  </a:rPr>
-                  <a:t> </a:t>
-                </a:r>
-              </a:p>
-            </p:txBody>
-          </p:sp>
-        </mc:Fallback>
-      </mc:AlternateContent>
-      <mc:AlternateContent xmlns:mc="http://schemas.openxmlformats.org/markup-compatibility/2006" xmlns:a14="http://schemas.microsoft.com/office/drawing/2010/main">
-        <mc:Choice Requires="a14">
-          <p:sp>
-            <p:nvSpPr>
-              <p:cNvPr id="18" name="テキスト ボックス 17">
-                <a:extLst>
-                  <a:ext uri="{FF2B5EF4-FFF2-40B4-BE49-F238E27FC236}">
-                    <a16:creationId xmlns:a16="http://schemas.microsoft.com/office/drawing/2014/main" id="{F7A3BEE4-1FF6-499E-A784-2E5A08E652B0}"/>
-                  </a:ext>
-                </a:extLst>
-              </p:cNvPr>
-              <p:cNvSpPr txBox="1"/>
-              <p:nvPr/>
-            </p:nvSpPr>
-            <p:spPr>
-              <a:xfrm>
-                <a:off x="2256989" y="397224"/>
-                <a:ext cx="858121" cy="277064"/>
-              </a:xfrm>
-              <a:prstGeom prst="rect">
-                <a:avLst/>
-              </a:prstGeom>
-              <a:noFill/>
-            </p:spPr>
-            <p:txBody>
-              <a:bodyPr wrap="square" lIns="0" tIns="0" rIns="0" bIns="0" rtlCol="0">
-                <a:spAutoFit/>
-              </a:bodyPr>
-              <a:lstStyle/>
-              <a:p>
-                <a:pPr/>
-                <a14:m>
-                  <m:oMathPara xmlns:m="http://schemas.openxmlformats.org/officeDocument/2006/math">
-                    <m:oMathParaPr>
-                      <m:jc m:val="left"/>
-                    </m:oMathParaPr>
-                    <m:oMath xmlns:m="http://schemas.openxmlformats.org/officeDocument/2006/math">
-                      <m:d>
-                        <m:dPr>
-                          <m:ctrlPr>
-                            <a:rPr kumimoji="1" lang="en-US" altLang="ja-JP" b="0" i="1" smtClean="0">
-                              <a:latin typeface="Cambria Math" panose="02040503050406030204" pitchFamily="18" charset="0"/>
-                            </a:rPr>
-                          </m:ctrlPr>
-                        </m:dPr>
-                        <m:e>
-                          <m:sSub>
-                            <m:sSubPr>
-                              <m:ctrlPr>
-                                <a:rPr kumimoji="1" lang="en-US" altLang="ja-JP" b="0" i="1" smtClean="0">
-                                  <a:latin typeface="Cambria Math" panose="02040503050406030204" pitchFamily="18" charset="0"/>
-                                </a:rPr>
-                              </m:ctrlPr>
-                            </m:sSubPr>
-                            <m:e>
-                              <m:r>
-                                <a:rPr kumimoji="1" lang="en-US" altLang="ja-JP" b="0" i="1" smtClean="0">
-                                  <a:latin typeface="Cambria Math" panose="02040503050406030204" pitchFamily="18" charset="0"/>
-                                </a:rPr>
-                                <m:t>𝑥</m:t>
-                              </m:r>
-                            </m:e>
-                            <m:sub>
-                              <m:r>
-                                <a:rPr kumimoji="1" lang="en-US" altLang="ja-JP" b="0" i="1" smtClean="0">
-                                  <a:latin typeface="Cambria Math" panose="02040503050406030204" pitchFamily="18" charset="0"/>
-                                </a:rPr>
-                                <m:t>2</m:t>
-                              </m:r>
-                            </m:sub>
-                          </m:sSub>
-                          <m:r>
-                            <a:rPr kumimoji="1" lang="en-US" altLang="ja-JP" b="0" i="1" smtClean="0">
-                              <a:latin typeface="Cambria Math" panose="02040503050406030204" pitchFamily="18" charset="0"/>
-                            </a:rPr>
-                            <m:t>,</m:t>
-                          </m:r>
-                          <m:sSub>
-                            <m:sSubPr>
-                              <m:ctrlPr>
-                                <a:rPr kumimoji="1" lang="en-US" altLang="ja-JP" b="0" i="1" smtClean="0">
-                                  <a:latin typeface="Cambria Math" panose="02040503050406030204" pitchFamily="18" charset="0"/>
-                                </a:rPr>
-                              </m:ctrlPr>
-                            </m:sSubPr>
-                            <m:e>
-                              <m:r>
-                                <a:rPr kumimoji="1" lang="en-US" altLang="ja-JP" b="0" i="1" smtClean="0">
-                                  <a:latin typeface="Cambria Math" panose="02040503050406030204" pitchFamily="18" charset="0"/>
-                                </a:rPr>
-                                <m:t>𝑦</m:t>
-                              </m:r>
-                            </m:e>
-                            <m:sub>
-                              <m:r>
-                                <a:rPr kumimoji="1" lang="en-US" altLang="ja-JP" b="0" i="1" smtClean="0">
-                                  <a:latin typeface="Cambria Math" panose="02040503050406030204" pitchFamily="18" charset="0"/>
-                                </a:rPr>
-                                <m:t>2</m:t>
-                              </m:r>
-                            </m:sub>
-                          </m:sSub>
-                        </m:e>
-                      </m:d>
-                    </m:oMath>
-                  </m:oMathPara>
-                </a14:m>
-                <a:endParaRPr kumimoji="1" lang="en-US" altLang="ja-JP" b="0" dirty="0"/>
-              </a:p>
-            </p:txBody>
-          </p:sp>
-        </mc:Choice>
-        <mc:Fallback xmlns="">
-          <p:sp>
-            <p:nvSpPr>
-              <p:cNvPr id="18" name="テキスト ボックス 17">
-                <a:extLst>
-                  <a:ext uri="{FF2B5EF4-FFF2-40B4-BE49-F238E27FC236}">
-                    <a16:creationId xmlns:a16="http://schemas.microsoft.com/office/drawing/2014/main" id="{F7A3BEE4-1FF6-499E-A784-2E5A08E652B0}"/>
-                  </a:ext>
-                </a:extLst>
-              </p:cNvPr>
-              <p:cNvSpPr txBox="1">
-                <a:spLocks noRot="1" noChangeAspect="1" noMove="1" noResize="1" noEditPoints="1" noAdjustHandles="1" noChangeArrowheads="1" noChangeShapeType="1" noTextEdit="1"/>
-              </p:cNvSpPr>
-              <p:nvPr/>
-            </p:nvSpPr>
-            <p:spPr>
-              <a:xfrm>
-                <a:off x="2256989" y="397224"/>
-                <a:ext cx="858121" cy="277064"/>
-              </a:xfrm>
-              <a:prstGeom prst="rect">
-                <a:avLst/>
-              </a:prstGeom>
-              <a:blipFill>
-                <a:blip r:embed="rId12"/>
-                <a:stretch>
-                  <a:fillRect b="-23913"/>
-                </a:stretch>
-              </a:blipFill>
-            </p:spPr>
-            <p:txBody>
-              <a:bodyPr/>
-              <a:lstStyle/>
-              <a:p>
-                <a:r>
-                  <a:rPr lang="ja-JP" altLang="en-US">
-                    <a:noFill/>
-                  </a:rPr>
-                  <a:t> </a:t>
-                </a:r>
-              </a:p>
-            </p:txBody>
-          </p:sp>
-        </mc:Fallback>
-      </mc:AlternateContent>
-      <mc:AlternateContent xmlns:mc="http://schemas.openxmlformats.org/markup-compatibility/2006">
-        <mc:Choice xmlns:a14="http://schemas.microsoft.com/office/drawing/2010/main" Requires="a14">
-          <p:sp>
-            <p:nvSpPr>
-              <p:cNvPr id="3" name="テキスト ボックス 2">
-                <a:extLst>
-                  <a:ext uri="{FF2B5EF4-FFF2-40B4-BE49-F238E27FC236}">
-                    <a16:creationId xmlns:a16="http://schemas.microsoft.com/office/drawing/2014/main" id="{36486460-3E68-407D-90CD-BC39A5ABFB3A}"/>
-                  </a:ext>
-                </a:extLst>
-              </p:cNvPr>
-              <p:cNvSpPr txBox="1"/>
-              <p:nvPr/>
-            </p:nvSpPr>
-            <p:spPr>
-              <a:xfrm>
-                <a:off x="6512822" y="968099"/>
-                <a:ext cx="289438" cy="276999"/>
-              </a:xfrm>
-              <a:prstGeom prst="rect">
-                <a:avLst/>
-              </a:prstGeom>
-              <a:noFill/>
-            </p:spPr>
-            <p:txBody>
-              <a:bodyPr wrap="none" lIns="0" tIns="0" rIns="0" bIns="0" rtlCol="0">
-                <a:spAutoFit/>
-              </a:bodyPr>
-              <a:lstStyle/>
-              <a:p>
-                <a14:m>
-                  <m:oMathPara xmlns:m="http://schemas.openxmlformats.org/officeDocument/2006/math">
-                    <m:oMathParaPr>
-                      <m:jc m:val="centerGroup"/>
-                    </m:oMathParaPr>
-                    <m:oMath xmlns:m="http://schemas.openxmlformats.org/officeDocument/2006/math">
-                      <m:sSub>
-                        <m:sSubPr>
-                          <m:ctrlPr>
-                            <a:rPr kumimoji="1" lang="en-US" altLang="ja-JP" b="0" i="1" smtClean="0">
-                              <a:latin typeface="Cambria Math" panose="02040503050406030204" pitchFamily="18" charset="0"/>
-                            </a:rPr>
-                          </m:ctrlPr>
-                        </m:sSubPr>
-                        <m:e>
-                          <m:r>
-                            <a:rPr kumimoji="1" lang="ja-JP" altLang="en-US" i="1" smtClean="0">
-                              <a:latin typeface="Cambria Math" panose="02040503050406030204" pitchFamily="18" charset="0"/>
-                            </a:rPr>
-                            <m:t>𝜃</m:t>
-                          </m:r>
-                        </m:e>
-                        <m:sub>
-                          <m:r>
-                            <a:rPr kumimoji="1" lang="en-US" altLang="ja-JP" b="0" i="1" smtClean="0">
-                              <a:latin typeface="Cambria Math" panose="02040503050406030204" pitchFamily="18" charset="0"/>
-                            </a:rPr>
-                            <m:t>1</m:t>
-                          </m:r>
-                        </m:sub>
-                      </m:sSub>
-                    </m:oMath>
-                  </m:oMathPara>
-                </a14:m>
-                <a:endParaRPr kumimoji="1" lang="ja-JP" altLang="en-US" dirty="0"/>
-              </a:p>
-            </p:txBody>
-          </p:sp>
-        </mc:Choice>
-        <mc:Fallback>
-          <p:sp>
-            <p:nvSpPr>
-              <p:cNvPr id="3" name="テキスト ボックス 2">
-                <a:extLst>
-                  <a:ext uri="{FF2B5EF4-FFF2-40B4-BE49-F238E27FC236}">
-                    <a16:creationId xmlns:a16="http://schemas.microsoft.com/office/drawing/2014/main" id="{36486460-3E68-407D-90CD-BC39A5ABFB3A}"/>
-                  </a:ext>
-                </a:extLst>
-              </p:cNvPr>
-              <p:cNvSpPr txBox="1">
-                <a:spLocks noRot="1" noChangeAspect="1" noMove="1" noResize="1" noEditPoints="1" noAdjustHandles="1" noChangeArrowheads="1" noChangeShapeType="1" noTextEdit="1"/>
-              </p:cNvSpPr>
-              <p:nvPr/>
-            </p:nvSpPr>
-            <p:spPr>
-              <a:xfrm>
-                <a:off x="6512822" y="968099"/>
-                <a:ext cx="289438" cy="276999"/>
-              </a:xfrm>
-              <a:prstGeom prst="rect">
-                <a:avLst/>
-              </a:prstGeom>
-              <a:blipFill>
-                <a:blip r:embed="rId13"/>
-                <a:stretch>
-                  <a:fillRect l="-14583" r="-6250" b="-15556"/>
-                </a:stretch>
-              </a:blipFill>
-            </p:spPr>
-            <p:txBody>
-              <a:bodyPr/>
-              <a:lstStyle/>
-              <a:p>
-                <a:r>
-                  <a:rPr lang="ja-JP" altLang="en-US">
-                    <a:noFill/>
-                  </a:rPr>
-                  <a:t> </a:t>
-                </a:r>
-              </a:p>
-            </p:txBody>
-          </p:sp>
-        </mc:Fallback>
-      </mc:AlternateContent>
-      <mc:AlternateContent xmlns:mc="http://schemas.openxmlformats.org/markup-compatibility/2006">
-        <mc:Choice xmlns:a14="http://schemas.microsoft.com/office/drawing/2010/main" Requires="a14">
-          <p:sp>
-            <p:nvSpPr>
-              <p:cNvPr id="19" name="テキスト ボックス 18">
-                <a:extLst>
-                  <a:ext uri="{FF2B5EF4-FFF2-40B4-BE49-F238E27FC236}">
-                    <a16:creationId xmlns:a16="http://schemas.microsoft.com/office/drawing/2014/main" id="{9BA574D6-CFA9-4EEB-88CD-6B7789110BA2}"/>
-                  </a:ext>
-                </a:extLst>
-              </p:cNvPr>
-              <p:cNvSpPr txBox="1"/>
-              <p:nvPr/>
-            </p:nvSpPr>
-            <p:spPr>
-              <a:xfrm>
-                <a:off x="6413133" y="1480042"/>
-                <a:ext cx="306109" cy="276999"/>
-              </a:xfrm>
-              <a:prstGeom prst="rect">
-                <a:avLst/>
-              </a:prstGeom>
-              <a:noFill/>
-            </p:spPr>
-            <p:txBody>
-              <a:bodyPr wrap="none" lIns="0" tIns="0" rIns="0" bIns="0" rtlCol="0">
-                <a:spAutoFit/>
-              </a:bodyPr>
-              <a:lstStyle/>
-              <a:p>
-                <a14:m>
-                  <m:oMathPara xmlns:m="http://schemas.openxmlformats.org/officeDocument/2006/math">
-                    <m:oMathParaPr>
-                      <m:jc m:val="centerGroup"/>
-                    </m:oMathParaPr>
-                    <m:oMath xmlns:m="http://schemas.openxmlformats.org/officeDocument/2006/math">
-                      <m:sSub>
-                        <m:sSubPr>
-                          <m:ctrlPr>
-                            <a:rPr kumimoji="1" lang="en-US" altLang="ja-JP" b="0" i="1" smtClean="0">
-                              <a:latin typeface="Cambria Math" panose="02040503050406030204" pitchFamily="18" charset="0"/>
-                            </a:rPr>
-                          </m:ctrlPr>
-                        </m:sSubPr>
-                        <m:e>
-                          <m:r>
-                            <a:rPr kumimoji="1" lang="en-US" altLang="ja-JP" b="0" i="1" smtClean="0">
-                              <a:latin typeface="Cambria Math" panose="02040503050406030204" pitchFamily="18" charset="0"/>
-                            </a:rPr>
-                            <m:t>𝑑</m:t>
-                          </m:r>
-                        </m:e>
-                        <m:sub>
-                          <m:r>
-                            <a:rPr kumimoji="1" lang="en-US" altLang="ja-JP" b="0" i="1" smtClean="0">
-                              <a:latin typeface="Cambria Math" panose="02040503050406030204" pitchFamily="18" charset="0"/>
-                            </a:rPr>
-                            <m:t>1</m:t>
-                          </m:r>
-                        </m:sub>
-                      </m:sSub>
-                    </m:oMath>
-                  </m:oMathPara>
-                </a14:m>
-                <a:endParaRPr kumimoji="1" lang="ja-JP" altLang="en-US" dirty="0"/>
-              </a:p>
-            </p:txBody>
-          </p:sp>
-        </mc:Choice>
-        <mc:Fallback>
-          <p:sp>
-            <p:nvSpPr>
-              <p:cNvPr id="19" name="テキスト ボックス 18">
-                <a:extLst>
-                  <a:ext uri="{FF2B5EF4-FFF2-40B4-BE49-F238E27FC236}">
-                    <a16:creationId xmlns:a16="http://schemas.microsoft.com/office/drawing/2014/main" id="{9BA574D6-CFA9-4EEB-88CD-6B7789110BA2}"/>
-                  </a:ext>
-                </a:extLst>
-              </p:cNvPr>
-              <p:cNvSpPr txBox="1">
-                <a:spLocks noRot="1" noChangeAspect="1" noMove="1" noResize="1" noEditPoints="1" noAdjustHandles="1" noChangeArrowheads="1" noChangeShapeType="1" noTextEdit="1"/>
-              </p:cNvSpPr>
-              <p:nvPr/>
-            </p:nvSpPr>
-            <p:spPr>
-              <a:xfrm>
-                <a:off x="6413133" y="1480042"/>
-                <a:ext cx="306109" cy="276999"/>
-              </a:xfrm>
-              <a:prstGeom prst="rect">
-                <a:avLst/>
-              </a:prstGeom>
-              <a:blipFill>
-                <a:blip r:embed="rId14"/>
-                <a:stretch>
-                  <a:fillRect l="-16000" r="-6000" b="-15556"/>
-                </a:stretch>
-              </a:blipFill>
-            </p:spPr>
-            <p:txBody>
-              <a:bodyPr/>
-              <a:lstStyle/>
-              <a:p>
-                <a:r>
-                  <a:rPr lang="ja-JP" altLang="en-US">
-                    <a:noFill/>
-                  </a:rPr>
-                  <a:t> </a:t>
-                </a:r>
-              </a:p>
-            </p:txBody>
-          </p:sp>
-        </mc:Fallback>
-      </mc:AlternateContent>
     </p:spTree>
     <p:extLst>
       <p:ext uri="{BB962C8B-B14F-4D97-AF65-F5344CB8AC3E}">
@@ -6097,8 +5555,8 @@
           <a:chExt cx="0" cy="0"/>
         </a:xfrm>
       </p:grpSpPr>
-      <mc:AlternateContent xmlns:mc="http://schemas.openxmlformats.org/markup-compatibility/2006">
-        <mc:Choice xmlns:a14="http://schemas.microsoft.com/office/drawing/2010/main" Requires="a14">
+      <mc:AlternateContent xmlns:mc="http://schemas.openxmlformats.org/markup-compatibility/2006" xmlns:a14="http://schemas.microsoft.com/office/drawing/2010/main">
+        <mc:Choice Requires="a14">
           <p:sp>
             <p:nvSpPr>
               <p:cNvPr id="5" name="テキスト ボックス 4">
@@ -6127,7 +5585,6 @@
               </a:bodyPr>
               <a:lstStyle/>
               <a:p>
-                <a:pPr/>
                 <a14:m>
                   <m:oMath xmlns:m="http://schemas.openxmlformats.org/officeDocument/2006/math">
                     <m:sSub>
@@ -6208,7 +5665,7 @@
             </p:txBody>
           </p:sp>
         </mc:Choice>
-        <mc:Fallback>
+        <mc:Fallback xmlns="">
           <p:sp>
             <p:nvSpPr>
               <p:cNvPr id="5" name="テキスト ボックス 4">
@@ -6345,13 +5802,7 @@
                       <a:rPr kumimoji="1" lang="en-US" altLang="ja-JP" b="0" i="1" smtClean="0">
                         <a:latin typeface="Cambria Math" panose="02040503050406030204" pitchFamily="18" charset="0"/>
                       </a:rPr>
-                      <m:t>,</m:t>
-                    </m:r>
-                    <m:r>
-                      <a:rPr kumimoji="1" lang="en-US" altLang="ja-JP" b="0" i="1" smtClean="0">
-                        <a:latin typeface="Cambria Math" panose="02040503050406030204" pitchFamily="18" charset="0"/>
-                      </a:rPr>
-                      <m:t> </m:t>
+                      <m:t>, </m:t>
                     </m:r>
                     <m:sSub>
                       <m:sSubPr>
@@ -6700,8 +6151,8 @@
           </p:sp>
         </mc:Fallback>
       </mc:AlternateContent>
-      <mc:AlternateContent xmlns:mc="http://schemas.openxmlformats.org/markup-compatibility/2006">
-        <mc:Choice xmlns:a14="http://schemas.microsoft.com/office/drawing/2010/main" Requires="a14">
+      <mc:AlternateContent xmlns:mc="http://schemas.openxmlformats.org/markup-compatibility/2006" xmlns:a14="http://schemas.microsoft.com/office/drawing/2010/main">
+        <mc:Choice Requires="a14">
           <p:sp>
             <p:nvSpPr>
               <p:cNvPr id="3" name="テキスト ボックス 2">
@@ -6829,7 +6280,7 @@
             </p:txBody>
           </p:sp>
         </mc:Choice>
-        <mc:Fallback>
+        <mc:Fallback xmlns="">
           <p:sp>
             <p:nvSpPr>
               <p:cNvPr id="3" name="テキスト ボックス 2">
@@ -6874,8 +6325,8 @@
           </p:sp>
         </mc:Fallback>
       </mc:AlternateContent>
-      <mc:AlternateContent xmlns:mc="http://schemas.openxmlformats.org/markup-compatibility/2006">
-        <mc:Choice xmlns:a14="http://schemas.microsoft.com/office/drawing/2010/main" Requires="a14">
+      <mc:AlternateContent xmlns:mc="http://schemas.openxmlformats.org/markup-compatibility/2006" xmlns:a14="http://schemas.microsoft.com/office/drawing/2010/main">
+        <mc:Choice Requires="a14">
           <p:sp>
             <p:nvSpPr>
               <p:cNvPr id="20" name="テキスト ボックス 19">
@@ -7116,7 +6567,7 @@
             </p:txBody>
           </p:sp>
         </mc:Choice>
-        <mc:Fallback>
+        <mc:Fallback xmlns="">
           <p:sp>
             <p:nvSpPr>
               <p:cNvPr id="20" name="テキスト ボックス 19">
@@ -7161,8 +6612,8 @@
           </p:sp>
         </mc:Fallback>
       </mc:AlternateContent>
-      <mc:AlternateContent xmlns:mc="http://schemas.openxmlformats.org/markup-compatibility/2006">
-        <mc:Choice xmlns:a14="http://schemas.microsoft.com/office/drawing/2010/main" Requires="a14">
+      <mc:AlternateContent xmlns:mc="http://schemas.openxmlformats.org/markup-compatibility/2006" xmlns:a14="http://schemas.microsoft.com/office/drawing/2010/main">
+        <mc:Choice Requires="a14">
           <p:sp>
             <p:nvSpPr>
               <p:cNvPr id="23" name="テキスト ボックス 22">
@@ -7191,7 +6642,6 @@
               </a:bodyPr>
               <a:lstStyle/>
               <a:p>
-                <a:pPr/>
                 <a14:m>
                   <m:oMath xmlns:m="http://schemas.openxmlformats.org/officeDocument/2006/math">
                     <m:func>
@@ -7701,7 +7151,7 @@
             </p:txBody>
           </p:sp>
         </mc:Choice>
-        <mc:Fallback>
+        <mc:Fallback xmlns="">
           <p:sp>
             <p:nvSpPr>
               <p:cNvPr id="23" name="テキスト ボックス 22">
@@ -7831,8 +7281,8 @@
           <a:chExt cx="0" cy="0"/>
         </a:xfrm>
       </p:grpSpPr>
-      <mc:AlternateContent xmlns:mc="http://schemas.openxmlformats.org/markup-compatibility/2006">
-        <mc:Choice xmlns:a14="http://schemas.microsoft.com/office/drawing/2010/main" Requires="a14">
+      <mc:AlternateContent xmlns:mc="http://schemas.openxmlformats.org/markup-compatibility/2006" xmlns:a14="http://schemas.microsoft.com/office/drawing/2010/main">
+        <mc:Choice Requires="a14">
           <p:sp>
             <p:nvSpPr>
               <p:cNvPr id="5" name="テキスト ボックス 4">
@@ -7861,7 +7311,6 @@
               </a:bodyPr>
               <a:lstStyle/>
               <a:p>
-                <a:pPr/>
                 <a14:m>
                   <m:oMath xmlns:m="http://schemas.openxmlformats.org/officeDocument/2006/math">
                     <m:sSub>
@@ -7942,7 +7391,7 @@
             </p:txBody>
           </p:sp>
         </mc:Choice>
-        <mc:Fallback>
+        <mc:Fallback xmlns="">
           <p:sp>
             <p:nvSpPr>
               <p:cNvPr id="5" name="テキスト ボックス 4">
@@ -7987,8 +7436,8 @@
           </p:sp>
         </mc:Fallback>
       </mc:AlternateContent>
-      <mc:AlternateContent xmlns:mc="http://schemas.openxmlformats.org/markup-compatibility/2006">
-        <mc:Choice xmlns:a14="http://schemas.microsoft.com/office/drawing/2010/main" Requires="a14">
+      <mc:AlternateContent xmlns:mc="http://schemas.openxmlformats.org/markup-compatibility/2006" xmlns:a14="http://schemas.microsoft.com/office/drawing/2010/main">
+        <mc:Choice Requires="a14">
           <p:sp>
             <p:nvSpPr>
               <p:cNvPr id="15" name="テキスト ボックス 14">
@@ -8079,13 +7528,7 @@
                       <a:rPr kumimoji="1" lang="en-US" altLang="ja-JP" b="0" i="1" smtClean="0">
                         <a:latin typeface="Cambria Math" panose="02040503050406030204" pitchFamily="18" charset="0"/>
                       </a:rPr>
-                      <m:t>,</m:t>
-                    </m:r>
-                    <m:r>
-                      <a:rPr kumimoji="1" lang="en-US" altLang="ja-JP" b="0" i="1" smtClean="0">
-                        <a:latin typeface="Cambria Math" panose="02040503050406030204" pitchFamily="18" charset="0"/>
-                      </a:rPr>
-                      <m:t> </m:t>
+                      <m:t>, </m:t>
                     </m:r>
                     <m:sSub>
                       <m:sSubPr>
@@ -8277,7 +7720,7 @@
             </p:txBody>
           </p:sp>
         </mc:Choice>
-        <mc:Fallback>
+        <mc:Fallback xmlns="">
           <p:sp>
             <p:nvSpPr>
               <p:cNvPr id="15" name="テキスト ボックス 14">
@@ -8322,8 +7765,8 @@
           </p:sp>
         </mc:Fallback>
       </mc:AlternateContent>
-      <mc:AlternateContent xmlns:mc="http://schemas.openxmlformats.org/markup-compatibility/2006">
-        <mc:Choice xmlns:a14="http://schemas.microsoft.com/office/drawing/2010/main" Requires="a14">
+      <mc:AlternateContent xmlns:mc="http://schemas.openxmlformats.org/markup-compatibility/2006" xmlns:a14="http://schemas.microsoft.com/office/drawing/2010/main">
+        <mc:Choice Requires="a14">
           <p:sp>
             <p:nvSpPr>
               <p:cNvPr id="16" name="テキスト ボックス 15">
@@ -8389,7 +7832,7 @@
             </p:txBody>
           </p:sp>
         </mc:Choice>
-        <mc:Fallback>
+        <mc:Fallback xmlns="">
           <p:sp>
             <p:nvSpPr>
               <p:cNvPr id="16" name="テキスト ボックス 15">
@@ -8434,8 +7877,8 @@
           </p:sp>
         </mc:Fallback>
       </mc:AlternateContent>
-      <mc:AlternateContent xmlns:mc="http://schemas.openxmlformats.org/markup-compatibility/2006">
-        <mc:Choice xmlns:a14="http://schemas.microsoft.com/office/drawing/2010/main" Requires="a14">
+      <mc:AlternateContent xmlns:mc="http://schemas.openxmlformats.org/markup-compatibility/2006" xmlns:a14="http://schemas.microsoft.com/office/drawing/2010/main">
+        <mc:Choice Requires="a14">
           <p:sp>
             <p:nvSpPr>
               <p:cNvPr id="3" name="テキスト ボックス 2">
@@ -8563,7 +8006,7 @@
             </p:txBody>
           </p:sp>
         </mc:Choice>
-        <mc:Fallback>
+        <mc:Fallback xmlns="">
           <p:sp>
             <p:nvSpPr>
               <p:cNvPr id="3" name="テキスト ボックス 2">
@@ -8608,8 +8051,8 @@
           </p:sp>
         </mc:Fallback>
       </mc:AlternateContent>
-      <mc:AlternateContent xmlns:mc="http://schemas.openxmlformats.org/markup-compatibility/2006">
-        <mc:Choice xmlns:a14="http://schemas.microsoft.com/office/drawing/2010/main" Requires="a14">
+      <mc:AlternateContent xmlns:mc="http://schemas.openxmlformats.org/markup-compatibility/2006" xmlns:a14="http://schemas.microsoft.com/office/drawing/2010/main">
+        <mc:Choice Requires="a14">
           <p:sp>
             <p:nvSpPr>
               <p:cNvPr id="20" name="テキスト ボックス 19">
@@ -8850,7 +8293,7 @@
             </p:txBody>
           </p:sp>
         </mc:Choice>
-        <mc:Fallback>
+        <mc:Fallback xmlns="">
           <p:sp>
             <p:nvSpPr>
               <p:cNvPr id="20" name="テキスト ボックス 19">
@@ -8895,8 +8338,8 @@
           </p:sp>
         </mc:Fallback>
       </mc:AlternateContent>
-      <mc:AlternateContent xmlns:mc="http://schemas.openxmlformats.org/markup-compatibility/2006">
-        <mc:Choice xmlns:a14="http://schemas.microsoft.com/office/drawing/2010/main" Requires="a14">
+      <mc:AlternateContent xmlns:mc="http://schemas.openxmlformats.org/markup-compatibility/2006" xmlns:a14="http://schemas.microsoft.com/office/drawing/2010/main">
+        <mc:Choice Requires="a14">
           <p:sp>
             <p:nvSpPr>
               <p:cNvPr id="23" name="テキスト ボックス 22">
@@ -8925,7 +8368,6 @@
               </a:bodyPr>
               <a:lstStyle/>
               <a:p>
-                <a:pPr/>
                 <a14:m>
                   <m:oMath xmlns:m="http://schemas.openxmlformats.org/officeDocument/2006/math">
                     <m:func>
@@ -9446,7 +8888,7 @@
             </p:txBody>
           </p:sp>
         </mc:Choice>
-        <mc:Fallback>
+        <mc:Fallback xmlns="">
           <p:sp>
             <p:nvSpPr>
               <p:cNvPr id="23" name="テキスト ボックス 22">
